--- a/presentation/Mind_Palette_Presentation.pptx
+++ b/presentation/Mind_Palette_Presentation.pptx
@@ -11,7 +11,7 @@
     <p:sldId id="259" r:id="rId10"/>
     <p:sldId id="260" r:id="rId11"/>
   </p:sldIdLst>
-  <p:sldSz cx="9144000" cy="6858000" type="screen4x3"/>
+  <p:sldSz cx="9144000" cy="5143500" type="screen4x3"/>
   <p:notesSz cx="6858000" cy="9144000"/>
   <p:defaultTextStyle>
     <a:defPPr>
@@ -3101,7 +3101,7 @@
         <p:spPr>
           <a:xfrm>
             <a:off x="0" y="0"/>
-            <a:ext cx="9144000" cy="6858000"/>
+            <a:ext cx="9144000" cy="5143500"/>
           </a:xfrm>
           <a:prstGeom prst="rect">
             <a:avLst/>
@@ -3157,7 +3157,7 @@
         </p:nvSpPr>
         <p:spPr>
           <a:xfrm>
-            <a:off x="274320" y="274320"/>
+            <a:off x="182880" y="182880"/>
             <a:ext cx="1371600" cy="45720"/>
           </a:xfrm>
           <a:prstGeom prst="roundRect">
@@ -3200,7 +3200,7 @@
         </p:nvSpPr>
         <p:spPr>
           <a:xfrm>
-            <a:off x="8229600" y="6400800"/>
+            <a:off x="7772400" y="4114800"/>
             <a:ext cx="365760" cy="365760"/>
           </a:xfrm>
           <a:prstGeom prst="roundRect">
@@ -3243,8 +3243,8 @@
         </p:nvSpPr>
         <p:spPr>
           <a:xfrm>
-            <a:off x="914400" y="1828800"/>
-            <a:ext cx="7315200" cy="914400"/>
+            <a:off x="731520" y="1371600"/>
+            <a:ext cx="6400800" cy="731520"/>
           </a:xfrm>
           <a:prstGeom prst="rect">
             <a:avLst/>
@@ -3259,7 +3259,7 @@
           <a:p>
             <a:pPr algn="ctr"/>
             <a:r>
-              <a:rPr sz="6000" b="1">
+              <a:rPr sz="5600" b="1">
                 <a:solidFill>
                   <a:srgbClr val="667EEA"/>
                 </a:solidFill>
@@ -3278,8 +3278,8 @@
         </p:nvSpPr>
         <p:spPr>
           <a:xfrm>
-            <a:off x="1371600" y="2743200"/>
-            <a:ext cx="6400800" cy="731520"/>
+            <a:off x="1371600" y="1920240"/>
+            <a:ext cx="6400800" cy="548640"/>
           </a:xfrm>
           <a:prstGeom prst="rect">
             <a:avLst/>
@@ -3294,7 +3294,7 @@
           <a:p>
             <a:pPr algn="ctr"/>
             <a:r>
-              <a:rPr sz="3200">
+              <a:rPr sz="2800">
                 <a:solidFill>
                   <a:srgbClr val="764BA2"/>
                 </a:solidFill>
@@ -3313,8 +3313,8 @@
         </p:nvSpPr>
         <p:spPr>
           <a:xfrm>
-            <a:off x="1828800" y="3474720"/>
-            <a:ext cx="5486400" cy="548640"/>
+            <a:off x="1828800" y="2560320"/>
+            <a:ext cx="5486400" cy="457200"/>
           </a:xfrm>
           <a:prstGeom prst="rect">
             <a:avLst/>
@@ -3329,7 +3329,7 @@
           <a:p>
             <a:pPr algn="ctr"/>
             <a:r>
-              <a:rPr sz="2000">
+              <a:rPr sz="1800">
                 <a:solidFill>
                   <a:srgbClr val="666666"/>
                 </a:solidFill>
@@ -3348,7 +3348,7 @@
         </p:nvSpPr>
         <p:spPr>
           <a:xfrm>
-            <a:off x="2286000" y="4572000"/>
+            <a:off x="2286000" y="3291840"/>
             <a:ext cx="4572000" cy="1371600"/>
           </a:xfrm>
           <a:prstGeom prst="rect">
@@ -3438,7 +3438,7 @@
         <p:spPr>
           <a:xfrm>
             <a:off x="0" y="0"/>
-            <a:ext cx="9144000" cy="6858000"/>
+            <a:ext cx="9144000" cy="5143500"/>
           </a:xfrm>
           <a:prstGeom prst="rect">
             <a:avLst/>
@@ -3494,7 +3494,7 @@
         </p:nvSpPr>
         <p:spPr>
           <a:xfrm>
-            <a:off x="274320" y="274320"/>
+            <a:off x="182880" y="182880"/>
             <a:ext cx="1371600" cy="45720"/>
           </a:xfrm>
           <a:prstGeom prst="roundRect">
@@ -3537,8 +3537,8 @@
         </p:nvSpPr>
         <p:spPr>
           <a:xfrm>
-            <a:off x="914400" y="457200"/>
-            <a:ext cx="7315200" cy="731520"/>
+            <a:off x="548640" y="457200"/>
+            <a:ext cx="8229600" cy="640080"/>
           </a:xfrm>
           <a:prstGeom prst="rect">
             <a:avLst/>
@@ -3553,7 +3553,7 @@
           <a:p>
             <a:pPr algn="ctr"/>
             <a:r>
-              <a:rPr sz="4000" b="1">
+              <a:rPr sz="3600" b="1">
                 <a:solidFill>
                   <a:srgbClr val="667EEA"/>
                 </a:solidFill>
@@ -3572,8 +3572,8 @@
         </p:nvSpPr>
         <p:spPr>
           <a:xfrm>
-            <a:off x="1371600" y="1371600"/>
-            <a:ext cx="6400800" cy="457200"/>
+            <a:off x="1188720" y="1371600"/>
+            <a:ext cx="6400800" cy="365760"/>
           </a:xfrm>
           <a:prstGeom prst="rect">
             <a:avLst/>
@@ -3588,7 +3588,7 @@
           <a:p>
             <a:pPr algn="l"/>
             <a:r>
-              <a:rPr sz="2400">
+              <a:rPr sz="2200">
                 <a:solidFill>
                   <a:srgbClr val="764BA2"/>
                 </a:solidFill>
@@ -3607,7 +3607,7 @@
         </p:nvSpPr>
         <p:spPr>
           <a:xfrm>
-            <a:off x="1371600" y="2103120"/>
+            <a:off x="1371600" y="1737360"/>
             <a:ext cx="6400800" cy="3657600"/>
           </a:xfrm>
           <a:prstGeom prst="rect">
@@ -3627,7 +3627,7 @@
               </a:spcBef>
             </a:pPr>
             <a:r>
-              <a:rPr sz="1800">
+              <a:rPr sz="1600">
                 <a:solidFill>
                   <a:srgbClr val="333333"/>
                 </a:solidFill>
@@ -3643,7 +3643,7 @@
               </a:spcBef>
             </a:pPr>
             <a:r>
-              <a:rPr sz="1800">
+              <a:rPr sz="1600">
                 <a:solidFill>
                   <a:srgbClr val="333333"/>
                 </a:solidFill>
@@ -3659,7 +3659,7 @@
               </a:spcBef>
             </a:pPr>
             <a:r>
-              <a:rPr sz="1800">
+              <a:rPr sz="1600">
                 <a:solidFill>
                   <a:srgbClr val="333333"/>
                 </a:solidFill>
@@ -3675,7 +3675,7 @@
               </a:spcBef>
             </a:pPr>
             <a:r>
-              <a:rPr sz="1800">
+              <a:rPr sz="1600">
                 <a:solidFill>
                   <a:srgbClr val="333333"/>
                 </a:solidFill>
@@ -3694,8 +3694,8 @@
         </p:nvSpPr>
         <p:spPr>
           <a:xfrm>
-            <a:off x="1371600" y="5029200"/>
-            <a:ext cx="6400800" cy="1097280"/>
+            <a:off x="1371600" y="3749039"/>
+            <a:ext cx="6400800" cy="914400"/>
           </a:xfrm>
           <a:prstGeom prst="rect">
             <a:avLst/>
@@ -3762,7 +3762,7 @@
         <p:spPr>
           <a:xfrm>
             <a:off x="0" y="0"/>
-            <a:ext cx="9144000" cy="6858000"/>
+            <a:ext cx="9144000" cy="5143500"/>
           </a:xfrm>
           <a:prstGeom prst="rect">
             <a:avLst/>
@@ -3818,7 +3818,7 @@
         </p:nvSpPr>
         <p:spPr>
           <a:xfrm>
-            <a:off x="274320" y="274320"/>
+            <a:off x="182880" y="182880"/>
             <a:ext cx="1371600" cy="45720"/>
           </a:xfrm>
           <a:prstGeom prst="roundRect">
@@ -3861,8 +3861,8 @@
         </p:nvSpPr>
         <p:spPr>
           <a:xfrm>
-            <a:off x="914400" y="457200"/>
-            <a:ext cx="7315200" cy="548640"/>
+            <a:off x="548640" y="457200"/>
+            <a:ext cx="8229600" cy="548640"/>
           </a:xfrm>
           <a:prstGeom prst="rect">
             <a:avLst/>
@@ -3877,7 +3877,7 @@
           <a:p>
             <a:pPr algn="ctr"/>
             <a:r>
-              <a:rPr sz="4400" b="1">
+              <a:rPr sz="4000" b="1">
                 <a:solidFill>
                   <a:srgbClr val="667EEA"/>
                 </a:solidFill>
@@ -3896,8 +3896,8 @@
         </p:nvSpPr>
         <p:spPr>
           <a:xfrm>
-            <a:off x="1371600" y="1097280"/>
-            <a:ext cx="6400800" cy="457200"/>
+            <a:off x="1188720" y="1097280"/>
+            <a:ext cx="6400800" cy="365760"/>
           </a:xfrm>
           <a:prstGeom prst="rect">
             <a:avLst/>
@@ -3912,7 +3912,7 @@
           <a:p>
             <a:pPr algn="ctr"/>
             <a:r>
-              <a:rPr sz="2400">
+              <a:rPr sz="2200">
                 <a:solidFill>
                   <a:srgbClr val="764BA2"/>
                 </a:solidFill>
@@ -3931,7 +3931,7 @@
         </p:nvSpPr>
         <p:spPr>
           <a:xfrm>
-            <a:off x="1371600" y="2011680"/>
+            <a:off x="1371600" y="1645920"/>
             <a:ext cx="6400800" cy="3657600"/>
           </a:xfrm>
           <a:prstGeom prst="rect">
@@ -3951,7 +3951,7 @@
               </a:spcBef>
             </a:pPr>
             <a:r>
-              <a:rPr sz="1700">
+              <a:rPr sz="1500">
                 <a:solidFill>
                   <a:srgbClr val="333333"/>
                 </a:solidFill>
@@ -3967,7 +3967,7 @@
               </a:spcBef>
             </a:pPr>
             <a:r>
-              <a:rPr sz="1700">
+              <a:rPr sz="1500">
                 <a:solidFill>
                   <a:srgbClr val="333333"/>
                 </a:solidFill>
@@ -3983,7 +3983,7 @@
               </a:spcBef>
             </a:pPr>
             <a:r>
-              <a:rPr sz="1700">
+              <a:rPr sz="1500">
                 <a:solidFill>
                   <a:srgbClr val="333333"/>
                 </a:solidFill>
@@ -3999,7 +3999,7 @@
               </a:spcBef>
             </a:pPr>
             <a:r>
-              <a:rPr sz="1700">
+              <a:rPr sz="1500">
                 <a:solidFill>
                   <a:srgbClr val="333333"/>
                 </a:solidFill>
@@ -4015,7 +4015,7 @@
               </a:spcBef>
             </a:pPr>
             <a:r>
-              <a:rPr sz="1700">
+              <a:rPr sz="1500">
                 <a:solidFill>
                   <a:srgbClr val="333333"/>
                 </a:solidFill>
@@ -4034,8 +4034,8 @@
         </p:nvSpPr>
         <p:spPr>
           <a:xfrm>
-            <a:off x="1371600" y="4572000"/>
-            <a:ext cx="6400800" cy="1645920"/>
+            <a:off x="1371600" y="3474720"/>
+            <a:ext cx="6400800" cy="1371600"/>
           </a:xfrm>
           <a:prstGeom prst="rect">
             <a:avLst/>
@@ -4132,7 +4132,7 @@
         <p:spPr>
           <a:xfrm>
             <a:off x="0" y="0"/>
-            <a:ext cx="9144000" cy="6858000"/>
+            <a:ext cx="9144000" cy="5143500"/>
           </a:xfrm>
           <a:prstGeom prst="rect">
             <a:avLst/>
@@ -4188,7 +4188,7 @@
         </p:nvSpPr>
         <p:spPr>
           <a:xfrm>
-            <a:off x="274320" y="274320"/>
+            <a:off x="182880" y="182880"/>
             <a:ext cx="1371600" cy="45720"/>
           </a:xfrm>
           <a:prstGeom prst="roundRect">
@@ -4231,8 +4231,8 @@
         </p:nvSpPr>
         <p:spPr>
           <a:xfrm>
-            <a:off x="914400" y="457200"/>
-            <a:ext cx="7315200" cy="640080"/>
+            <a:off x="548640" y="457200"/>
+            <a:ext cx="8229600" cy="548640"/>
           </a:xfrm>
           <a:prstGeom prst="rect">
             <a:avLst/>
@@ -4247,7 +4247,7 @@
           <a:p>
             <a:pPr algn="ctr"/>
             <a:r>
-              <a:rPr sz="4000" b="1">
+              <a:rPr sz="3600" b="1">
                 <a:solidFill>
                   <a:srgbClr val="667EEA"/>
                 </a:solidFill>
@@ -4266,8 +4266,8 @@
         </p:nvSpPr>
         <p:spPr>
           <a:xfrm>
-            <a:off x="1371600" y="1371600"/>
-            <a:ext cx="6400800" cy="457200"/>
+            <a:off x="1188720" y="1371600"/>
+            <a:ext cx="6400800" cy="365760"/>
           </a:xfrm>
           <a:prstGeom prst="rect">
             <a:avLst/>
@@ -4282,7 +4282,7 @@
           <a:p>
             <a:pPr algn="l"/>
             <a:r>
-              <a:rPr sz="2400">
+              <a:rPr sz="2200">
                 <a:solidFill>
                   <a:srgbClr val="764BA2"/>
                 </a:solidFill>
@@ -4301,7 +4301,7 @@
         </p:nvSpPr>
         <p:spPr>
           <a:xfrm>
-            <a:off x="1371600" y="2011680"/>
+            <a:off x="1371600" y="1645920"/>
             <a:ext cx="6400800" cy="3657600"/>
           </a:xfrm>
           <a:prstGeom prst="rect">
@@ -4321,7 +4321,7 @@
               </a:spcBef>
             </a:pPr>
             <a:r>
-              <a:rPr sz="1700">
+              <a:rPr sz="1500">
                 <a:solidFill>
                   <a:srgbClr val="333333"/>
                 </a:solidFill>
@@ -4337,7 +4337,7 @@
               </a:spcBef>
             </a:pPr>
             <a:r>
-              <a:rPr sz="1700">
+              <a:rPr sz="1500">
                 <a:solidFill>
                   <a:srgbClr val="333333"/>
                 </a:solidFill>
@@ -4353,7 +4353,7 @@
               </a:spcBef>
             </a:pPr>
             <a:r>
-              <a:rPr sz="1700">
+              <a:rPr sz="1500">
                 <a:solidFill>
                   <a:srgbClr val="333333"/>
                 </a:solidFill>
@@ -4369,7 +4369,7 @@
               </a:spcBef>
             </a:pPr>
             <a:r>
-              <a:rPr sz="1700">
+              <a:rPr sz="1500">
                 <a:solidFill>
                   <a:srgbClr val="333333"/>
                 </a:solidFill>
@@ -4385,7 +4385,7 @@
               </a:spcBef>
             </a:pPr>
             <a:r>
-              <a:rPr sz="1700">
+              <a:rPr sz="1500">
                 <a:solidFill>
                   <a:srgbClr val="333333"/>
                 </a:solidFill>
@@ -4404,8 +4404,8 @@
         </p:nvSpPr>
         <p:spPr>
           <a:xfrm>
-            <a:off x="1371600" y="4572000"/>
-            <a:ext cx="6400800" cy="1645920"/>
+            <a:off x="1371600" y="3474720"/>
+            <a:ext cx="6400800" cy="1371600"/>
           </a:xfrm>
           <a:prstGeom prst="rect">
             <a:avLst/>
@@ -4502,7 +4502,7 @@
         <p:spPr>
           <a:xfrm>
             <a:off x="0" y="0"/>
-            <a:ext cx="9144000" cy="6858000"/>
+            <a:ext cx="9144000" cy="5143500"/>
           </a:xfrm>
           <a:prstGeom prst="rect">
             <a:avLst/>
@@ -4558,7 +4558,7 @@
         </p:nvSpPr>
         <p:spPr>
           <a:xfrm>
-            <a:off x="274320" y="274320"/>
+            <a:off x="182880" y="182880"/>
             <a:ext cx="1371600" cy="45720"/>
           </a:xfrm>
           <a:prstGeom prst="roundRect">
@@ -4601,8 +4601,8 @@
         </p:nvSpPr>
         <p:spPr>
           <a:xfrm>
-            <a:off x="731520" y="457200"/>
-            <a:ext cx="7315200" cy="640080"/>
+            <a:off x="457200" y="457200"/>
+            <a:ext cx="8229600" cy="548640"/>
           </a:xfrm>
           <a:prstGeom prst="rect">
             <a:avLst/>
@@ -4617,7 +4617,7 @@
           <a:p>
             <a:pPr algn="ctr"/>
             <a:r>
-              <a:rPr sz="3800" b="1">
+              <a:rPr sz="3400" b="1">
                 <a:solidFill>
                   <a:srgbClr val="667EEA"/>
                 </a:solidFill>
@@ -4636,8 +4636,8 @@
         </p:nvSpPr>
         <p:spPr>
           <a:xfrm>
-            <a:off x="731520" y="1554480"/>
-            <a:ext cx="3657600" cy="1828800"/>
+            <a:off x="731520" y="1188720"/>
+            <a:ext cx="3657600" cy="1645920"/>
           </a:xfrm>
           <a:prstGeom prst="rect">
             <a:avLst/>
@@ -4729,8 +4729,8 @@
         </p:nvSpPr>
         <p:spPr>
           <a:xfrm>
-            <a:off x="4754880" y="1554480"/>
-            <a:ext cx="3657600" cy="1828800"/>
+            <a:off x="4754880" y="1188720"/>
+            <a:ext cx="3657600" cy="1645920"/>
           </a:xfrm>
           <a:prstGeom prst="rect">
             <a:avLst/>
@@ -4822,8 +4822,8 @@
         </p:nvSpPr>
         <p:spPr>
           <a:xfrm>
-            <a:off x="731520" y="3657600"/>
-            <a:ext cx="3657600" cy="1371600"/>
+            <a:off x="731520" y="3017520"/>
+            <a:ext cx="3657600" cy="1097280"/>
           </a:xfrm>
           <a:prstGeom prst="rect">
             <a:avLst/>
@@ -4837,12 +4837,60 @@
           <a:lstStyle/>
           <a:p>
             <a:r>
-              <a:rPr sz="1800" b="1">
+              <a:rPr sz="1600" b="1">
                 <a:solidFill>
                   <a:srgbClr val="667EEA"/>
                 </a:solidFill>
               </a:rPr>
               <a:t>개발 성과</a:t>
+            </a:r>
+          </a:p>
+          <a:p>
+            <a:pPr>
+              <a:spcBef>
+                <a:spcPts val="400"/>
+              </a:spcBef>
+            </a:pPr>
+            <a:r>
+              <a:rPr sz="1200">
+                <a:solidFill>
+                  <a:srgbClr val="444444"/>
+                </a:solidFill>
+              </a:rPr>
+              <a:t>1주일 MVP 완성, React 기반 모던 UI, 감정 분석 기능 구현</a:t>
+            </a:r>
+          </a:p>
+        </p:txBody>
+      </p:sp>
+      <p:sp>
+        <p:nvSpPr>
+          <p:cNvPr id="8" name="TextBox 7"/>
+          <p:cNvSpPr txBox="1"/>
+          <p:nvPr/>
+        </p:nvSpPr>
+        <p:spPr>
+          <a:xfrm>
+            <a:off x="4754880" y="3017520"/>
+            <a:ext cx="3657600" cy="1097280"/>
+          </a:xfrm>
+          <a:prstGeom prst="rect">
+            <a:avLst/>
+          </a:prstGeom>
+          <a:noFill/>
+        </p:spPr>
+        <p:txBody>
+          <a:bodyPr wrap="square">
+            <a:spAutoFit/>
+          </a:bodyPr>
+          <a:lstStyle/>
+          <a:p>
+            <a:r>
+              <a:rPr sz="1800" b="1">
+                <a:solidFill>
+                  <a:srgbClr val="764BA2"/>
+                </a:solidFill>
+              </a:rPr>
+              <a:t>향후 계획</a:t>
             </a:r>
           </a:p>
           <a:p>
@@ -4857,21 +4905,21 @@
                   <a:srgbClr val="444444"/>
                 </a:solidFill>
               </a:rPr>
-              <a:t>1주일 MVP 완성, React 기반 모던 UI, 감정 분석 기능 구현</a:t>
-            </a:r>
-          </a:p>
-        </p:txBody>
-      </p:sp>
-      <p:sp>
-        <p:nvSpPr>
-          <p:cNvPr id="8" name="TextBox 7"/>
+              <a:t>PWA 지원, AI 분석 고도화, 모바일 앱, 클라우드 백업</a:t>
+            </a:r>
+          </a:p>
+        </p:txBody>
+      </p:sp>
+      <p:sp>
+        <p:nvSpPr>
+          <p:cNvPr id="9" name="TextBox 8"/>
           <p:cNvSpPr txBox="1"/>
           <p:nvPr/>
         </p:nvSpPr>
         <p:spPr>
           <a:xfrm>
-            <a:off x="4754880" y="3657600"/>
-            <a:ext cx="3657600" cy="1371600"/>
+            <a:off x="1371600" y="4389120"/>
+            <a:ext cx="6400800" cy="548640"/>
           </a:xfrm>
           <a:prstGeom prst="rect">
             <a:avLst/>
@@ -4879,54 +4927,6 @@
           <a:noFill/>
         </p:spPr>
         <p:txBody>
-          <a:bodyPr wrap="square">
-            <a:spAutoFit/>
-          </a:bodyPr>
-          <a:lstStyle/>
-          <a:p>
-            <a:r>
-              <a:rPr sz="1800" b="1">
-                <a:solidFill>
-                  <a:srgbClr val="764BA2"/>
-                </a:solidFill>
-              </a:rPr>
-              <a:t>향후 계획</a:t>
-            </a:r>
-          </a:p>
-          <a:p>
-            <a:pPr>
-              <a:spcBef>
-                <a:spcPts val="600"/>
-              </a:spcBef>
-            </a:pPr>
-            <a:r>
-              <a:rPr sz="1300">
-                <a:solidFill>
-                  <a:srgbClr val="444444"/>
-                </a:solidFill>
-              </a:rPr>
-              <a:t>PWA 지원, AI 분석 고도화, 모바일 앱, 클라우드 백업</a:t>
-            </a:r>
-          </a:p>
-        </p:txBody>
-      </p:sp>
-      <p:sp>
-        <p:nvSpPr>
-          <p:cNvPr id="9" name="TextBox 8"/>
-          <p:cNvSpPr txBox="1"/>
-          <p:nvPr/>
-        </p:nvSpPr>
-        <p:spPr>
-          <a:xfrm>
-            <a:off x="1371600" y="5486400"/>
-            <a:ext cx="6400800" cy="731520"/>
-          </a:xfrm>
-          <a:prstGeom prst="rect">
-            <a:avLst/>
-          </a:prstGeom>
-          <a:noFill/>
-        </p:spPr>
-        <p:txBody>
           <a:bodyPr wrap="none">
             <a:spAutoFit/>
           </a:bodyPr>
@@ -4934,7 +4934,7 @@
           <a:p>
             <a:pPr algn="ctr"/>
             <a:r>
-              <a:rPr sz="2400" b="1">
+              <a:rPr sz="2000" b="1">
                 <a:solidFill>
                   <a:srgbClr val="667EEA"/>
                 </a:solidFill>
@@ -4945,7 +4945,7 @@
           <a:p>
             <a:pPr algn="ctr"/>
             <a:r>
-              <a:rPr sz="2800" b="1">
+              <a:rPr sz="2400" b="1">
                 <a:solidFill>
                   <a:srgbClr val="764BA2"/>
                 </a:solidFill>

--- a/presentation/Mind_Palette_Presentation.pptx
+++ b/presentation/Mind_Palette_Presentation.pptx
@@ -5,13 +5,13 @@
     <p:sldMasterId id="2147483648" r:id="rId1"/>
   </p:sldMasterIdLst>
   <p:sldIdLst>
-    <p:sldId id="256" r:id="rId7"/>
-    <p:sldId id="257" r:id="rId8"/>
-    <p:sldId id="258" r:id="rId9"/>
-    <p:sldId id="259" r:id="rId10"/>
-    <p:sldId id="260" r:id="rId11"/>
+    <p:sldId id="256" r:id="rId2"/>
+    <p:sldId id="257" r:id="rId3"/>
+    <p:sldId id="258" r:id="rId4"/>
+    <p:sldId id="259" r:id="rId5"/>
+    <p:sldId id="260" r:id="rId6"/>
   </p:sldIdLst>
-  <p:sldSz cx="9144000" cy="5143500" type="screen4x3"/>
+  <p:sldSz cx="9144000" cy="5143500" type="screen16x9"/>
   <p:notesSz cx="6858000" cy="9144000"/>
   <p:defaultTextStyle>
     <a:defPPr>
@@ -108,6 +108,22 @@
       </a:defRPr>
     </a:lvl9pPr>
   </p:defaultTextStyle>
+  <p:extLst>
+    <p:ext uri="{EFAFB233-063F-42B5-8137-9DF3F51BA10A}">
+      <p15:sldGuideLst xmlns:p15="http://schemas.microsoft.com/office/powerpoint/2012/main">
+        <p15:guide id="1" orient="horz" pos="2160">
+          <p15:clr>
+            <a:srgbClr val="A4A3A4"/>
+          </p15:clr>
+        </p15:guide>
+        <p15:guide id="2" pos="2880">
+          <p15:clr>
+            <a:srgbClr val="A4A3A4"/>
+          </p15:clr>
+        </p15:guide>
+      </p15:sldGuideLst>
+    </p:ext>
+  </p:extLst>
 </p:presentation>
 </file>
 
@@ -149,10 +165,9 @@
           <a:lstStyle/>
           <a:p>
             <a:r>
-              <a:rPr lang="en-US" smtClean="0"/>
+              <a:rPr lang="en-US"/>
               <a:t>Click to edit Master title style</a:t>
             </a:r>
-            <a:endParaRPr lang="en-US"/>
           </a:p>
         </p:txBody>
       </p:sp>
@@ -268,10 +283,9 @@
           </a:lstStyle>
           <a:p>
             <a:r>
-              <a:rPr lang="en-US" smtClean="0"/>
+              <a:rPr lang="en-US"/>
               <a:t>Click to edit Master subtitle style</a:t>
             </a:r>
-            <a:endParaRPr lang="en-US"/>
           </a:p>
         </p:txBody>
       </p:sp>
@@ -292,7 +306,7 @@
           <a:p>
             <a:fld id="{5BCAD085-E8A6-8845-BD4E-CB4CCA059FC4}" type="datetimeFigureOut">
               <a:rPr lang="en-US" smtClean="0"/>
-              <a:t>1/27/13</a:t>
+              <a:t>10/27/25</a:t>
             </a:fld>
             <a:endParaRPr lang="en-US"/>
           </a:p>
@@ -386,10 +400,9 @@
           <a:lstStyle/>
           <a:p>
             <a:r>
-              <a:rPr lang="en-US" smtClean="0"/>
+              <a:rPr lang="en-US"/>
               <a:t>Click to edit Master title style</a:t>
             </a:r>
-            <a:endParaRPr lang="en-US"/>
           </a:p>
         </p:txBody>
       </p:sp>
@@ -410,38 +423,37 @@
           <a:p>
             <a:pPr lvl="0"/>
             <a:r>
-              <a:rPr lang="en-US" smtClean="0"/>
+              <a:rPr lang="en-US"/>
               <a:t>Click to edit Master text styles</a:t>
             </a:r>
           </a:p>
           <a:p>
             <a:pPr lvl="1"/>
             <a:r>
-              <a:rPr lang="en-US" smtClean="0"/>
+              <a:rPr lang="en-US"/>
               <a:t>Second level</a:t>
             </a:r>
           </a:p>
           <a:p>
             <a:pPr lvl="2"/>
             <a:r>
-              <a:rPr lang="en-US" smtClean="0"/>
+              <a:rPr lang="en-US"/>
               <a:t>Third level</a:t>
             </a:r>
           </a:p>
           <a:p>
             <a:pPr lvl="3"/>
             <a:r>
-              <a:rPr lang="en-US" smtClean="0"/>
+              <a:rPr lang="en-US"/>
               <a:t>Fourth level</a:t>
             </a:r>
           </a:p>
           <a:p>
             <a:pPr lvl="4"/>
             <a:r>
-              <a:rPr lang="en-US" smtClean="0"/>
+              <a:rPr lang="en-US"/>
               <a:t>Fifth level</a:t>
             </a:r>
-            <a:endParaRPr lang="en-US"/>
           </a:p>
         </p:txBody>
       </p:sp>
@@ -462,7 +474,7 @@
           <a:p>
             <a:fld id="{5BCAD085-E8A6-8845-BD4E-CB4CCA059FC4}" type="datetimeFigureOut">
               <a:rPr lang="en-US" smtClean="0"/>
-              <a:t>1/27/13</a:t>
+              <a:t>10/27/25</a:t>
             </a:fld>
             <a:endParaRPr lang="en-US"/>
           </a:p>
@@ -561,10 +573,9 @@
           <a:lstStyle/>
           <a:p>
             <a:r>
-              <a:rPr lang="en-US" smtClean="0"/>
+              <a:rPr lang="en-US"/>
               <a:t>Click to edit Master title style</a:t>
             </a:r>
-            <a:endParaRPr lang="en-US"/>
           </a:p>
         </p:txBody>
       </p:sp>
@@ -590,38 +601,37 @@
           <a:p>
             <a:pPr lvl="0"/>
             <a:r>
-              <a:rPr lang="en-US" smtClean="0"/>
+              <a:rPr lang="en-US"/>
               <a:t>Click to edit Master text styles</a:t>
             </a:r>
           </a:p>
           <a:p>
             <a:pPr lvl="1"/>
             <a:r>
-              <a:rPr lang="en-US" smtClean="0"/>
+              <a:rPr lang="en-US"/>
               <a:t>Second level</a:t>
             </a:r>
           </a:p>
           <a:p>
             <a:pPr lvl="2"/>
             <a:r>
-              <a:rPr lang="en-US" smtClean="0"/>
+              <a:rPr lang="en-US"/>
               <a:t>Third level</a:t>
             </a:r>
           </a:p>
           <a:p>
             <a:pPr lvl="3"/>
             <a:r>
-              <a:rPr lang="en-US" smtClean="0"/>
+              <a:rPr lang="en-US"/>
               <a:t>Fourth level</a:t>
             </a:r>
           </a:p>
           <a:p>
             <a:pPr lvl="4"/>
             <a:r>
-              <a:rPr lang="en-US" smtClean="0"/>
+              <a:rPr lang="en-US"/>
               <a:t>Fifth level</a:t>
             </a:r>
-            <a:endParaRPr lang="en-US"/>
           </a:p>
         </p:txBody>
       </p:sp>
@@ -642,7 +652,7 @@
           <a:p>
             <a:fld id="{5BCAD085-E8A6-8845-BD4E-CB4CCA059FC4}" type="datetimeFigureOut">
               <a:rPr lang="en-US" smtClean="0"/>
-              <a:t>1/27/13</a:t>
+              <a:t>10/27/25</a:t>
             </a:fld>
             <a:endParaRPr lang="en-US"/>
           </a:p>
@@ -736,10 +746,9 @@
           <a:lstStyle/>
           <a:p>
             <a:r>
-              <a:rPr lang="en-US" smtClean="0"/>
+              <a:rPr lang="en-US"/>
               <a:t>Click to edit Master title style</a:t>
             </a:r>
-            <a:endParaRPr lang="en-US"/>
           </a:p>
         </p:txBody>
       </p:sp>
@@ -760,38 +769,37 @@
           <a:p>
             <a:pPr lvl="0"/>
             <a:r>
-              <a:rPr lang="en-US" smtClean="0"/>
+              <a:rPr lang="en-US"/>
               <a:t>Click to edit Master text styles</a:t>
             </a:r>
           </a:p>
           <a:p>
             <a:pPr lvl="1"/>
             <a:r>
-              <a:rPr lang="en-US" smtClean="0"/>
+              <a:rPr lang="en-US"/>
               <a:t>Second level</a:t>
             </a:r>
           </a:p>
           <a:p>
             <a:pPr lvl="2"/>
             <a:r>
-              <a:rPr lang="en-US" smtClean="0"/>
+              <a:rPr lang="en-US"/>
               <a:t>Third level</a:t>
             </a:r>
           </a:p>
           <a:p>
             <a:pPr lvl="3"/>
             <a:r>
-              <a:rPr lang="en-US" smtClean="0"/>
+              <a:rPr lang="en-US"/>
               <a:t>Fourth level</a:t>
             </a:r>
           </a:p>
           <a:p>
             <a:pPr lvl="4"/>
             <a:r>
-              <a:rPr lang="en-US" smtClean="0"/>
+              <a:rPr lang="en-US"/>
               <a:t>Fifth level</a:t>
             </a:r>
-            <a:endParaRPr lang="en-US"/>
           </a:p>
         </p:txBody>
       </p:sp>
@@ -812,7 +820,7 @@
           <a:p>
             <a:fld id="{5BCAD085-E8A6-8845-BD4E-CB4CCA059FC4}" type="datetimeFigureOut">
               <a:rPr lang="en-US" smtClean="0"/>
-              <a:t>1/27/13</a:t>
+              <a:t>10/27/25</a:t>
             </a:fld>
             <a:endParaRPr lang="en-US"/>
           </a:p>
@@ -915,10 +923,9 @@
           </a:lstStyle>
           <a:p>
             <a:r>
-              <a:rPr lang="en-US" smtClean="0"/>
+              <a:rPr lang="en-US"/>
               <a:t>Click to edit Master title style</a:t>
             </a:r>
-            <a:endParaRPr lang="en-US"/>
           </a:p>
         </p:txBody>
       </p:sp>
@@ -1035,7 +1042,7 @@
           <a:p>
             <a:pPr lvl="0"/>
             <a:r>
-              <a:rPr lang="en-US" smtClean="0"/>
+              <a:rPr lang="en-US"/>
               <a:t>Click to edit Master text styles</a:t>
             </a:r>
           </a:p>
@@ -1058,7 +1065,7 @@
           <a:p>
             <a:fld id="{5BCAD085-E8A6-8845-BD4E-CB4CCA059FC4}" type="datetimeFigureOut">
               <a:rPr lang="en-US" smtClean="0"/>
-              <a:t>1/27/13</a:t>
+              <a:t>10/27/25</a:t>
             </a:fld>
             <a:endParaRPr lang="en-US"/>
           </a:p>
@@ -1152,10 +1159,9 @@
           <a:lstStyle/>
           <a:p>
             <a:r>
-              <a:rPr lang="en-US" smtClean="0"/>
+              <a:rPr lang="en-US"/>
               <a:t>Click to edit Master title style</a:t>
             </a:r>
-            <a:endParaRPr lang="en-US"/>
           </a:p>
         </p:txBody>
       </p:sp>
@@ -1209,38 +1215,37 @@
           <a:p>
             <a:pPr lvl="0"/>
             <a:r>
-              <a:rPr lang="en-US" smtClean="0"/>
+              <a:rPr lang="en-US"/>
               <a:t>Click to edit Master text styles</a:t>
             </a:r>
           </a:p>
           <a:p>
             <a:pPr lvl="1"/>
             <a:r>
-              <a:rPr lang="en-US" smtClean="0"/>
+              <a:rPr lang="en-US"/>
               <a:t>Second level</a:t>
             </a:r>
           </a:p>
           <a:p>
             <a:pPr lvl="2"/>
             <a:r>
-              <a:rPr lang="en-US" smtClean="0"/>
+              <a:rPr lang="en-US"/>
               <a:t>Third level</a:t>
             </a:r>
           </a:p>
           <a:p>
             <a:pPr lvl="3"/>
             <a:r>
-              <a:rPr lang="en-US" smtClean="0"/>
+              <a:rPr lang="en-US"/>
               <a:t>Fourth level</a:t>
             </a:r>
           </a:p>
           <a:p>
             <a:pPr lvl="4"/>
             <a:r>
-              <a:rPr lang="en-US" smtClean="0"/>
+              <a:rPr lang="en-US"/>
               <a:t>Fifth level</a:t>
             </a:r>
-            <a:endParaRPr lang="en-US"/>
           </a:p>
         </p:txBody>
       </p:sp>
@@ -1294,38 +1299,37 @@
           <a:p>
             <a:pPr lvl="0"/>
             <a:r>
-              <a:rPr lang="en-US" smtClean="0"/>
+              <a:rPr lang="en-US"/>
               <a:t>Click to edit Master text styles</a:t>
             </a:r>
           </a:p>
           <a:p>
             <a:pPr lvl="1"/>
             <a:r>
-              <a:rPr lang="en-US" smtClean="0"/>
+              <a:rPr lang="en-US"/>
               <a:t>Second level</a:t>
             </a:r>
           </a:p>
           <a:p>
             <a:pPr lvl="2"/>
             <a:r>
-              <a:rPr lang="en-US" smtClean="0"/>
+              <a:rPr lang="en-US"/>
               <a:t>Third level</a:t>
             </a:r>
           </a:p>
           <a:p>
             <a:pPr lvl="3"/>
             <a:r>
-              <a:rPr lang="en-US" smtClean="0"/>
+              <a:rPr lang="en-US"/>
               <a:t>Fourth level</a:t>
             </a:r>
           </a:p>
           <a:p>
             <a:pPr lvl="4"/>
             <a:r>
-              <a:rPr lang="en-US" smtClean="0"/>
+              <a:rPr lang="en-US"/>
               <a:t>Fifth level</a:t>
             </a:r>
-            <a:endParaRPr lang="en-US"/>
           </a:p>
         </p:txBody>
       </p:sp>
@@ -1346,7 +1350,7 @@
           <a:p>
             <a:fld id="{5BCAD085-E8A6-8845-BD4E-CB4CCA059FC4}" type="datetimeFigureOut">
               <a:rPr lang="en-US" smtClean="0"/>
-              <a:t>1/27/13</a:t>
+              <a:t>10/27/25</a:t>
             </a:fld>
             <a:endParaRPr lang="en-US"/>
           </a:p>
@@ -1444,10 +1448,9 @@
           </a:lstStyle>
           <a:p>
             <a:r>
-              <a:rPr lang="en-US" smtClean="0"/>
+              <a:rPr lang="en-US"/>
               <a:t>Click to edit Master title style</a:t>
             </a:r>
-            <a:endParaRPr lang="en-US"/>
           </a:p>
         </p:txBody>
       </p:sp>
@@ -1510,7 +1513,7 @@
           <a:p>
             <a:pPr lvl="0"/>
             <a:r>
-              <a:rPr lang="en-US" smtClean="0"/>
+              <a:rPr lang="en-US"/>
               <a:t>Click to edit Master text styles</a:t>
             </a:r>
           </a:p>
@@ -1566,38 +1569,37 @@
           <a:p>
             <a:pPr lvl="0"/>
             <a:r>
-              <a:rPr lang="en-US" smtClean="0"/>
+              <a:rPr lang="en-US"/>
               <a:t>Click to edit Master text styles</a:t>
             </a:r>
           </a:p>
           <a:p>
             <a:pPr lvl="1"/>
             <a:r>
-              <a:rPr lang="en-US" smtClean="0"/>
+              <a:rPr lang="en-US"/>
               <a:t>Second level</a:t>
             </a:r>
           </a:p>
           <a:p>
             <a:pPr lvl="2"/>
             <a:r>
-              <a:rPr lang="en-US" smtClean="0"/>
+              <a:rPr lang="en-US"/>
               <a:t>Third level</a:t>
             </a:r>
           </a:p>
           <a:p>
             <a:pPr lvl="3"/>
             <a:r>
-              <a:rPr lang="en-US" smtClean="0"/>
+              <a:rPr lang="en-US"/>
               <a:t>Fourth level</a:t>
             </a:r>
           </a:p>
           <a:p>
             <a:pPr lvl="4"/>
             <a:r>
-              <a:rPr lang="en-US" smtClean="0"/>
+              <a:rPr lang="en-US"/>
               <a:t>Fifth level</a:t>
             </a:r>
-            <a:endParaRPr lang="en-US"/>
           </a:p>
         </p:txBody>
       </p:sp>
@@ -1660,7 +1662,7 @@
           <a:p>
             <a:pPr lvl="0"/>
             <a:r>
-              <a:rPr lang="en-US" smtClean="0"/>
+              <a:rPr lang="en-US"/>
               <a:t>Click to edit Master text styles</a:t>
             </a:r>
           </a:p>
@@ -1716,38 +1718,37 @@
           <a:p>
             <a:pPr lvl="0"/>
             <a:r>
-              <a:rPr lang="en-US" smtClean="0"/>
+              <a:rPr lang="en-US"/>
               <a:t>Click to edit Master text styles</a:t>
             </a:r>
           </a:p>
           <a:p>
             <a:pPr lvl="1"/>
             <a:r>
-              <a:rPr lang="en-US" smtClean="0"/>
+              <a:rPr lang="en-US"/>
               <a:t>Second level</a:t>
             </a:r>
           </a:p>
           <a:p>
             <a:pPr lvl="2"/>
             <a:r>
-              <a:rPr lang="en-US" smtClean="0"/>
+              <a:rPr lang="en-US"/>
               <a:t>Third level</a:t>
             </a:r>
           </a:p>
           <a:p>
             <a:pPr lvl="3"/>
             <a:r>
-              <a:rPr lang="en-US" smtClean="0"/>
+              <a:rPr lang="en-US"/>
               <a:t>Fourth level</a:t>
             </a:r>
           </a:p>
           <a:p>
             <a:pPr lvl="4"/>
             <a:r>
-              <a:rPr lang="en-US" smtClean="0"/>
+              <a:rPr lang="en-US"/>
               <a:t>Fifth level</a:t>
             </a:r>
-            <a:endParaRPr lang="en-US"/>
           </a:p>
         </p:txBody>
       </p:sp>
@@ -1768,7 +1769,7 @@
           <a:p>
             <a:fld id="{5BCAD085-E8A6-8845-BD4E-CB4CCA059FC4}" type="datetimeFigureOut">
               <a:rPr lang="en-US" smtClean="0"/>
-              <a:t>1/27/13</a:t>
+              <a:t>10/27/25</a:t>
             </a:fld>
             <a:endParaRPr lang="en-US"/>
           </a:p>
@@ -1862,10 +1863,9 @@
           <a:lstStyle/>
           <a:p>
             <a:r>
-              <a:rPr lang="en-US" smtClean="0"/>
+              <a:rPr lang="en-US"/>
               <a:t>Click to edit Master title style</a:t>
             </a:r>
-            <a:endParaRPr lang="en-US"/>
           </a:p>
         </p:txBody>
       </p:sp>
@@ -1886,7 +1886,7 @@
           <a:p>
             <a:fld id="{5BCAD085-E8A6-8845-BD4E-CB4CCA059FC4}" type="datetimeFigureOut">
               <a:rPr lang="en-US" smtClean="0"/>
-              <a:t>1/27/13</a:t>
+              <a:t>10/27/25</a:t>
             </a:fld>
             <a:endParaRPr lang="en-US"/>
           </a:p>
@@ -1981,7 +1981,7 @@
           <a:p>
             <a:fld id="{5BCAD085-E8A6-8845-BD4E-CB4CCA059FC4}" type="datetimeFigureOut">
               <a:rPr lang="en-US" smtClean="0"/>
-              <a:t>1/27/13</a:t>
+              <a:t>10/27/25</a:t>
             </a:fld>
             <a:endParaRPr lang="en-US"/>
           </a:p>
@@ -2084,10 +2084,9 @@
           </a:lstStyle>
           <a:p>
             <a:r>
-              <a:rPr lang="en-US" smtClean="0"/>
+              <a:rPr lang="en-US"/>
               <a:t>Click to edit Master title style</a:t>
             </a:r>
-            <a:endParaRPr lang="en-US"/>
           </a:p>
         </p:txBody>
       </p:sp>
@@ -2141,38 +2140,37 @@
           <a:p>
             <a:pPr lvl="0"/>
             <a:r>
-              <a:rPr lang="en-US" smtClean="0"/>
+              <a:rPr lang="en-US"/>
               <a:t>Click to edit Master text styles</a:t>
             </a:r>
           </a:p>
           <a:p>
             <a:pPr lvl="1"/>
             <a:r>
-              <a:rPr lang="en-US" smtClean="0"/>
+              <a:rPr lang="en-US"/>
               <a:t>Second level</a:t>
             </a:r>
           </a:p>
           <a:p>
             <a:pPr lvl="2"/>
             <a:r>
-              <a:rPr lang="en-US" smtClean="0"/>
+              <a:rPr lang="en-US"/>
               <a:t>Third level</a:t>
             </a:r>
           </a:p>
           <a:p>
             <a:pPr lvl="3"/>
             <a:r>
-              <a:rPr lang="en-US" smtClean="0"/>
+              <a:rPr lang="en-US"/>
               <a:t>Fourth level</a:t>
             </a:r>
           </a:p>
           <a:p>
             <a:pPr lvl="4"/>
             <a:r>
-              <a:rPr lang="en-US" smtClean="0"/>
+              <a:rPr lang="en-US"/>
               <a:t>Fifth level</a:t>
             </a:r>
-            <a:endParaRPr lang="en-US"/>
           </a:p>
         </p:txBody>
       </p:sp>
@@ -2235,7 +2233,7 @@
           <a:p>
             <a:pPr lvl="0"/>
             <a:r>
-              <a:rPr lang="en-US" smtClean="0"/>
+              <a:rPr lang="en-US"/>
               <a:t>Click to edit Master text styles</a:t>
             </a:r>
           </a:p>
@@ -2258,7 +2256,7 @@
           <a:p>
             <a:fld id="{5BCAD085-E8A6-8845-BD4E-CB4CCA059FC4}" type="datetimeFigureOut">
               <a:rPr lang="en-US" smtClean="0"/>
-              <a:t>1/27/13</a:t>
+              <a:t>10/27/25</a:t>
             </a:fld>
             <a:endParaRPr lang="en-US"/>
           </a:p>
@@ -2361,10 +2359,9 @@
           </a:lstStyle>
           <a:p>
             <a:r>
-              <a:rPr lang="en-US" smtClean="0"/>
+              <a:rPr lang="en-US"/>
               <a:t>Click to edit Master title style</a:t>
             </a:r>
-            <a:endParaRPr lang="en-US"/>
           </a:p>
         </p:txBody>
       </p:sp>
@@ -2488,7 +2485,7 @@
           <a:p>
             <a:pPr lvl="0"/>
             <a:r>
-              <a:rPr lang="en-US" smtClean="0"/>
+              <a:rPr lang="en-US"/>
               <a:t>Click to edit Master text styles</a:t>
             </a:r>
           </a:p>
@@ -2511,7 +2508,7 @@
           <a:p>
             <a:fld id="{5BCAD085-E8A6-8845-BD4E-CB4CCA059FC4}" type="datetimeFigureOut">
               <a:rPr lang="en-US" smtClean="0"/>
-              <a:t>1/27/13</a:t>
+              <a:t>10/27/25</a:t>
             </a:fld>
             <a:endParaRPr lang="en-US"/>
           </a:p>
@@ -2620,10 +2617,9 @@
           <a:lstStyle/>
           <a:p>
             <a:r>
-              <a:rPr lang="en-US" smtClean="0"/>
+              <a:rPr lang="en-US"/>
               <a:t>Click to edit Master title style</a:t>
             </a:r>
-            <a:endParaRPr lang="en-US"/>
           </a:p>
         </p:txBody>
       </p:sp>
@@ -2654,38 +2650,37 @@
           <a:p>
             <a:pPr lvl="0"/>
             <a:r>
-              <a:rPr lang="en-US" smtClean="0"/>
+              <a:rPr lang="en-US"/>
               <a:t>Click to edit Master text styles</a:t>
             </a:r>
           </a:p>
           <a:p>
             <a:pPr lvl="1"/>
             <a:r>
-              <a:rPr lang="en-US" smtClean="0"/>
+              <a:rPr lang="en-US"/>
               <a:t>Second level</a:t>
             </a:r>
           </a:p>
           <a:p>
             <a:pPr lvl="2"/>
             <a:r>
-              <a:rPr lang="en-US" smtClean="0"/>
+              <a:rPr lang="en-US"/>
               <a:t>Third level</a:t>
             </a:r>
           </a:p>
           <a:p>
             <a:pPr lvl="3"/>
             <a:r>
-              <a:rPr lang="en-US" smtClean="0"/>
+              <a:rPr lang="en-US"/>
               <a:t>Fourth level</a:t>
             </a:r>
           </a:p>
           <a:p>
             <a:pPr lvl="4"/>
             <a:r>
-              <a:rPr lang="en-US" smtClean="0"/>
+              <a:rPr lang="en-US"/>
               <a:t>Fifth level</a:t>
             </a:r>
-            <a:endParaRPr lang="en-US"/>
           </a:p>
         </p:txBody>
       </p:sp>
@@ -2724,7 +2719,7 @@
           <a:p>
             <a:fld id="{5BCAD085-E8A6-8845-BD4E-CB4CCA059FC4}" type="datetimeFigureOut">
               <a:rPr lang="en-US" smtClean="0"/>
-              <a:t>1/27/13</a:t>
+              <a:t>10/27/25</a:t>
             </a:fld>
             <a:endParaRPr lang="en-US"/>
           </a:p>
@@ -3083,7 +3078,7 @@
 </file>
 
 <file path=ppt/slides/slide1.xml><?xml version="1.0" encoding="utf-8"?>
-<p:sld xmlns:a="http://schemas.openxmlformats.org/drawingml/2006/main" xmlns:p="http://schemas.openxmlformats.org/presentationml/2006/main" xmlns:r="http://schemas.openxmlformats.org/officeDocument/2006/relationships">
+<p:sld xmlns:a="http://schemas.openxmlformats.org/drawingml/2006/main" xmlns:r="http://schemas.openxmlformats.org/officeDocument/2006/relationships" xmlns:p="http://schemas.openxmlformats.org/presentationml/2006/main">
   <p:cSld>
     <p:spTree>
       <p:nvGrpSpPr>
@@ -3091,7 +3086,14 @@
         <p:cNvGrpSpPr/>
         <p:nvPr/>
       </p:nvGrpSpPr>
-      <p:grpSpPr/>
+      <p:grpSpPr>
+        <a:xfrm>
+          <a:off x="0" y="0"/>
+          <a:ext cx="0" cy="0"/>
+          <a:chOff x="0" y="0"/>
+          <a:chExt cx="0" cy="0"/>
+        </a:xfrm>
+      </p:grpSpPr>
       <p:sp>
         <p:nvSpPr>
           <p:cNvPr id="2" name="Rectangle 1"/>
@@ -3121,7 +3123,7 @@
                 </a:srgbClr>
               </a:gs>
             </a:gsLst>
-            <a:lin scaled="0" ang="18900000"/>
+            <a:lin ang="18900000" scaled="0"/>
           </a:gradFill>
           <a:ln>
             <a:noFill/>
@@ -3146,6 +3148,7 @@
           <a:lstStyle/>
           <a:p>
             <a:pPr algn="ctr"/>
+            <a:endParaRPr/>
           </a:p>
         </p:txBody>
       </p:sp>
@@ -3189,6 +3192,7 @@
           <a:lstStyle/>
           <a:p>
             <a:pPr algn="ctr"/>
+            <a:endParaRPr/>
           </a:p>
         </p:txBody>
       </p:sp>
@@ -3232,6 +3236,7 @@
           <a:lstStyle/>
           <a:p>
             <a:pPr algn="ctr"/>
+            <a:endParaRPr/>
           </a:p>
         </p:txBody>
       </p:sp>
@@ -3243,7 +3248,7 @@
         </p:nvSpPr>
         <p:spPr>
           <a:xfrm>
-            <a:off x="731520" y="1371600"/>
+            <a:off x="1371600" y="834390"/>
             <a:ext cx="6400800" cy="731520"/>
           </a:xfrm>
           <a:prstGeom prst="rect">
@@ -3259,7 +3264,7 @@
           <a:p>
             <a:pPr algn="ctr"/>
             <a:r>
-              <a:rPr sz="5600" b="1">
+              <a:rPr sz="5600" b="1" dirty="0">
                 <a:solidFill>
                   <a:srgbClr val="667EEA"/>
                 </a:solidFill>
@@ -3294,14 +3299,128 @@
           <a:p>
             <a:pPr algn="ctr"/>
             <a:r>
-              <a:rPr sz="2800">
+              <a:rPr sz="2800" dirty="0" err="1">
                 <a:solidFill>
                   <a:srgbClr val="764BA2"/>
                 </a:solidFill>
                 <a:latin typeface="Arial"/>
               </a:rPr>
-              <a:t>색채를 통해 나를 이해하는 감정 리플렉션 도구</a:t>
-            </a:r>
+              <a:t>색채를</a:t>
+            </a:r>
+            <a:r>
+              <a:rPr sz="2800" dirty="0">
+                <a:solidFill>
+                  <a:srgbClr val="764BA2"/>
+                </a:solidFill>
+                <a:latin typeface="Arial"/>
+              </a:rPr>
+              <a:t> </a:t>
+            </a:r>
+            <a:r>
+              <a:rPr sz="2800" dirty="0" err="1">
+                <a:solidFill>
+                  <a:srgbClr val="764BA2"/>
+                </a:solidFill>
+                <a:latin typeface="Arial"/>
+              </a:rPr>
+              <a:t>통해</a:t>
+            </a:r>
+            <a:r>
+              <a:rPr sz="2800" dirty="0">
+                <a:solidFill>
+                  <a:srgbClr val="764BA2"/>
+                </a:solidFill>
+                <a:latin typeface="Arial"/>
+              </a:rPr>
+              <a:t> </a:t>
+            </a:r>
+            <a:r>
+              <a:rPr sz="2800" dirty="0" err="1">
+                <a:solidFill>
+                  <a:srgbClr val="764BA2"/>
+                </a:solidFill>
+                <a:latin typeface="Arial"/>
+              </a:rPr>
+              <a:t>나를</a:t>
+            </a:r>
+            <a:r>
+              <a:rPr sz="2800" dirty="0">
+                <a:solidFill>
+                  <a:srgbClr val="764BA2"/>
+                </a:solidFill>
+                <a:latin typeface="Arial"/>
+              </a:rPr>
+              <a:t> </a:t>
+            </a:r>
+            <a:r>
+              <a:rPr sz="2800" dirty="0" err="1">
+                <a:solidFill>
+                  <a:srgbClr val="764BA2"/>
+                </a:solidFill>
+                <a:latin typeface="Arial"/>
+              </a:rPr>
+              <a:t>이해하는</a:t>
+            </a:r>
+            <a:r>
+              <a:rPr sz="2800" dirty="0">
+                <a:solidFill>
+                  <a:srgbClr val="764BA2"/>
+                </a:solidFill>
+                <a:latin typeface="Arial"/>
+              </a:rPr>
+              <a:t> </a:t>
+            </a:r>
+            <a:r>
+              <a:rPr sz="2800" dirty="0" err="1">
+                <a:solidFill>
+                  <a:srgbClr val="764BA2"/>
+                </a:solidFill>
+                <a:latin typeface="Arial"/>
+              </a:rPr>
+              <a:t>감정</a:t>
+            </a:r>
+            <a:r>
+              <a:rPr sz="2800" dirty="0">
+                <a:solidFill>
+                  <a:srgbClr val="764BA2"/>
+                </a:solidFill>
+                <a:latin typeface="Arial"/>
+              </a:rPr>
+              <a:t> </a:t>
+            </a:r>
+            <a:r>
+              <a:rPr sz="2800" dirty="0" err="1">
+                <a:solidFill>
+                  <a:srgbClr val="764BA2"/>
+                </a:solidFill>
+                <a:latin typeface="Arial"/>
+              </a:rPr>
+              <a:t>리플렉션</a:t>
+            </a:r>
+            <a:r>
+              <a:rPr sz="2800" dirty="0">
+                <a:solidFill>
+                  <a:srgbClr val="764BA2"/>
+                </a:solidFill>
+                <a:latin typeface="Arial"/>
+              </a:rPr>
+              <a:t> </a:t>
+            </a:r>
+            <a:r>
+              <a:rPr sz="2800" dirty="0" err="1">
+                <a:solidFill>
+                  <a:srgbClr val="764BA2"/>
+                </a:solidFill>
+                <a:latin typeface="Arial"/>
+              </a:rPr>
+              <a:t>도구</a:t>
+            </a:r>
+            <a:endParaRPr sz="2800" dirty="0">
+              <a:solidFill>
+                <a:srgbClr val="764BA2"/>
+              </a:solidFill>
+              <a:latin typeface="Arial"/>
+            </a:endParaRPr>
           </a:p>
         </p:txBody>
       </p:sp>
@@ -3348,8 +3467,8 @@
         </p:nvSpPr>
         <p:spPr>
           <a:xfrm>
-            <a:off x="2286000" y="3291840"/>
-            <a:ext cx="4572000" cy="1371600"/>
+            <a:off x="2286000" y="3365262"/>
+            <a:ext cx="4572000" cy="943848"/>
           </a:xfrm>
           <a:prstGeom prst="rect">
             <a:avLst/>
@@ -3368,13 +3487,103 @@
               </a:spcBef>
             </a:pPr>
             <a:r>
-              <a:rPr sz="1800">
-                <a:solidFill>
-                  <a:srgbClr val="444444"/>
-                </a:solidFill>
-                <a:latin typeface="Arial"/>
-              </a:rPr>
-              <a:t>👥 팀원: 5명 (PM, 디자이너, 개발자, AI/데이터, 발표)</a:t>
+              <a:rPr sz="1400" dirty="0">
+                <a:solidFill>
+                  <a:srgbClr val="444444"/>
+                </a:solidFill>
+                <a:latin typeface="Arial"/>
+              </a:rPr>
+              <a:t>👥 </a:t>
+            </a:r>
+            <a:r>
+              <a:rPr sz="1400" dirty="0" err="1">
+                <a:solidFill>
+                  <a:srgbClr val="444444"/>
+                </a:solidFill>
+                <a:latin typeface="Arial"/>
+              </a:rPr>
+              <a:t>팀원</a:t>
+            </a:r>
+            <a:r>
+              <a:rPr sz="1400" dirty="0">
+                <a:solidFill>
+                  <a:srgbClr val="444444"/>
+                </a:solidFill>
+                <a:latin typeface="Arial"/>
+              </a:rPr>
+              <a:t>: 5명 (PM, </a:t>
+            </a:r>
+            <a:r>
+              <a:rPr sz="1400" dirty="0" err="1">
+                <a:solidFill>
+                  <a:srgbClr val="444444"/>
+                </a:solidFill>
+                <a:latin typeface="Arial"/>
+              </a:rPr>
+              <a:t>디자이너</a:t>
+            </a:r>
+            <a:r>
+              <a:rPr sz="1400" dirty="0">
+                <a:solidFill>
+                  <a:srgbClr val="444444"/>
+                </a:solidFill>
+                <a:latin typeface="Arial"/>
+              </a:rPr>
+              <a:t>, </a:t>
+            </a:r>
+            <a:r>
+              <a:rPr sz="1400" dirty="0" err="1">
+                <a:solidFill>
+                  <a:srgbClr val="444444"/>
+                </a:solidFill>
+                <a:latin typeface="Arial"/>
+              </a:rPr>
+              <a:t>개발자</a:t>
+            </a:r>
+            <a:r>
+              <a:rPr sz="1400" dirty="0">
+                <a:solidFill>
+                  <a:srgbClr val="444444"/>
+                </a:solidFill>
+                <a:latin typeface="Arial"/>
+              </a:rPr>
+              <a:t>, AI/</a:t>
+            </a:r>
+            <a:r>
+              <a:rPr sz="1400" dirty="0" err="1">
+                <a:solidFill>
+                  <a:srgbClr val="444444"/>
+                </a:solidFill>
+                <a:latin typeface="Arial"/>
+              </a:rPr>
+              <a:t>데이터</a:t>
+            </a:r>
+            <a:r>
+              <a:rPr sz="1400" dirty="0">
+                <a:solidFill>
+                  <a:srgbClr val="444444"/>
+                </a:solidFill>
+                <a:latin typeface="Arial"/>
+              </a:rPr>
+              <a:t>, </a:t>
+            </a:r>
+            <a:r>
+              <a:rPr sz="1400" dirty="0" err="1">
+                <a:solidFill>
+                  <a:srgbClr val="444444"/>
+                </a:solidFill>
+                <a:latin typeface="Arial"/>
+              </a:rPr>
+              <a:t>발표</a:t>
+            </a:r>
+            <a:r>
+              <a:rPr sz="1400" dirty="0">
+                <a:solidFill>
+                  <a:srgbClr val="444444"/>
+                </a:solidFill>
+                <a:latin typeface="Arial"/>
+              </a:rPr>
+              <a:t>)</a:t>
             </a:r>
           </a:p>
           <a:p>
@@ -3384,14 +3593,83 @@
               </a:spcBef>
             </a:pPr>
             <a:r>
-              <a:rPr sz="1800">
-                <a:solidFill>
-                  <a:srgbClr val="444444"/>
-                </a:solidFill>
-                <a:latin typeface="Arial"/>
-              </a:rPr>
-              <a:t>⏱️ 개발 기간: 1주 MVP 집중 개발</a:t>
-            </a:r>
+              <a:rPr sz="1400" dirty="0">
+                <a:solidFill>
+                  <a:srgbClr val="444444"/>
+                </a:solidFill>
+                <a:latin typeface="Arial"/>
+              </a:rPr>
+              <a:t>⏱️ </a:t>
+            </a:r>
+            <a:r>
+              <a:rPr sz="1400" dirty="0" err="1">
+                <a:solidFill>
+                  <a:srgbClr val="444444"/>
+                </a:solidFill>
+                <a:latin typeface="Arial"/>
+              </a:rPr>
+              <a:t>개발</a:t>
+            </a:r>
+            <a:r>
+              <a:rPr sz="1400" dirty="0">
+                <a:solidFill>
+                  <a:srgbClr val="444444"/>
+                </a:solidFill>
+                <a:latin typeface="Arial"/>
+              </a:rPr>
+              <a:t> </a:t>
+            </a:r>
+            <a:r>
+              <a:rPr sz="1400" dirty="0" err="1">
+                <a:solidFill>
+                  <a:srgbClr val="444444"/>
+                </a:solidFill>
+                <a:latin typeface="Arial"/>
+              </a:rPr>
+              <a:t>기간</a:t>
+            </a:r>
+            <a:r>
+              <a:rPr sz="1400" dirty="0">
+                <a:solidFill>
+                  <a:srgbClr val="444444"/>
+                </a:solidFill>
+                <a:latin typeface="Arial"/>
+              </a:rPr>
+              <a:t>: 1주 MVP </a:t>
+            </a:r>
+            <a:r>
+              <a:rPr sz="1400" dirty="0" err="1">
+                <a:solidFill>
+                  <a:srgbClr val="444444"/>
+                </a:solidFill>
+                <a:latin typeface="Arial"/>
+              </a:rPr>
+              <a:t>집중</a:t>
+            </a:r>
+            <a:r>
+              <a:rPr sz="1400" dirty="0">
+                <a:solidFill>
+                  <a:srgbClr val="444444"/>
+                </a:solidFill>
+                <a:latin typeface="Arial"/>
+              </a:rPr>
+              <a:t> </a:t>
+            </a:r>
+            <a:r>
+              <a:rPr sz="1400" dirty="0" err="1">
+                <a:solidFill>
+                  <a:srgbClr val="444444"/>
+                </a:solidFill>
+                <a:latin typeface="Arial"/>
+              </a:rPr>
+              <a:t>개발</a:t>
+            </a:r>
+            <a:endParaRPr sz="1400" dirty="0">
+              <a:solidFill>
+                <a:srgbClr val="444444"/>
+              </a:solidFill>
+              <a:latin typeface="Arial"/>
+            </a:endParaRPr>
           </a:p>
           <a:p>
             <a:pPr algn="ctr">
@@ -3400,14 +3678,137 @@
               </a:spcBef>
             </a:pPr>
             <a:r>
-              <a:rPr sz="1800">
-                <a:solidFill>
-                  <a:srgbClr val="444444"/>
-                </a:solidFill>
-                <a:latin typeface="Arial"/>
-              </a:rPr>
-              <a:t>🎯 목표: 컬러 기반 감정 트래킹 앱 완성</a:t>
-            </a:r>
+              <a:rPr sz="1400" dirty="0">
+                <a:solidFill>
+                  <a:srgbClr val="444444"/>
+                </a:solidFill>
+                <a:latin typeface="Arial"/>
+              </a:rPr>
+              <a:t>🎯 </a:t>
+            </a:r>
+            <a:r>
+              <a:rPr sz="1400" dirty="0" err="1">
+                <a:solidFill>
+                  <a:srgbClr val="444444"/>
+                </a:solidFill>
+                <a:latin typeface="Arial"/>
+              </a:rPr>
+              <a:t>목표</a:t>
+            </a:r>
+            <a:r>
+              <a:rPr sz="1400" dirty="0">
+                <a:solidFill>
+                  <a:srgbClr val="444444"/>
+                </a:solidFill>
+                <a:latin typeface="Arial"/>
+              </a:rPr>
+              <a:t>: </a:t>
+            </a:r>
+            <a:r>
+              <a:rPr sz="1400" dirty="0" err="1">
+                <a:solidFill>
+                  <a:srgbClr val="444444"/>
+                </a:solidFill>
+                <a:latin typeface="Arial"/>
+              </a:rPr>
+              <a:t>컬러</a:t>
+            </a:r>
+            <a:r>
+              <a:rPr sz="1400" dirty="0">
+                <a:solidFill>
+                  <a:srgbClr val="444444"/>
+                </a:solidFill>
+                <a:latin typeface="Arial"/>
+              </a:rPr>
+              <a:t> </a:t>
+            </a:r>
+            <a:r>
+              <a:rPr sz="1400" dirty="0" err="1">
+                <a:solidFill>
+                  <a:srgbClr val="444444"/>
+                </a:solidFill>
+                <a:latin typeface="Arial"/>
+              </a:rPr>
+              <a:t>기반</a:t>
+            </a:r>
+            <a:r>
+              <a:rPr sz="1400" dirty="0">
+                <a:solidFill>
+                  <a:srgbClr val="444444"/>
+                </a:solidFill>
+                <a:latin typeface="Arial"/>
+              </a:rPr>
+              <a:t> </a:t>
+            </a:r>
+            <a:r>
+              <a:rPr sz="1400" dirty="0" err="1">
+                <a:solidFill>
+                  <a:srgbClr val="444444"/>
+                </a:solidFill>
+                <a:latin typeface="Arial"/>
+              </a:rPr>
+              <a:t>감정</a:t>
+            </a:r>
+            <a:r>
+              <a:rPr sz="1400" dirty="0">
+                <a:solidFill>
+                  <a:srgbClr val="444444"/>
+                </a:solidFill>
+                <a:latin typeface="Arial"/>
+              </a:rPr>
+              <a:t> </a:t>
+            </a:r>
+            <a:r>
+              <a:rPr sz="1400" dirty="0" err="1">
+                <a:solidFill>
+                  <a:srgbClr val="444444"/>
+                </a:solidFill>
+                <a:latin typeface="Arial"/>
+              </a:rPr>
+              <a:t>트래킹</a:t>
+            </a:r>
+            <a:r>
+              <a:rPr sz="1400" dirty="0">
+                <a:solidFill>
+                  <a:srgbClr val="444444"/>
+                </a:solidFill>
+                <a:latin typeface="Arial"/>
+              </a:rPr>
+              <a:t> </a:t>
+            </a:r>
+            <a:r>
+              <a:rPr sz="1400" dirty="0" err="1">
+                <a:solidFill>
+                  <a:srgbClr val="444444"/>
+                </a:solidFill>
+                <a:latin typeface="Arial"/>
+              </a:rPr>
+              <a:t>앱</a:t>
+            </a:r>
+            <a:r>
+              <a:rPr sz="1400" dirty="0">
+                <a:solidFill>
+                  <a:srgbClr val="444444"/>
+                </a:solidFill>
+                <a:latin typeface="Arial"/>
+              </a:rPr>
+              <a:t> </a:t>
+            </a:r>
+            <a:r>
+              <a:rPr sz="1400" dirty="0" err="1">
+                <a:solidFill>
+                  <a:srgbClr val="444444"/>
+                </a:solidFill>
+                <a:latin typeface="Arial"/>
+              </a:rPr>
+              <a:t>완성</a:t>
+            </a:r>
+            <a:endParaRPr sz="1400" dirty="0">
+              <a:solidFill>
+                <a:srgbClr val="444444"/>
+              </a:solidFill>
+              <a:latin typeface="Arial"/>
+            </a:endParaRPr>
           </a:p>
         </p:txBody>
       </p:sp>
@@ -3420,7 +3821,7 @@
 </file>
 
 <file path=ppt/slides/slide2.xml><?xml version="1.0" encoding="utf-8"?>
-<p:sld xmlns:a="http://schemas.openxmlformats.org/drawingml/2006/main" xmlns:p="http://schemas.openxmlformats.org/presentationml/2006/main" xmlns:r="http://schemas.openxmlformats.org/officeDocument/2006/relationships">
+<p:sld xmlns:a="http://schemas.openxmlformats.org/drawingml/2006/main" xmlns:r="http://schemas.openxmlformats.org/officeDocument/2006/relationships" xmlns:p="http://schemas.openxmlformats.org/presentationml/2006/main">
   <p:cSld>
     <p:spTree>
       <p:nvGrpSpPr>
@@ -3428,7 +3829,14 @@
         <p:cNvGrpSpPr/>
         <p:nvPr/>
       </p:nvGrpSpPr>
-      <p:grpSpPr/>
+      <p:grpSpPr>
+        <a:xfrm>
+          <a:off x="0" y="0"/>
+          <a:ext cx="0" cy="0"/>
+          <a:chOff x="0" y="0"/>
+          <a:chExt cx="0" cy="0"/>
+        </a:xfrm>
+      </p:grpSpPr>
       <p:sp>
         <p:nvSpPr>
           <p:cNvPr id="2" name="Rectangle 1"/>
@@ -3458,7 +3866,7 @@
                 </a:srgbClr>
               </a:gs>
             </a:gsLst>
-            <a:lin scaled="0" ang="18900000"/>
+            <a:lin ang="18900000" scaled="0"/>
           </a:gradFill>
           <a:ln>
             <a:noFill/>
@@ -3483,6 +3891,7 @@
           <a:lstStyle/>
           <a:p>
             <a:pPr algn="ctr"/>
+            <a:endParaRPr/>
           </a:p>
         </p:txBody>
       </p:sp>
@@ -3526,6 +3935,7 @@
           <a:lstStyle/>
           <a:p>
             <a:pPr algn="ctr"/>
+            <a:endParaRPr/>
           </a:p>
         </p:txBody>
       </p:sp>
@@ -3588,14 +3998,38 @@
           <a:p>
             <a:pPr algn="l"/>
             <a:r>
-              <a:rPr sz="2200">
+              <a:rPr sz="2200" dirty="0" err="1">
                 <a:solidFill>
                   <a:srgbClr val="764BA2"/>
                 </a:solidFill>
                 <a:latin typeface="Arial"/>
               </a:rPr>
-              <a:t>현재의 문제점</a:t>
-            </a:r>
+              <a:t>현재의</a:t>
+            </a:r>
+            <a:r>
+              <a:rPr sz="2200" dirty="0">
+                <a:solidFill>
+                  <a:srgbClr val="764BA2"/>
+                </a:solidFill>
+                <a:latin typeface="Arial"/>
+              </a:rPr>
+              <a:t> </a:t>
+            </a:r>
+            <a:r>
+              <a:rPr sz="2200" dirty="0" err="1">
+                <a:solidFill>
+                  <a:srgbClr val="764BA2"/>
+                </a:solidFill>
+                <a:latin typeface="Arial"/>
+              </a:rPr>
+              <a:t>문제점</a:t>
+            </a:r>
+            <a:endParaRPr sz="2200" dirty="0">
+              <a:solidFill>
+                <a:srgbClr val="764BA2"/>
+              </a:solidFill>
+              <a:latin typeface="Arial"/>
+            </a:endParaRPr>
           </a:p>
         </p:txBody>
       </p:sp>
@@ -3607,8 +4041,8 @@
         </p:nvSpPr>
         <p:spPr>
           <a:xfrm>
-            <a:off x="1371600" y="1737360"/>
-            <a:ext cx="6400800" cy="3657600"/>
+            <a:off x="1371600" y="1863864"/>
+            <a:ext cx="6400800" cy="1415772"/>
           </a:xfrm>
           <a:prstGeom prst="rect">
             <a:avLst/>
@@ -3627,14 +4061,137 @@
               </a:spcBef>
             </a:pPr>
             <a:r>
-              <a:rPr sz="1600">
-                <a:solidFill>
-                  <a:srgbClr val="333333"/>
-                </a:solidFill>
-                <a:latin typeface="Arial"/>
-              </a:rPr>
-              <a:t>💭 단순 텍스트로는 표현하기 어려운 복잡한 감정의 기록</a:t>
-            </a:r>
+              <a:rPr sz="1400" dirty="0">
+                <a:solidFill>
+                  <a:srgbClr val="333333"/>
+                </a:solidFill>
+                <a:latin typeface="Arial"/>
+              </a:rPr>
+              <a:t>💭 </a:t>
+            </a:r>
+            <a:r>
+              <a:rPr sz="1400" dirty="0" err="1">
+                <a:solidFill>
+                  <a:srgbClr val="333333"/>
+                </a:solidFill>
+                <a:latin typeface="Arial"/>
+              </a:rPr>
+              <a:t>단순</a:t>
+            </a:r>
+            <a:r>
+              <a:rPr sz="1400" dirty="0">
+                <a:solidFill>
+                  <a:srgbClr val="333333"/>
+                </a:solidFill>
+                <a:latin typeface="Arial"/>
+              </a:rPr>
+              <a:t> </a:t>
+            </a:r>
+            <a:r>
+              <a:rPr sz="1400" dirty="0" err="1">
+                <a:solidFill>
+                  <a:srgbClr val="333333"/>
+                </a:solidFill>
+                <a:latin typeface="Arial"/>
+              </a:rPr>
+              <a:t>텍스트로는</a:t>
+            </a:r>
+            <a:r>
+              <a:rPr sz="1400" dirty="0">
+                <a:solidFill>
+                  <a:srgbClr val="333333"/>
+                </a:solidFill>
+                <a:latin typeface="Arial"/>
+              </a:rPr>
+              <a:t> </a:t>
+            </a:r>
+            <a:r>
+              <a:rPr sz="1400" dirty="0" err="1">
+                <a:solidFill>
+                  <a:srgbClr val="333333"/>
+                </a:solidFill>
+                <a:latin typeface="Arial"/>
+              </a:rPr>
+              <a:t>표현하기</a:t>
+            </a:r>
+            <a:r>
+              <a:rPr sz="1400" dirty="0">
+                <a:solidFill>
+                  <a:srgbClr val="333333"/>
+                </a:solidFill>
+                <a:latin typeface="Arial"/>
+              </a:rPr>
+              <a:t> </a:t>
+            </a:r>
+            <a:r>
+              <a:rPr sz="1400" dirty="0" err="1">
+                <a:solidFill>
+                  <a:srgbClr val="333333"/>
+                </a:solidFill>
+                <a:latin typeface="Arial"/>
+              </a:rPr>
+              <a:t>어려운</a:t>
+            </a:r>
+            <a:r>
+              <a:rPr sz="1400" dirty="0">
+                <a:solidFill>
+                  <a:srgbClr val="333333"/>
+                </a:solidFill>
+                <a:latin typeface="Arial"/>
+              </a:rPr>
+              <a:t> </a:t>
+            </a:r>
+            <a:r>
+              <a:rPr sz="1400" dirty="0" err="1">
+                <a:solidFill>
+                  <a:srgbClr val="333333"/>
+                </a:solidFill>
+                <a:latin typeface="Arial"/>
+              </a:rPr>
+              <a:t>복잡한</a:t>
+            </a:r>
+            <a:r>
+              <a:rPr sz="1400" dirty="0">
+                <a:solidFill>
+                  <a:srgbClr val="333333"/>
+                </a:solidFill>
+                <a:latin typeface="Arial"/>
+              </a:rPr>
+              <a:t> </a:t>
+            </a:r>
+            <a:r>
+              <a:rPr sz="1400" dirty="0" err="1">
+                <a:solidFill>
+                  <a:srgbClr val="333333"/>
+                </a:solidFill>
+                <a:latin typeface="Arial"/>
+              </a:rPr>
+              <a:t>감정의</a:t>
+            </a:r>
+            <a:r>
+              <a:rPr sz="1400" dirty="0">
+                <a:solidFill>
+                  <a:srgbClr val="333333"/>
+                </a:solidFill>
+                <a:latin typeface="Arial"/>
+              </a:rPr>
+              <a:t> </a:t>
+            </a:r>
+            <a:r>
+              <a:rPr sz="1400" dirty="0" err="1">
+                <a:solidFill>
+                  <a:srgbClr val="333333"/>
+                </a:solidFill>
+                <a:latin typeface="Arial"/>
+              </a:rPr>
+              <a:t>기록</a:t>
+            </a:r>
+            <a:endParaRPr sz="1400" dirty="0">
+              <a:solidFill>
+                <a:srgbClr val="333333"/>
+              </a:solidFill>
+              <a:latin typeface="Arial"/>
+            </a:endParaRPr>
           </a:p>
           <a:p>
             <a:pPr>
@@ -3643,14 +4200,119 @@
               </a:spcBef>
             </a:pPr>
             <a:r>
-              <a:rPr sz="1600">
-                <a:solidFill>
-                  <a:srgbClr val="333333"/>
-                </a:solidFill>
-                <a:latin typeface="Arial"/>
-              </a:rPr>
-              <a:t>📊 감정의 변화 패턴을 체계적으로 파악하기 어려움</a:t>
-            </a:r>
+              <a:rPr sz="1400" dirty="0">
+                <a:solidFill>
+                  <a:srgbClr val="333333"/>
+                </a:solidFill>
+                <a:latin typeface="Arial"/>
+              </a:rPr>
+              <a:t>📊 </a:t>
+            </a:r>
+            <a:r>
+              <a:rPr sz="1400" dirty="0" err="1">
+                <a:solidFill>
+                  <a:srgbClr val="333333"/>
+                </a:solidFill>
+                <a:latin typeface="Arial"/>
+              </a:rPr>
+              <a:t>감정의</a:t>
+            </a:r>
+            <a:r>
+              <a:rPr sz="1400" dirty="0">
+                <a:solidFill>
+                  <a:srgbClr val="333333"/>
+                </a:solidFill>
+                <a:latin typeface="Arial"/>
+              </a:rPr>
+              <a:t> </a:t>
+            </a:r>
+            <a:r>
+              <a:rPr sz="1400" dirty="0" err="1">
+                <a:solidFill>
+                  <a:srgbClr val="333333"/>
+                </a:solidFill>
+                <a:latin typeface="Arial"/>
+              </a:rPr>
+              <a:t>변화</a:t>
+            </a:r>
+            <a:r>
+              <a:rPr sz="1400" dirty="0">
+                <a:solidFill>
+                  <a:srgbClr val="333333"/>
+                </a:solidFill>
+                <a:latin typeface="Arial"/>
+              </a:rPr>
+              <a:t> </a:t>
+            </a:r>
+            <a:r>
+              <a:rPr sz="1400" dirty="0" err="1">
+                <a:solidFill>
+                  <a:srgbClr val="333333"/>
+                </a:solidFill>
+                <a:latin typeface="Arial"/>
+              </a:rPr>
+              <a:t>패턴을</a:t>
+            </a:r>
+            <a:r>
+              <a:rPr sz="1400" dirty="0">
+                <a:solidFill>
+                  <a:srgbClr val="333333"/>
+                </a:solidFill>
+                <a:latin typeface="Arial"/>
+              </a:rPr>
+              <a:t> </a:t>
+            </a:r>
+            <a:r>
+              <a:rPr sz="1400" dirty="0" err="1">
+                <a:solidFill>
+                  <a:srgbClr val="333333"/>
+                </a:solidFill>
+                <a:latin typeface="Arial"/>
+              </a:rPr>
+              <a:t>체계적으로</a:t>
+            </a:r>
+            <a:r>
+              <a:rPr sz="1400" dirty="0">
+                <a:solidFill>
+                  <a:srgbClr val="333333"/>
+                </a:solidFill>
+                <a:latin typeface="Arial"/>
+              </a:rPr>
+              <a:t> </a:t>
+            </a:r>
+            <a:r>
+              <a:rPr sz="1400" dirty="0" err="1">
+                <a:solidFill>
+                  <a:srgbClr val="333333"/>
+                </a:solidFill>
+                <a:latin typeface="Arial"/>
+              </a:rPr>
+              <a:t>파악하기</a:t>
+            </a:r>
+            <a:r>
+              <a:rPr sz="1400" dirty="0">
+                <a:solidFill>
+                  <a:srgbClr val="333333"/>
+                </a:solidFill>
+                <a:latin typeface="Arial"/>
+              </a:rPr>
+              <a:t> </a:t>
+            </a:r>
+            <a:r>
+              <a:rPr sz="1400" dirty="0" err="1">
+                <a:solidFill>
+                  <a:srgbClr val="333333"/>
+                </a:solidFill>
+                <a:latin typeface="Arial"/>
+              </a:rPr>
+              <a:t>어려움</a:t>
+            </a:r>
+            <a:endParaRPr sz="1400" dirty="0">
+              <a:solidFill>
+                <a:srgbClr val="333333"/>
+              </a:solidFill>
+              <a:latin typeface="Arial"/>
+            </a:endParaRPr>
           </a:p>
           <a:p>
             <a:pPr>
@@ -3659,14 +4321,137 @@
               </a:spcBef>
             </a:pPr>
             <a:r>
-              <a:rPr sz="1600">
-                <a:solidFill>
-                  <a:srgbClr val="333333"/>
-                </a:solidFill>
-                <a:latin typeface="Arial"/>
-              </a:rPr>
-              <a:t>💔 감정 기록의 지속성 부족으로 중단되는 경우가 많음</a:t>
-            </a:r>
+              <a:rPr sz="1400" dirty="0">
+                <a:solidFill>
+                  <a:srgbClr val="333333"/>
+                </a:solidFill>
+                <a:latin typeface="Arial"/>
+              </a:rPr>
+              <a:t>💔 </a:t>
+            </a:r>
+            <a:r>
+              <a:rPr sz="1400" dirty="0" err="1">
+                <a:solidFill>
+                  <a:srgbClr val="333333"/>
+                </a:solidFill>
+                <a:latin typeface="Arial"/>
+              </a:rPr>
+              <a:t>감정</a:t>
+            </a:r>
+            <a:r>
+              <a:rPr sz="1400" dirty="0">
+                <a:solidFill>
+                  <a:srgbClr val="333333"/>
+                </a:solidFill>
+                <a:latin typeface="Arial"/>
+              </a:rPr>
+              <a:t> </a:t>
+            </a:r>
+            <a:r>
+              <a:rPr sz="1400" dirty="0" err="1">
+                <a:solidFill>
+                  <a:srgbClr val="333333"/>
+                </a:solidFill>
+                <a:latin typeface="Arial"/>
+              </a:rPr>
+              <a:t>기록의</a:t>
+            </a:r>
+            <a:r>
+              <a:rPr sz="1400" dirty="0">
+                <a:solidFill>
+                  <a:srgbClr val="333333"/>
+                </a:solidFill>
+                <a:latin typeface="Arial"/>
+              </a:rPr>
+              <a:t> </a:t>
+            </a:r>
+            <a:r>
+              <a:rPr sz="1400" dirty="0" err="1">
+                <a:solidFill>
+                  <a:srgbClr val="333333"/>
+                </a:solidFill>
+                <a:latin typeface="Arial"/>
+              </a:rPr>
+              <a:t>지속성</a:t>
+            </a:r>
+            <a:r>
+              <a:rPr sz="1400" dirty="0">
+                <a:solidFill>
+                  <a:srgbClr val="333333"/>
+                </a:solidFill>
+                <a:latin typeface="Arial"/>
+              </a:rPr>
+              <a:t> </a:t>
+            </a:r>
+            <a:r>
+              <a:rPr sz="1400" dirty="0" err="1">
+                <a:solidFill>
+                  <a:srgbClr val="333333"/>
+                </a:solidFill>
+                <a:latin typeface="Arial"/>
+              </a:rPr>
+              <a:t>부족으로</a:t>
+            </a:r>
+            <a:r>
+              <a:rPr sz="1400" dirty="0">
+                <a:solidFill>
+                  <a:srgbClr val="333333"/>
+                </a:solidFill>
+                <a:latin typeface="Arial"/>
+              </a:rPr>
+              <a:t> </a:t>
+            </a:r>
+            <a:r>
+              <a:rPr sz="1400" dirty="0" err="1">
+                <a:solidFill>
+                  <a:srgbClr val="333333"/>
+                </a:solidFill>
+                <a:latin typeface="Arial"/>
+              </a:rPr>
+              <a:t>중단되는</a:t>
+            </a:r>
+            <a:r>
+              <a:rPr sz="1400" dirty="0">
+                <a:solidFill>
+                  <a:srgbClr val="333333"/>
+                </a:solidFill>
+                <a:latin typeface="Arial"/>
+              </a:rPr>
+              <a:t> </a:t>
+            </a:r>
+            <a:r>
+              <a:rPr sz="1400" dirty="0" err="1">
+                <a:solidFill>
+                  <a:srgbClr val="333333"/>
+                </a:solidFill>
+                <a:latin typeface="Arial"/>
+              </a:rPr>
+              <a:t>경우가</a:t>
+            </a:r>
+            <a:r>
+              <a:rPr sz="1400" dirty="0">
+                <a:solidFill>
+                  <a:srgbClr val="333333"/>
+                </a:solidFill>
+                <a:latin typeface="Arial"/>
+              </a:rPr>
+              <a:t> </a:t>
+            </a:r>
+            <a:r>
+              <a:rPr sz="1400" dirty="0" err="1">
+                <a:solidFill>
+                  <a:srgbClr val="333333"/>
+                </a:solidFill>
+                <a:latin typeface="Arial"/>
+              </a:rPr>
+              <a:t>많음</a:t>
+            </a:r>
+            <a:endParaRPr sz="1400" dirty="0">
+              <a:solidFill>
+                <a:srgbClr val="333333"/>
+              </a:solidFill>
+              <a:latin typeface="Arial"/>
+            </a:endParaRPr>
           </a:p>
           <a:p>
             <a:pPr>
@@ -3675,14 +4460,191 @@
               </a:spcBef>
             </a:pPr>
             <a:r>
-              <a:rPr sz="1600">
-                <a:solidFill>
-                  <a:srgbClr val="333333"/>
-                </a:solidFill>
-                <a:latin typeface="Arial"/>
-              </a:rPr>
-              <a:t>🎨 자신의 감정 상태를 시각적으로 인식하고 공유할 수 있는 도구 부족</a:t>
-            </a:r>
+              <a:rPr sz="1400" dirty="0">
+                <a:solidFill>
+                  <a:srgbClr val="333333"/>
+                </a:solidFill>
+                <a:latin typeface="Arial"/>
+              </a:rPr>
+              <a:t>🎨 </a:t>
+            </a:r>
+            <a:r>
+              <a:rPr sz="1400" dirty="0" err="1">
+                <a:solidFill>
+                  <a:srgbClr val="333333"/>
+                </a:solidFill>
+                <a:latin typeface="Arial"/>
+              </a:rPr>
+              <a:t>자신의</a:t>
+            </a:r>
+            <a:r>
+              <a:rPr sz="1400" dirty="0">
+                <a:solidFill>
+                  <a:srgbClr val="333333"/>
+                </a:solidFill>
+                <a:latin typeface="Arial"/>
+              </a:rPr>
+              <a:t> </a:t>
+            </a:r>
+            <a:r>
+              <a:rPr sz="1400" dirty="0" err="1">
+                <a:solidFill>
+                  <a:srgbClr val="333333"/>
+                </a:solidFill>
+                <a:latin typeface="Arial"/>
+              </a:rPr>
+              <a:t>감정</a:t>
+            </a:r>
+            <a:r>
+              <a:rPr sz="1400" dirty="0">
+                <a:solidFill>
+                  <a:srgbClr val="333333"/>
+                </a:solidFill>
+                <a:latin typeface="Arial"/>
+              </a:rPr>
+              <a:t> </a:t>
+            </a:r>
+            <a:r>
+              <a:rPr sz="1400" dirty="0" err="1">
+                <a:solidFill>
+                  <a:srgbClr val="333333"/>
+                </a:solidFill>
+                <a:latin typeface="Arial"/>
+              </a:rPr>
+              <a:t>상태를</a:t>
+            </a:r>
+            <a:r>
+              <a:rPr sz="1400" dirty="0">
+                <a:solidFill>
+                  <a:srgbClr val="333333"/>
+                </a:solidFill>
+                <a:latin typeface="Arial"/>
+              </a:rPr>
+              <a:t> </a:t>
+            </a:r>
+            <a:r>
+              <a:rPr sz="1400" dirty="0" err="1">
+                <a:solidFill>
+                  <a:srgbClr val="333333"/>
+                </a:solidFill>
+                <a:latin typeface="Arial"/>
+              </a:rPr>
+              <a:t>시각적으로</a:t>
+            </a:r>
+            <a:r>
+              <a:rPr sz="1400" dirty="0">
+                <a:solidFill>
+                  <a:srgbClr val="333333"/>
+                </a:solidFill>
+                <a:latin typeface="Arial"/>
+              </a:rPr>
+              <a:t> </a:t>
+            </a:r>
+            <a:r>
+              <a:rPr sz="1400" dirty="0" err="1">
+                <a:solidFill>
+                  <a:srgbClr val="333333"/>
+                </a:solidFill>
+                <a:latin typeface="Arial"/>
+              </a:rPr>
+              <a:t>인식하고</a:t>
+            </a:r>
+            <a:r>
+              <a:rPr sz="1400" dirty="0">
+                <a:solidFill>
+                  <a:srgbClr val="333333"/>
+                </a:solidFill>
+                <a:latin typeface="Arial"/>
+              </a:rPr>
+              <a:t> </a:t>
+            </a:r>
+            <a:r>
+              <a:rPr sz="1400" dirty="0" err="1">
+                <a:solidFill>
+                  <a:srgbClr val="333333"/>
+                </a:solidFill>
+                <a:latin typeface="Arial"/>
+              </a:rPr>
+              <a:t>공유할</a:t>
+            </a:r>
+            <a:r>
+              <a:rPr sz="1400" dirty="0">
+                <a:solidFill>
+                  <a:srgbClr val="333333"/>
+                </a:solidFill>
+                <a:latin typeface="Arial"/>
+              </a:rPr>
+              <a:t> </a:t>
+            </a:r>
+            <a:r>
+              <a:rPr sz="1400" dirty="0" err="1">
+                <a:solidFill>
+                  <a:srgbClr val="333333"/>
+                </a:solidFill>
+                <a:latin typeface="Arial"/>
+              </a:rPr>
+              <a:t>수</a:t>
+            </a:r>
+            <a:r>
+              <a:rPr sz="1400" dirty="0">
+                <a:solidFill>
+                  <a:srgbClr val="333333"/>
+                </a:solidFill>
+                <a:latin typeface="Arial"/>
+              </a:rPr>
+              <a:t> </a:t>
+            </a:r>
+            <a:r>
+              <a:rPr sz="1400" dirty="0" err="1">
+                <a:solidFill>
+                  <a:srgbClr val="333333"/>
+                </a:solidFill>
+                <a:latin typeface="Arial"/>
+              </a:rPr>
+              <a:t>있는</a:t>
+            </a:r>
+            <a:r>
+              <a:rPr sz="1400" dirty="0">
+                <a:solidFill>
+                  <a:srgbClr val="333333"/>
+                </a:solidFill>
+                <a:latin typeface="Arial"/>
+              </a:rPr>
+              <a:t> </a:t>
+            </a:r>
+            <a:r>
+              <a:rPr sz="1400" dirty="0" err="1">
+                <a:solidFill>
+                  <a:srgbClr val="333333"/>
+                </a:solidFill>
+                <a:latin typeface="Arial"/>
+              </a:rPr>
+              <a:t>도구</a:t>
+            </a:r>
+            <a:r>
+              <a:rPr sz="1400" dirty="0">
+                <a:solidFill>
+                  <a:srgbClr val="333333"/>
+                </a:solidFill>
+                <a:latin typeface="Arial"/>
+              </a:rPr>
+              <a:t> </a:t>
+            </a:r>
+            <a:r>
+              <a:rPr sz="1400" dirty="0" err="1">
+                <a:solidFill>
+                  <a:srgbClr val="333333"/>
+                </a:solidFill>
+                <a:latin typeface="Arial"/>
+              </a:rPr>
+              <a:t>부족</a:t>
+            </a:r>
+            <a:endParaRPr sz="1400" dirty="0">
+              <a:solidFill>
+                <a:srgbClr val="333333"/>
+              </a:solidFill>
+              <a:latin typeface="Arial"/>
+            </a:endParaRPr>
           </a:p>
         </p:txBody>
       </p:sp>
@@ -3695,7 +4657,7 @@
         <p:spPr>
           <a:xfrm>
             <a:off x="1371600" y="3749039"/>
-            <a:ext cx="6400800" cy="914400"/>
+            <a:ext cx="6400800" cy="964367"/>
           </a:xfrm>
           <a:prstGeom prst="rect">
             <a:avLst/>
@@ -3710,13 +4672,34 @@
           <a:p>
             <a:pPr algn="l"/>
             <a:r>
-              <a:rPr sz="2200" b="1">
+              <a:rPr sz="2200" b="1" dirty="0" err="1">
                 <a:solidFill>
                   <a:srgbClr val="667EEA"/>
                 </a:solidFill>
               </a:rPr>
-              <a:t>타겟 사용자</a:t>
-            </a:r>
+              <a:t>타겟</a:t>
+            </a:r>
+            <a:r>
+              <a:rPr sz="2200" b="1" dirty="0">
+                <a:solidFill>
+                  <a:srgbClr val="667EEA"/>
+                </a:solidFill>
+              </a:rPr>
+              <a:t> </a:t>
+            </a:r>
+            <a:r>
+              <a:rPr sz="2200" b="1" dirty="0" err="1">
+                <a:solidFill>
+                  <a:srgbClr val="667EEA"/>
+                </a:solidFill>
+              </a:rPr>
+              <a:t>사용자</a:t>
+            </a:r>
+            <a:endParaRPr sz="2200" b="1" dirty="0">
+              <a:solidFill>
+                <a:srgbClr val="667EEA"/>
+              </a:solidFill>
+            </a:endParaRPr>
           </a:p>
           <a:p>
             <a:pPr>
@@ -3725,13 +4708,226 @@
               </a:spcBef>
             </a:pPr>
             <a:r>
-              <a:rPr sz="1600">
-                <a:solidFill>
-                  <a:srgbClr val="444444"/>
-                </a:solidFill>
-              </a:rPr>
-              <a:t>감정을 기록하고 싶은 모든 사람, 자기 이해를 원하는 사람, 감정 패턴을 발견하고 싶은 사람</a:t>
-            </a:r>
+              <a:rPr sz="1400" dirty="0" err="1">
+                <a:solidFill>
+                  <a:srgbClr val="444444"/>
+                </a:solidFill>
+              </a:rPr>
+              <a:t>감정을</a:t>
+            </a:r>
+            <a:r>
+              <a:rPr sz="1400" dirty="0">
+                <a:solidFill>
+                  <a:srgbClr val="444444"/>
+                </a:solidFill>
+              </a:rPr>
+              <a:t> </a:t>
+            </a:r>
+            <a:r>
+              <a:rPr sz="1400" dirty="0" err="1">
+                <a:solidFill>
+                  <a:srgbClr val="444444"/>
+                </a:solidFill>
+              </a:rPr>
+              <a:t>기록하고</a:t>
+            </a:r>
+            <a:r>
+              <a:rPr sz="1400" dirty="0">
+                <a:solidFill>
+                  <a:srgbClr val="444444"/>
+                </a:solidFill>
+              </a:rPr>
+              <a:t> </a:t>
+            </a:r>
+            <a:r>
+              <a:rPr sz="1400" dirty="0" err="1">
+                <a:solidFill>
+                  <a:srgbClr val="444444"/>
+                </a:solidFill>
+              </a:rPr>
+              <a:t>싶은</a:t>
+            </a:r>
+            <a:r>
+              <a:rPr sz="1400" dirty="0">
+                <a:solidFill>
+                  <a:srgbClr val="444444"/>
+                </a:solidFill>
+              </a:rPr>
+              <a:t> </a:t>
+            </a:r>
+            <a:r>
+              <a:rPr sz="1400" dirty="0" err="1">
+                <a:solidFill>
+                  <a:srgbClr val="444444"/>
+                </a:solidFill>
+              </a:rPr>
+              <a:t>모든</a:t>
+            </a:r>
+            <a:r>
+              <a:rPr sz="1400" dirty="0">
+                <a:solidFill>
+                  <a:srgbClr val="444444"/>
+                </a:solidFill>
+              </a:rPr>
+              <a:t> </a:t>
+            </a:r>
+            <a:r>
+              <a:rPr sz="1400" dirty="0" err="1">
+                <a:solidFill>
+                  <a:srgbClr val="444444"/>
+                </a:solidFill>
+              </a:rPr>
+              <a:t>사람</a:t>
+            </a:r>
+            <a:r>
+              <a:rPr sz="1400" dirty="0">
+                <a:solidFill>
+                  <a:srgbClr val="444444"/>
+                </a:solidFill>
+              </a:rPr>
+              <a:t>, </a:t>
+            </a:r>
+            <a:r>
+              <a:rPr sz="1400" dirty="0" err="1">
+                <a:solidFill>
+                  <a:srgbClr val="444444"/>
+                </a:solidFill>
+              </a:rPr>
+              <a:t>자기</a:t>
+            </a:r>
+            <a:r>
+              <a:rPr sz="1400" dirty="0">
+                <a:solidFill>
+                  <a:srgbClr val="444444"/>
+                </a:solidFill>
+              </a:rPr>
+              <a:t> </a:t>
+            </a:r>
+            <a:r>
+              <a:rPr sz="1400" dirty="0" err="1">
+                <a:solidFill>
+                  <a:srgbClr val="444444"/>
+                </a:solidFill>
+              </a:rPr>
+              <a:t>이해를</a:t>
+            </a:r>
+            <a:r>
+              <a:rPr sz="1400" dirty="0">
+                <a:solidFill>
+                  <a:srgbClr val="444444"/>
+                </a:solidFill>
+              </a:rPr>
+              <a:t> </a:t>
+            </a:r>
+            <a:r>
+              <a:rPr sz="1400" dirty="0" err="1">
+                <a:solidFill>
+                  <a:srgbClr val="444444"/>
+                </a:solidFill>
+              </a:rPr>
+              <a:t>원하는</a:t>
+            </a:r>
+            <a:r>
+              <a:rPr sz="1400" dirty="0">
+                <a:solidFill>
+                  <a:srgbClr val="444444"/>
+                </a:solidFill>
+              </a:rPr>
+              <a:t> </a:t>
+            </a:r>
+            <a:r>
+              <a:rPr sz="1400" dirty="0" err="1">
+                <a:solidFill>
+                  <a:srgbClr val="444444"/>
+                </a:solidFill>
+              </a:rPr>
+              <a:t>사람</a:t>
+            </a:r>
+            <a:r>
+              <a:rPr sz="1400" dirty="0">
+                <a:solidFill>
+                  <a:srgbClr val="444444"/>
+                </a:solidFill>
+              </a:rPr>
+              <a:t>, </a:t>
+            </a:r>
+            <a:r>
+              <a:rPr sz="1400" dirty="0" err="1">
+                <a:solidFill>
+                  <a:srgbClr val="444444"/>
+                </a:solidFill>
+              </a:rPr>
+              <a:t>감정</a:t>
+            </a:r>
+            <a:r>
+              <a:rPr sz="1400" dirty="0">
+                <a:solidFill>
+                  <a:srgbClr val="444444"/>
+                </a:solidFill>
+              </a:rPr>
+              <a:t> </a:t>
+            </a:r>
+            <a:r>
+              <a:rPr sz="1400" dirty="0" err="1">
+                <a:solidFill>
+                  <a:srgbClr val="444444"/>
+                </a:solidFill>
+              </a:rPr>
+              <a:t>패턴을</a:t>
+            </a:r>
+            <a:r>
+              <a:rPr sz="1400" dirty="0">
+                <a:solidFill>
+                  <a:srgbClr val="444444"/>
+                </a:solidFill>
+              </a:rPr>
+              <a:t> </a:t>
+            </a:r>
+            <a:r>
+              <a:rPr sz="1400" dirty="0" err="1">
+                <a:solidFill>
+                  <a:srgbClr val="444444"/>
+                </a:solidFill>
+              </a:rPr>
+              <a:t>발견하고</a:t>
+            </a:r>
+            <a:r>
+              <a:rPr sz="1400" dirty="0">
+                <a:solidFill>
+                  <a:srgbClr val="444444"/>
+                </a:solidFill>
+              </a:rPr>
+              <a:t> </a:t>
+            </a:r>
+            <a:r>
+              <a:rPr sz="1400" dirty="0" err="1">
+                <a:solidFill>
+                  <a:srgbClr val="444444"/>
+                </a:solidFill>
+              </a:rPr>
+              <a:t>싶은</a:t>
+            </a:r>
+            <a:r>
+              <a:rPr sz="1400" dirty="0">
+                <a:solidFill>
+                  <a:srgbClr val="444444"/>
+                </a:solidFill>
+              </a:rPr>
+              <a:t> </a:t>
+            </a:r>
+            <a:r>
+              <a:rPr sz="1400" dirty="0" err="1">
+                <a:solidFill>
+                  <a:srgbClr val="444444"/>
+                </a:solidFill>
+              </a:rPr>
+              <a:t>사람</a:t>
+            </a:r>
+            <a:endParaRPr sz="1400" dirty="0">
+              <a:solidFill>
+                <a:srgbClr val="444444"/>
+              </a:solidFill>
+            </a:endParaRPr>
           </a:p>
         </p:txBody>
       </p:sp>
@@ -3744,7 +4940,7 @@
 </file>
 
 <file path=ppt/slides/slide3.xml><?xml version="1.0" encoding="utf-8"?>
-<p:sld xmlns:a="http://schemas.openxmlformats.org/drawingml/2006/main" xmlns:p="http://schemas.openxmlformats.org/presentationml/2006/main" xmlns:r="http://schemas.openxmlformats.org/officeDocument/2006/relationships">
+<p:sld xmlns:a="http://schemas.openxmlformats.org/drawingml/2006/main" xmlns:r="http://schemas.openxmlformats.org/officeDocument/2006/relationships" xmlns:p="http://schemas.openxmlformats.org/presentationml/2006/main">
   <p:cSld>
     <p:spTree>
       <p:nvGrpSpPr>
@@ -3752,7 +4948,14 @@
         <p:cNvGrpSpPr/>
         <p:nvPr/>
       </p:nvGrpSpPr>
-      <p:grpSpPr/>
+      <p:grpSpPr>
+        <a:xfrm>
+          <a:off x="0" y="0"/>
+          <a:ext cx="0" cy="0"/>
+          <a:chOff x="0" y="0"/>
+          <a:chExt cx="0" cy="0"/>
+        </a:xfrm>
+      </p:grpSpPr>
       <p:sp>
         <p:nvSpPr>
           <p:cNvPr id="2" name="Rectangle 1"/>
@@ -3782,7 +4985,7 @@
                 </a:srgbClr>
               </a:gs>
             </a:gsLst>
-            <a:lin scaled="0" ang="18900000"/>
+            <a:lin ang="18900000" scaled="0"/>
           </a:gradFill>
           <a:ln>
             <a:noFill/>
@@ -3807,6 +5010,7 @@
           <a:lstStyle/>
           <a:p>
             <a:pPr algn="ctr"/>
+            <a:endParaRPr/>
           </a:p>
         </p:txBody>
       </p:sp>
@@ -3850,6 +5054,7 @@
           <a:lstStyle/>
           <a:p>
             <a:pPr algn="ctr"/>
+            <a:endParaRPr/>
           </a:p>
         </p:txBody>
       </p:sp>
@@ -3896,8 +5101,8 @@
         </p:nvSpPr>
         <p:spPr>
           <a:xfrm>
-            <a:off x="1188720" y="1097280"/>
-            <a:ext cx="6400800" cy="365760"/>
+            <a:off x="1188720" y="1221671"/>
+            <a:ext cx="6400800" cy="430887"/>
           </a:xfrm>
           <a:prstGeom prst="rect">
             <a:avLst/>
@@ -3910,16 +5115,93 @@
           </a:bodyPr>
           <a:lstStyle/>
           <a:p>
-            <a:pPr algn="ctr"/>
-            <a:r>
-              <a:rPr sz="2200">
+            <a:r>
+              <a:rPr sz="2200" dirty="0" err="1">
                 <a:solidFill>
                   <a:srgbClr val="764BA2"/>
                 </a:solidFill>
                 <a:latin typeface="Arial"/>
               </a:rPr>
-              <a:t>컬러 기반 감정 트래킹 솔루션</a:t>
-            </a:r>
+              <a:t>컬러</a:t>
+            </a:r>
+            <a:r>
+              <a:rPr sz="2200" dirty="0">
+                <a:solidFill>
+                  <a:srgbClr val="764BA2"/>
+                </a:solidFill>
+                <a:latin typeface="Arial"/>
+              </a:rPr>
+              <a:t> </a:t>
+            </a:r>
+            <a:r>
+              <a:rPr sz="2200" dirty="0" err="1">
+                <a:solidFill>
+                  <a:srgbClr val="764BA2"/>
+                </a:solidFill>
+                <a:latin typeface="Arial"/>
+              </a:rPr>
+              <a:t>기반</a:t>
+            </a:r>
+            <a:r>
+              <a:rPr sz="2200" dirty="0">
+                <a:solidFill>
+                  <a:srgbClr val="764BA2"/>
+                </a:solidFill>
+                <a:latin typeface="Arial"/>
+              </a:rPr>
+              <a:t> </a:t>
+            </a:r>
+            <a:r>
+              <a:rPr sz="2200" dirty="0" err="1">
+                <a:solidFill>
+                  <a:srgbClr val="764BA2"/>
+                </a:solidFill>
+                <a:latin typeface="Arial"/>
+              </a:rPr>
+              <a:t>감정</a:t>
+            </a:r>
+            <a:r>
+              <a:rPr sz="2200" dirty="0">
+                <a:solidFill>
+                  <a:srgbClr val="764BA2"/>
+                </a:solidFill>
+                <a:latin typeface="Arial"/>
+              </a:rPr>
+              <a:t> </a:t>
+            </a:r>
+            <a:r>
+              <a:rPr sz="2200" dirty="0" err="1">
+                <a:solidFill>
+                  <a:srgbClr val="764BA2"/>
+                </a:solidFill>
+                <a:latin typeface="Arial"/>
+              </a:rPr>
+              <a:t>트래킹</a:t>
+            </a:r>
+            <a:r>
+              <a:rPr sz="2200" dirty="0">
+                <a:solidFill>
+                  <a:srgbClr val="764BA2"/>
+                </a:solidFill>
+                <a:latin typeface="Arial"/>
+              </a:rPr>
+              <a:t> </a:t>
+            </a:r>
+            <a:r>
+              <a:rPr sz="2200" dirty="0" err="1">
+                <a:solidFill>
+                  <a:srgbClr val="764BA2"/>
+                </a:solidFill>
+                <a:latin typeface="Arial"/>
+              </a:rPr>
+              <a:t>솔루션</a:t>
+            </a:r>
+            <a:endParaRPr sz="2200" dirty="0">
+              <a:solidFill>
+                <a:srgbClr val="764BA2"/>
+              </a:solidFill>
+              <a:latin typeface="Arial"/>
+            </a:endParaRPr>
           </a:p>
         </p:txBody>
       </p:sp>
@@ -3932,7 +5214,7 @@
         <p:spPr>
           <a:xfrm>
             <a:off x="1371600" y="1645920"/>
-            <a:ext cx="6400800" cy="3657600"/>
+            <a:ext cx="6400800" cy="1785104"/>
           </a:xfrm>
           <a:prstGeom prst="rect">
             <a:avLst/>
@@ -3951,14 +5233,83 @@
               </a:spcBef>
             </a:pPr>
             <a:r>
-              <a:rPr sz="1500">
-                <a:solidFill>
-                  <a:srgbClr val="333333"/>
-                </a:solidFill>
-                <a:latin typeface="Arial"/>
-              </a:rPr>
-              <a:t>🎨 33색 팔레트로 직관적인 감정 표현</a:t>
-            </a:r>
+              <a:rPr sz="1400" dirty="0">
+                <a:solidFill>
+                  <a:srgbClr val="333333"/>
+                </a:solidFill>
+                <a:latin typeface="Arial"/>
+              </a:rPr>
+              <a:t>🎨 33색 </a:t>
+            </a:r>
+            <a:r>
+              <a:rPr sz="1400" dirty="0" err="1">
+                <a:solidFill>
+                  <a:srgbClr val="333333"/>
+                </a:solidFill>
+                <a:latin typeface="Arial"/>
+              </a:rPr>
+              <a:t>팔레트로</a:t>
+            </a:r>
+            <a:r>
+              <a:rPr sz="1400" dirty="0">
+                <a:solidFill>
+                  <a:srgbClr val="333333"/>
+                </a:solidFill>
+                <a:latin typeface="Arial"/>
+              </a:rPr>
+              <a:t> </a:t>
+            </a:r>
+            <a:r>
+              <a:rPr sz="1400" dirty="0" err="1">
+                <a:solidFill>
+                  <a:srgbClr val="333333"/>
+                </a:solidFill>
+                <a:latin typeface="Arial"/>
+              </a:rPr>
+              <a:t>직관적인</a:t>
+            </a:r>
+            <a:r>
+              <a:rPr sz="1400" dirty="0">
+                <a:solidFill>
+                  <a:srgbClr val="333333"/>
+                </a:solidFill>
+                <a:latin typeface="Arial"/>
+              </a:rPr>
+              <a:t> </a:t>
+            </a:r>
+            <a:r>
+              <a:rPr sz="1400" dirty="0" err="1">
+                <a:solidFill>
+                  <a:srgbClr val="333333"/>
+                </a:solidFill>
+                <a:latin typeface="Arial"/>
+              </a:rPr>
+              <a:t>감정</a:t>
+            </a:r>
+            <a:r>
+              <a:rPr sz="1400" dirty="0">
+                <a:solidFill>
+                  <a:srgbClr val="333333"/>
+                </a:solidFill>
+                <a:latin typeface="Arial"/>
+              </a:rPr>
+              <a:t> </a:t>
+            </a:r>
+            <a:r>
+              <a:rPr sz="1400" dirty="0" err="1">
+                <a:solidFill>
+                  <a:srgbClr val="333333"/>
+                </a:solidFill>
+                <a:latin typeface="Arial"/>
+              </a:rPr>
+              <a:t>표현</a:t>
+            </a:r>
+            <a:endParaRPr sz="1400" dirty="0">
+              <a:solidFill>
+                <a:srgbClr val="333333"/>
+              </a:solidFill>
+              <a:latin typeface="Arial"/>
+            </a:endParaRPr>
           </a:p>
           <a:p>
             <a:pPr>
@@ -3967,14 +5318,137 @@
               </a:spcBef>
             </a:pPr>
             <a:r>
-              <a:rPr sz="1500">
-                <a:solidFill>
-                  <a:srgbClr val="333333"/>
-                </a:solidFill>
-                <a:latin typeface="Arial"/>
-              </a:rPr>
-              <a:t>📅 캘린더 뷰로 시간에 따른 감정 패턴 시각화</a:t>
-            </a:r>
+              <a:rPr sz="1400" dirty="0">
+                <a:solidFill>
+                  <a:srgbClr val="333333"/>
+                </a:solidFill>
+                <a:latin typeface="Arial"/>
+              </a:rPr>
+              <a:t>📅 </a:t>
+            </a:r>
+            <a:r>
+              <a:rPr sz="1400" dirty="0" err="1">
+                <a:solidFill>
+                  <a:srgbClr val="333333"/>
+                </a:solidFill>
+                <a:latin typeface="Arial"/>
+              </a:rPr>
+              <a:t>캘린더</a:t>
+            </a:r>
+            <a:r>
+              <a:rPr sz="1400" dirty="0">
+                <a:solidFill>
+                  <a:srgbClr val="333333"/>
+                </a:solidFill>
+                <a:latin typeface="Arial"/>
+              </a:rPr>
+              <a:t> </a:t>
+            </a:r>
+            <a:r>
+              <a:rPr sz="1400" dirty="0" err="1">
+                <a:solidFill>
+                  <a:srgbClr val="333333"/>
+                </a:solidFill>
+                <a:latin typeface="Arial"/>
+              </a:rPr>
+              <a:t>뷰로</a:t>
+            </a:r>
+            <a:r>
+              <a:rPr sz="1400" dirty="0">
+                <a:solidFill>
+                  <a:srgbClr val="333333"/>
+                </a:solidFill>
+                <a:latin typeface="Arial"/>
+              </a:rPr>
+              <a:t> </a:t>
+            </a:r>
+            <a:r>
+              <a:rPr sz="1400" dirty="0" err="1">
+                <a:solidFill>
+                  <a:srgbClr val="333333"/>
+                </a:solidFill>
+                <a:latin typeface="Arial"/>
+              </a:rPr>
+              <a:t>시간에</a:t>
+            </a:r>
+            <a:r>
+              <a:rPr sz="1400" dirty="0">
+                <a:solidFill>
+                  <a:srgbClr val="333333"/>
+                </a:solidFill>
+                <a:latin typeface="Arial"/>
+              </a:rPr>
+              <a:t> </a:t>
+            </a:r>
+            <a:r>
+              <a:rPr sz="1400" dirty="0" err="1">
+                <a:solidFill>
+                  <a:srgbClr val="333333"/>
+                </a:solidFill>
+                <a:latin typeface="Arial"/>
+              </a:rPr>
+              <a:t>따른</a:t>
+            </a:r>
+            <a:r>
+              <a:rPr sz="1400" dirty="0">
+                <a:solidFill>
+                  <a:srgbClr val="333333"/>
+                </a:solidFill>
+                <a:latin typeface="Arial"/>
+              </a:rPr>
+              <a:t> </a:t>
+            </a:r>
+            <a:r>
+              <a:rPr sz="1400" dirty="0" err="1">
+                <a:solidFill>
+                  <a:srgbClr val="333333"/>
+                </a:solidFill>
+                <a:latin typeface="Arial"/>
+              </a:rPr>
+              <a:t>감정</a:t>
+            </a:r>
+            <a:r>
+              <a:rPr sz="1400" dirty="0">
+                <a:solidFill>
+                  <a:srgbClr val="333333"/>
+                </a:solidFill>
+                <a:latin typeface="Arial"/>
+              </a:rPr>
+              <a:t> </a:t>
+            </a:r>
+            <a:r>
+              <a:rPr sz="1400" dirty="0" err="1">
+                <a:solidFill>
+                  <a:srgbClr val="333333"/>
+                </a:solidFill>
+                <a:latin typeface="Arial"/>
+              </a:rPr>
+              <a:t>패턴</a:t>
+            </a:r>
+            <a:r>
+              <a:rPr sz="1400" dirty="0">
+                <a:solidFill>
+                  <a:srgbClr val="333333"/>
+                </a:solidFill>
+                <a:latin typeface="Arial"/>
+              </a:rPr>
+              <a:t> </a:t>
+            </a:r>
+            <a:r>
+              <a:rPr sz="1400" dirty="0" err="1">
+                <a:solidFill>
+                  <a:srgbClr val="333333"/>
+                </a:solidFill>
+                <a:latin typeface="Arial"/>
+              </a:rPr>
+              <a:t>시각화</a:t>
+            </a:r>
+            <a:endParaRPr sz="1400" dirty="0">
+              <a:solidFill>
+                <a:srgbClr val="333333"/>
+              </a:solidFill>
+              <a:latin typeface="Arial"/>
+            </a:endParaRPr>
           </a:p>
           <a:p>
             <a:pPr>
@@ -3983,14 +5457,119 @@
               </a:spcBef>
             </a:pPr>
             <a:r>
-              <a:rPr sz="1500">
-                <a:solidFill>
-                  <a:srgbClr val="333333"/>
-                </a:solidFill>
-                <a:latin typeface="Arial"/>
-              </a:rPr>
-              <a:t>📊 기간별 감정 분석 및 인사이트 제공</a:t>
-            </a:r>
+              <a:rPr sz="1400" dirty="0">
+                <a:solidFill>
+                  <a:srgbClr val="333333"/>
+                </a:solidFill>
+                <a:latin typeface="Arial"/>
+              </a:rPr>
+              <a:t>📊 </a:t>
+            </a:r>
+            <a:r>
+              <a:rPr sz="1400" dirty="0" err="1">
+                <a:solidFill>
+                  <a:srgbClr val="333333"/>
+                </a:solidFill>
+                <a:latin typeface="Arial"/>
+              </a:rPr>
+              <a:t>기간별</a:t>
+            </a:r>
+            <a:r>
+              <a:rPr sz="1400" dirty="0">
+                <a:solidFill>
+                  <a:srgbClr val="333333"/>
+                </a:solidFill>
+                <a:latin typeface="Arial"/>
+              </a:rPr>
+              <a:t> </a:t>
+            </a:r>
+            <a:r>
+              <a:rPr sz="1400" dirty="0" err="1">
+                <a:solidFill>
+                  <a:srgbClr val="333333"/>
+                </a:solidFill>
+                <a:latin typeface="Arial"/>
+              </a:rPr>
+              <a:t>감정</a:t>
+            </a:r>
+            <a:r>
+              <a:rPr sz="1400" dirty="0">
+                <a:solidFill>
+                  <a:srgbClr val="333333"/>
+                </a:solidFill>
+                <a:latin typeface="Arial"/>
+              </a:rPr>
+              <a:t> </a:t>
+            </a:r>
+            <a:r>
+              <a:rPr sz="1400" dirty="0" err="1">
+                <a:solidFill>
+                  <a:srgbClr val="333333"/>
+                </a:solidFill>
+                <a:latin typeface="Arial"/>
+              </a:rPr>
+              <a:t>분석</a:t>
+            </a:r>
+            <a:r>
+              <a:rPr sz="1400" dirty="0">
+                <a:solidFill>
+                  <a:srgbClr val="333333"/>
+                </a:solidFill>
+                <a:latin typeface="Arial"/>
+              </a:rPr>
+              <a:t> </a:t>
+            </a:r>
+            <a:r>
+              <a:rPr sz="1400" dirty="0" err="1">
+                <a:solidFill>
+                  <a:srgbClr val="333333"/>
+                </a:solidFill>
+                <a:latin typeface="Arial"/>
+              </a:rPr>
+              <a:t>및</a:t>
+            </a:r>
+            <a:r>
+              <a:rPr sz="1400" dirty="0">
+                <a:solidFill>
+                  <a:srgbClr val="333333"/>
+                </a:solidFill>
+                <a:latin typeface="Arial"/>
+              </a:rPr>
+              <a:t> </a:t>
+            </a:r>
+            <a:r>
+              <a:rPr sz="1400" dirty="0" err="1">
+                <a:solidFill>
+                  <a:srgbClr val="333333"/>
+                </a:solidFill>
+                <a:latin typeface="Arial"/>
+              </a:rPr>
+              <a:t>인사이트</a:t>
+            </a:r>
+            <a:r>
+              <a:rPr sz="1400" dirty="0">
+                <a:solidFill>
+                  <a:srgbClr val="333333"/>
+                </a:solidFill>
+                <a:latin typeface="Arial"/>
+              </a:rPr>
+              <a:t> </a:t>
+            </a:r>
+            <a:r>
+              <a:rPr sz="1400" dirty="0" err="1">
+                <a:solidFill>
+                  <a:srgbClr val="333333"/>
+                </a:solidFill>
+                <a:latin typeface="Arial"/>
+              </a:rPr>
+              <a:t>제공</a:t>
+            </a:r>
+            <a:endParaRPr sz="1400" dirty="0">
+              <a:solidFill>
+                <a:srgbClr val="333333"/>
+              </a:solidFill>
+              <a:latin typeface="Arial"/>
+            </a:endParaRPr>
           </a:p>
           <a:p>
             <a:pPr>
@@ -3999,14 +5578,101 @@
               </a:spcBef>
             </a:pPr>
             <a:r>
-              <a:rPr sz="1500">
-                <a:solidFill>
-                  <a:srgbClr val="333333"/>
-                </a:solidFill>
-                <a:latin typeface="Arial"/>
-              </a:rPr>
-              <a:t>💾 LocalStorage 기반 안전한 데이터 저장</a:t>
-            </a:r>
+              <a:rPr sz="1400" dirty="0">
+                <a:solidFill>
+                  <a:srgbClr val="333333"/>
+                </a:solidFill>
+                <a:latin typeface="Arial"/>
+              </a:rPr>
+              <a:t>💾 </a:t>
+            </a:r>
+            <a:r>
+              <a:rPr sz="1400" dirty="0" err="1">
+                <a:solidFill>
+                  <a:srgbClr val="333333"/>
+                </a:solidFill>
+                <a:latin typeface="Arial"/>
+              </a:rPr>
+              <a:t>LocalStorage</a:t>
+            </a:r>
+            <a:r>
+              <a:rPr sz="1400" dirty="0">
+                <a:solidFill>
+                  <a:srgbClr val="333333"/>
+                </a:solidFill>
+                <a:latin typeface="Arial"/>
+              </a:rPr>
+              <a:t> </a:t>
+            </a:r>
+            <a:r>
+              <a:rPr sz="1400" dirty="0" err="1">
+                <a:solidFill>
+                  <a:srgbClr val="333333"/>
+                </a:solidFill>
+                <a:latin typeface="Arial"/>
+              </a:rPr>
+              <a:t>기반</a:t>
+            </a:r>
+            <a:r>
+              <a:rPr sz="1400" dirty="0">
+                <a:solidFill>
+                  <a:srgbClr val="333333"/>
+                </a:solidFill>
+                <a:latin typeface="Arial"/>
+              </a:rPr>
+              <a:t> </a:t>
+            </a:r>
+            <a:r>
+              <a:rPr sz="1400" dirty="0" err="1">
+                <a:solidFill>
+                  <a:srgbClr val="333333"/>
+                </a:solidFill>
+                <a:latin typeface="Arial"/>
+              </a:rPr>
+              <a:t>안전한</a:t>
+            </a:r>
+            <a:r>
+              <a:rPr sz="1400" dirty="0">
+                <a:solidFill>
+                  <a:srgbClr val="333333"/>
+                </a:solidFill>
+                <a:latin typeface="Arial"/>
+              </a:rPr>
+              <a:t> </a:t>
+            </a:r>
+            <a:r>
+              <a:rPr sz="1400" dirty="0" err="1">
+                <a:solidFill>
+                  <a:srgbClr val="333333"/>
+                </a:solidFill>
+                <a:latin typeface="Arial"/>
+              </a:rPr>
+              <a:t>데이터</a:t>
+            </a:r>
+            <a:r>
+              <a:rPr sz="1400" dirty="0">
+                <a:solidFill>
+                  <a:srgbClr val="333333"/>
+                </a:solidFill>
+                <a:latin typeface="Arial"/>
+              </a:rPr>
+              <a:t> </a:t>
+            </a:r>
+            <a:r>
+              <a:rPr sz="1400" dirty="0" err="1">
+                <a:solidFill>
+                  <a:srgbClr val="333333"/>
+                </a:solidFill>
+                <a:latin typeface="Arial"/>
+              </a:rPr>
+              <a:t>저장</a:t>
+            </a:r>
+            <a:endParaRPr sz="1400" dirty="0">
+              <a:solidFill>
+                <a:srgbClr val="333333"/>
+              </a:solidFill>
+              <a:latin typeface="Arial"/>
+            </a:endParaRPr>
           </a:p>
           <a:p>
             <a:pPr>
@@ -4015,14 +5681,119 @@
               </a:spcBef>
             </a:pPr>
             <a:r>
-              <a:rPr sz="1500">
-                <a:solidFill>
-                  <a:srgbClr val="333333"/>
-                </a:solidFill>
-                <a:latin typeface="Arial"/>
-              </a:rPr>
-              <a:t>📸 공유용 감정 팔레트 이미지 자동 생성</a:t>
-            </a:r>
+              <a:rPr sz="1400" dirty="0">
+                <a:solidFill>
+                  <a:srgbClr val="333333"/>
+                </a:solidFill>
+                <a:latin typeface="Arial"/>
+              </a:rPr>
+              <a:t>📸 </a:t>
+            </a:r>
+            <a:r>
+              <a:rPr sz="1400" dirty="0" err="1">
+                <a:solidFill>
+                  <a:srgbClr val="333333"/>
+                </a:solidFill>
+                <a:latin typeface="Arial"/>
+              </a:rPr>
+              <a:t>공유용</a:t>
+            </a:r>
+            <a:r>
+              <a:rPr sz="1400" dirty="0">
+                <a:solidFill>
+                  <a:srgbClr val="333333"/>
+                </a:solidFill>
+                <a:latin typeface="Arial"/>
+              </a:rPr>
+              <a:t> </a:t>
+            </a:r>
+            <a:r>
+              <a:rPr sz="1400" dirty="0" err="1">
+                <a:solidFill>
+                  <a:srgbClr val="333333"/>
+                </a:solidFill>
+                <a:latin typeface="Arial"/>
+              </a:rPr>
+              <a:t>감정</a:t>
+            </a:r>
+            <a:r>
+              <a:rPr sz="1400" dirty="0">
+                <a:solidFill>
+                  <a:srgbClr val="333333"/>
+                </a:solidFill>
+                <a:latin typeface="Arial"/>
+              </a:rPr>
+              <a:t> </a:t>
+            </a:r>
+            <a:r>
+              <a:rPr sz="1400" dirty="0" err="1">
+                <a:solidFill>
+                  <a:srgbClr val="333333"/>
+                </a:solidFill>
+                <a:latin typeface="Arial"/>
+              </a:rPr>
+              <a:t>팔레트</a:t>
+            </a:r>
+            <a:r>
+              <a:rPr sz="1400" dirty="0">
+                <a:solidFill>
+                  <a:srgbClr val="333333"/>
+                </a:solidFill>
+                <a:latin typeface="Arial"/>
+              </a:rPr>
+              <a:t> </a:t>
+            </a:r>
+            <a:r>
+              <a:rPr sz="1400" dirty="0" err="1">
+                <a:solidFill>
+                  <a:srgbClr val="333333"/>
+                </a:solidFill>
+                <a:latin typeface="Arial"/>
+              </a:rPr>
+              <a:t>이미지</a:t>
+            </a:r>
+            <a:r>
+              <a:rPr sz="1400" dirty="0">
+                <a:solidFill>
+                  <a:srgbClr val="333333"/>
+                </a:solidFill>
+                <a:latin typeface="Arial"/>
+              </a:rPr>
+              <a:t> </a:t>
+            </a:r>
+            <a:r>
+              <a:rPr sz="1400" dirty="0" err="1">
+                <a:solidFill>
+                  <a:srgbClr val="333333"/>
+                </a:solidFill>
+                <a:latin typeface="Arial"/>
+              </a:rPr>
+              <a:t>자동</a:t>
+            </a:r>
+            <a:r>
+              <a:rPr sz="1400" dirty="0">
+                <a:solidFill>
+                  <a:srgbClr val="333333"/>
+                </a:solidFill>
+                <a:latin typeface="Arial"/>
+              </a:rPr>
+              <a:t> </a:t>
+            </a:r>
+            <a:r>
+              <a:rPr sz="1400" dirty="0" err="1">
+                <a:solidFill>
+                  <a:srgbClr val="333333"/>
+                </a:solidFill>
+                <a:latin typeface="Arial"/>
+              </a:rPr>
+              <a:t>생성</a:t>
+            </a:r>
+            <a:endParaRPr sz="1400" dirty="0">
+              <a:solidFill>
+                <a:srgbClr val="333333"/>
+              </a:solidFill>
+              <a:latin typeface="Arial"/>
+            </a:endParaRPr>
           </a:p>
         </p:txBody>
       </p:sp>
@@ -4035,7 +5806,7 @@
         <p:spPr>
           <a:xfrm>
             <a:off x="1371600" y="3474720"/>
-            <a:ext cx="6400800" cy="1371600"/>
+            <a:ext cx="6400800" cy="1308050"/>
           </a:xfrm>
           <a:prstGeom prst="rect">
             <a:avLst/>
@@ -4050,13 +5821,34 @@
           <a:p>
             <a:pPr algn="l"/>
             <a:r>
-              <a:rPr sz="2200" b="1">
+              <a:rPr sz="2200" b="1" dirty="0" err="1">
                 <a:solidFill>
                   <a:srgbClr val="667EEA"/>
                 </a:solidFill>
               </a:rPr>
-              <a:t>핵심 가치</a:t>
-            </a:r>
+              <a:t>핵심</a:t>
+            </a:r>
+            <a:r>
+              <a:rPr sz="2200" b="1" dirty="0">
+                <a:solidFill>
+                  <a:srgbClr val="667EEA"/>
+                </a:solidFill>
+              </a:rPr>
+              <a:t> </a:t>
+            </a:r>
+            <a:r>
+              <a:rPr sz="2200" b="1" dirty="0" err="1">
+                <a:solidFill>
+                  <a:srgbClr val="667EEA"/>
+                </a:solidFill>
+              </a:rPr>
+              <a:t>가치</a:t>
+            </a:r>
+            <a:endParaRPr sz="2200" b="1" dirty="0">
+              <a:solidFill>
+                <a:srgbClr val="667EEA"/>
+              </a:solidFill>
+            </a:endParaRPr>
           </a:p>
           <a:p>
             <a:pPr>
@@ -4065,13 +5857,106 @@
               </a:spcBef>
             </a:pPr>
             <a:r>
-              <a:rPr sz="1500">
-                <a:solidFill>
-                  <a:srgbClr val="444444"/>
-                </a:solidFill>
-              </a:rPr>
-              <a:t>✨ 색상 선택만으로 쉽고 빠른 감정 기록</a:t>
-            </a:r>
+              <a:rPr sz="1400" dirty="0">
+                <a:solidFill>
+                  <a:srgbClr val="444444"/>
+                </a:solidFill>
+              </a:rPr>
+              <a:t>✨ </a:t>
+            </a:r>
+            <a:r>
+              <a:rPr sz="1400" dirty="0" err="1">
+                <a:solidFill>
+                  <a:srgbClr val="444444"/>
+                </a:solidFill>
+              </a:rPr>
+              <a:t>색상</a:t>
+            </a:r>
+            <a:r>
+              <a:rPr sz="1400" dirty="0">
+                <a:solidFill>
+                  <a:srgbClr val="444444"/>
+                </a:solidFill>
+              </a:rPr>
+              <a:t> </a:t>
+            </a:r>
+            <a:r>
+              <a:rPr sz="1400" dirty="0" err="1">
+                <a:solidFill>
+                  <a:srgbClr val="444444"/>
+                </a:solidFill>
+              </a:rPr>
+              <a:t>선택만으로</a:t>
+            </a:r>
+            <a:r>
+              <a:rPr sz="1400" dirty="0">
+                <a:solidFill>
+                  <a:srgbClr val="444444"/>
+                </a:solidFill>
+              </a:rPr>
+              <a:t> </a:t>
+            </a:r>
+            <a:r>
+              <a:rPr sz="1400" dirty="0" err="1">
+                <a:solidFill>
+                  <a:srgbClr val="444444"/>
+                </a:solidFill>
+              </a:rPr>
+              <a:t>쉽고</a:t>
+            </a:r>
+            <a:r>
+              <a:rPr sz="1400" dirty="0">
+                <a:solidFill>
+                  <a:srgbClr val="444444"/>
+                </a:solidFill>
+              </a:rPr>
+              <a:t> </a:t>
+            </a:r>
+            <a:r>
+              <a:rPr sz="1400" dirty="0" err="1">
+                <a:solidFill>
+                  <a:srgbClr val="444444"/>
+                </a:solidFill>
+              </a:rPr>
+              <a:t>빠른</a:t>
+            </a:r>
+            <a:r>
+              <a:rPr sz="1400" dirty="0">
+                <a:solidFill>
+                  <a:srgbClr val="444444"/>
+                </a:solidFill>
+              </a:rPr>
+              <a:t> </a:t>
+            </a:r>
+            <a:r>
+              <a:rPr sz="1400" dirty="0" err="1">
+                <a:solidFill>
+                  <a:srgbClr val="444444"/>
+                </a:solidFill>
+              </a:rPr>
+              <a:t>감정</a:t>
+            </a:r>
+            <a:r>
+              <a:rPr sz="1400" dirty="0">
+                <a:solidFill>
+                  <a:srgbClr val="444444"/>
+                </a:solidFill>
+              </a:rPr>
+              <a:t> </a:t>
+            </a:r>
+            <a:r>
+              <a:rPr sz="1400" dirty="0" err="1">
+                <a:solidFill>
+                  <a:srgbClr val="444444"/>
+                </a:solidFill>
+              </a:rPr>
+              <a:t>기록</a:t>
+            </a:r>
+            <a:endParaRPr sz="1400" dirty="0">
+              <a:solidFill>
+                <a:srgbClr val="444444"/>
+              </a:solidFill>
+            </a:endParaRPr>
           </a:p>
           <a:p>
             <a:pPr>
@@ -4080,13 +5965,90 @@
               </a:spcBef>
             </a:pPr>
             <a:r>
-              <a:rPr sz="1500">
-                <a:solidFill>
-                  <a:srgbClr val="444444"/>
-                </a:solidFill>
-              </a:rPr>
-              <a:t>🎯 개인 맞춤형 감정 팔레트 생성</a:t>
-            </a:r>
+              <a:rPr sz="1400" dirty="0">
+                <a:solidFill>
+                  <a:srgbClr val="444444"/>
+                </a:solidFill>
+              </a:rPr>
+              <a:t>🎯 </a:t>
+            </a:r>
+            <a:r>
+              <a:rPr sz="1400" dirty="0" err="1">
+                <a:solidFill>
+                  <a:srgbClr val="444444"/>
+                </a:solidFill>
+              </a:rPr>
+              <a:t>개인</a:t>
+            </a:r>
+            <a:r>
+              <a:rPr sz="1400" dirty="0">
+                <a:solidFill>
+                  <a:srgbClr val="444444"/>
+                </a:solidFill>
+              </a:rPr>
+              <a:t> </a:t>
+            </a:r>
+            <a:r>
+              <a:rPr sz="1400" dirty="0" err="1">
+                <a:solidFill>
+                  <a:srgbClr val="444444"/>
+                </a:solidFill>
+              </a:rPr>
+              <a:t>맞춤형</a:t>
+            </a:r>
+            <a:r>
+              <a:rPr sz="1400" dirty="0">
+                <a:solidFill>
+                  <a:srgbClr val="444444"/>
+                </a:solidFill>
+              </a:rPr>
+              <a:t> </a:t>
+            </a:r>
+            <a:r>
+              <a:rPr sz="1400" dirty="0" err="1">
+                <a:solidFill>
+                  <a:srgbClr val="444444"/>
+                </a:solidFill>
+              </a:rPr>
+              <a:t>감정</a:t>
+            </a:r>
+            <a:r>
+              <a:rPr sz="1400" dirty="0">
+                <a:solidFill>
+                  <a:srgbClr val="444444"/>
+                </a:solidFill>
+              </a:rPr>
+              <a:t> </a:t>
+            </a:r>
+            <a:r>
+              <a:rPr sz="1400" dirty="0" err="1">
+                <a:solidFill>
+                  <a:srgbClr val="444444"/>
+                </a:solidFill>
+              </a:rPr>
+              <a:t>팔레트</a:t>
+            </a:r>
+            <a:r>
+              <a:rPr sz="1400" dirty="0">
+                <a:solidFill>
+                  <a:srgbClr val="444444"/>
+                </a:solidFill>
+              </a:rPr>
+              <a:t> </a:t>
+            </a:r>
+            <a:r>
+              <a:rPr sz="1400" dirty="0" err="1">
+                <a:solidFill>
+                  <a:srgbClr val="444444"/>
+                </a:solidFill>
+              </a:rPr>
+              <a:t>생성</a:t>
+            </a:r>
+            <a:endParaRPr sz="1400" dirty="0">
+              <a:solidFill>
+                <a:srgbClr val="444444"/>
+              </a:solidFill>
+            </a:endParaRPr>
           </a:p>
           <a:p>
             <a:pPr>
@@ -4095,13 +6057,90 @@
               </a:spcBef>
             </a:pPr>
             <a:r>
-              <a:rPr sz="1500">
-                <a:solidFill>
-                  <a:srgbClr val="444444"/>
-                </a:solidFill>
-              </a:rPr>
-              <a:t>🔒 로컬 저장으로 개인정보 보호 완벽</a:t>
-            </a:r>
+              <a:rPr sz="1400" dirty="0">
+                <a:solidFill>
+                  <a:srgbClr val="444444"/>
+                </a:solidFill>
+              </a:rPr>
+              <a:t>🔒 </a:t>
+            </a:r>
+            <a:r>
+              <a:rPr sz="1400" dirty="0" err="1">
+                <a:solidFill>
+                  <a:srgbClr val="444444"/>
+                </a:solidFill>
+              </a:rPr>
+              <a:t>로컬</a:t>
+            </a:r>
+            <a:r>
+              <a:rPr sz="1400" dirty="0">
+                <a:solidFill>
+                  <a:srgbClr val="444444"/>
+                </a:solidFill>
+              </a:rPr>
+              <a:t> </a:t>
+            </a:r>
+            <a:r>
+              <a:rPr sz="1400" dirty="0" err="1">
+                <a:solidFill>
+                  <a:srgbClr val="444444"/>
+                </a:solidFill>
+              </a:rPr>
+              <a:t>저장으로</a:t>
+            </a:r>
+            <a:r>
+              <a:rPr sz="1400" dirty="0">
+                <a:solidFill>
+                  <a:srgbClr val="444444"/>
+                </a:solidFill>
+              </a:rPr>
+              <a:t> </a:t>
+            </a:r>
+            <a:r>
+              <a:rPr sz="1400" dirty="0" err="1">
+                <a:solidFill>
+                  <a:srgbClr val="444444"/>
+                </a:solidFill>
+              </a:rPr>
+              <a:t>개인정보</a:t>
+            </a:r>
+            <a:r>
+              <a:rPr sz="1400" dirty="0">
+                <a:solidFill>
+                  <a:srgbClr val="444444"/>
+                </a:solidFill>
+              </a:rPr>
+              <a:t> </a:t>
+            </a:r>
+            <a:r>
+              <a:rPr sz="1400" dirty="0" err="1">
+                <a:solidFill>
+                  <a:srgbClr val="444444"/>
+                </a:solidFill>
+              </a:rPr>
+              <a:t>보호</a:t>
+            </a:r>
+            <a:r>
+              <a:rPr sz="1400" dirty="0">
+                <a:solidFill>
+                  <a:srgbClr val="444444"/>
+                </a:solidFill>
+              </a:rPr>
+              <a:t> </a:t>
+            </a:r>
+            <a:r>
+              <a:rPr sz="1400" dirty="0" err="1">
+                <a:solidFill>
+                  <a:srgbClr val="444444"/>
+                </a:solidFill>
+              </a:rPr>
+              <a:t>완벽</a:t>
+            </a:r>
+            <a:endParaRPr sz="1400" dirty="0">
+              <a:solidFill>
+                <a:srgbClr val="444444"/>
+              </a:solidFill>
+            </a:endParaRPr>
           </a:p>
         </p:txBody>
       </p:sp>
@@ -4114,7 +6153,7 @@
 </file>
 
 <file path=ppt/slides/slide4.xml><?xml version="1.0" encoding="utf-8"?>
-<p:sld xmlns:a="http://schemas.openxmlformats.org/drawingml/2006/main" xmlns:p="http://schemas.openxmlformats.org/presentationml/2006/main" xmlns:r="http://schemas.openxmlformats.org/officeDocument/2006/relationships">
+<p:sld xmlns:a="http://schemas.openxmlformats.org/drawingml/2006/main" xmlns:r="http://schemas.openxmlformats.org/officeDocument/2006/relationships" xmlns:p="http://schemas.openxmlformats.org/presentationml/2006/main">
   <p:cSld>
     <p:spTree>
       <p:nvGrpSpPr>
@@ -4122,7 +6161,14 @@
         <p:cNvGrpSpPr/>
         <p:nvPr/>
       </p:nvGrpSpPr>
-      <p:grpSpPr/>
+      <p:grpSpPr>
+        <a:xfrm>
+          <a:off x="0" y="0"/>
+          <a:ext cx="0" cy="0"/>
+          <a:chOff x="0" y="0"/>
+          <a:chExt cx="0" cy="0"/>
+        </a:xfrm>
+      </p:grpSpPr>
       <p:sp>
         <p:nvSpPr>
           <p:cNvPr id="2" name="Rectangle 1"/>
@@ -4131,7 +6177,7 @@
         </p:nvSpPr>
         <p:spPr>
           <a:xfrm>
-            <a:off x="0" y="0"/>
+            <a:off x="0" y="-75501"/>
             <a:ext cx="9144000" cy="5143500"/>
           </a:xfrm>
           <a:prstGeom prst="rect">
@@ -4152,7 +6198,7 @@
                 </a:srgbClr>
               </a:gs>
             </a:gsLst>
-            <a:lin scaled="0" ang="18900000"/>
+            <a:lin ang="18900000" scaled="0"/>
           </a:gradFill>
           <a:ln>
             <a:noFill/>
@@ -4177,6 +6223,7 @@
           <a:lstStyle/>
           <a:p>
             <a:pPr algn="ctr"/>
+            <a:endParaRPr/>
           </a:p>
         </p:txBody>
       </p:sp>
@@ -4220,6 +6267,7 @@
           <a:lstStyle/>
           <a:p>
             <a:pPr algn="ctr"/>
+            <a:endParaRPr/>
           </a:p>
         </p:txBody>
       </p:sp>
@@ -4266,7 +6314,7 @@
         </p:nvSpPr>
         <p:spPr>
           <a:xfrm>
-            <a:off x="1188720" y="1371600"/>
+            <a:off x="1188720" y="1234440"/>
             <a:ext cx="6400800" cy="365760"/>
           </a:xfrm>
           <a:prstGeom prst="rect">
@@ -4282,14 +6330,56 @@
           <a:p>
             <a:pPr algn="l"/>
             <a:r>
-              <a:rPr sz="2200">
+              <a:rPr sz="2200" dirty="0" err="1">
                 <a:solidFill>
                   <a:srgbClr val="764BA2"/>
                 </a:solidFill>
                 <a:latin typeface="Arial"/>
               </a:rPr>
-              <a:t>일기 작성 프로세스</a:t>
-            </a:r>
+              <a:t>일기</a:t>
+            </a:r>
+            <a:r>
+              <a:rPr sz="2200" dirty="0">
+                <a:solidFill>
+                  <a:srgbClr val="764BA2"/>
+                </a:solidFill>
+                <a:latin typeface="Arial"/>
+              </a:rPr>
+              <a:t> </a:t>
+            </a:r>
+            <a:r>
+              <a:rPr sz="2200" dirty="0" err="1">
+                <a:solidFill>
+                  <a:srgbClr val="764BA2"/>
+                </a:solidFill>
+                <a:latin typeface="Arial"/>
+              </a:rPr>
+              <a:t>작성</a:t>
+            </a:r>
+            <a:r>
+              <a:rPr sz="2200" dirty="0">
+                <a:solidFill>
+                  <a:srgbClr val="764BA2"/>
+                </a:solidFill>
+                <a:latin typeface="Arial"/>
+              </a:rPr>
+              <a:t> </a:t>
+            </a:r>
+            <a:r>
+              <a:rPr sz="2200" dirty="0" err="1">
+                <a:solidFill>
+                  <a:srgbClr val="764BA2"/>
+                </a:solidFill>
+                <a:latin typeface="Arial"/>
+              </a:rPr>
+              <a:t>프로세스</a:t>
+            </a:r>
+            <a:endParaRPr sz="2200" dirty="0">
+              <a:solidFill>
+                <a:srgbClr val="764BA2"/>
+              </a:solidFill>
+              <a:latin typeface="Arial"/>
+            </a:endParaRPr>
           </a:p>
         </p:txBody>
       </p:sp>
@@ -4302,7 +6392,7 @@
         <p:spPr>
           <a:xfrm>
             <a:off x="1371600" y="1645920"/>
-            <a:ext cx="6400800" cy="3657600"/>
+            <a:ext cx="6400800" cy="1785104"/>
           </a:xfrm>
           <a:prstGeom prst="rect">
             <a:avLst/>
@@ -4321,14 +6411,119 @@
               </a:spcBef>
             </a:pPr>
             <a:r>
-              <a:rPr sz="1500">
-                <a:solidFill>
-                  <a:srgbClr val="333333"/>
-                </a:solidFill>
-                <a:latin typeface="Arial"/>
-              </a:rPr>
-              <a:t>1️⃣ 33색 팔레트에서 지금 가장 끌리는 컬러 선택</a:t>
-            </a:r>
+              <a:rPr sz="1400" dirty="0">
+                <a:solidFill>
+                  <a:srgbClr val="333333"/>
+                </a:solidFill>
+                <a:latin typeface="Arial"/>
+              </a:rPr>
+              <a:t>1️⃣ 33색 </a:t>
+            </a:r>
+            <a:r>
+              <a:rPr sz="1400" dirty="0" err="1">
+                <a:solidFill>
+                  <a:srgbClr val="333333"/>
+                </a:solidFill>
+                <a:latin typeface="Arial"/>
+              </a:rPr>
+              <a:t>팔레트에서</a:t>
+            </a:r>
+            <a:r>
+              <a:rPr sz="1400" dirty="0">
+                <a:solidFill>
+                  <a:srgbClr val="333333"/>
+                </a:solidFill>
+                <a:latin typeface="Arial"/>
+              </a:rPr>
+              <a:t> </a:t>
+            </a:r>
+            <a:r>
+              <a:rPr sz="1400" dirty="0" err="1">
+                <a:solidFill>
+                  <a:srgbClr val="333333"/>
+                </a:solidFill>
+                <a:latin typeface="Arial"/>
+              </a:rPr>
+              <a:t>지금</a:t>
+            </a:r>
+            <a:r>
+              <a:rPr sz="1400" dirty="0">
+                <a:solidFill>
+                  <a:srgbClr val="333333"/>
+                </a:solidFill>
+                <a:latin typeface="Arial"/>
+              </a:rPr>
+              <a:t> </a:t>
+            </a:r>
+            <a:r>
+              <a:rPr sz="1400" dirty="0" err="1">
+                <a:solidFill>
+                  <a:srgbClr val="333333"/>
+                </a:solidFill>
+                <a:latin typeface="Arial"/>
+              </a:rPr>
+              <a:t>가장</a:t>
+            </a:r>
+            <a:r>
+              <a:rPr sz="1400" dirty="0">
+                <a:solidFill>
+                  <a:srgbClr val="333333"/>
+                </a:solidFill>
+                <a:latin typeface="Arial"/>
+              </a:rPr>
+              <a:t> </a:t>
+            </a:r>
+            <a:r>
+              <a:rPr sz="1400" dirty="0" err="1">
+                <a:solidFill>
+                  <a:srgbClr val="333333"/>
+                </a:solidFill>
+                <a:latin typeface="Arial"/>
+              </a:rPr>
+              <a:t>끌리는</a:t>
+            </a:r>
+            <a:r>
+              <a:rPr sz="1400" dirty="0">
+                <a:solidFill>
+                  <a:srgbClr val="333333"/>
+                </a:solidFill>
+                <a:latin typeface="Arial"/>
+              </a:rPr>
+              <a:t> </a:t>
+            </a:r>
+            <a:r>
+              <a:rPr sz="1400" dirty="0" err="1">
+                <a:solidFill>
+                  <a:srgbClr val="333333"/>
+                </a:solidFill>
+                <a:latin typeface="Arial"/>
+              </a:rPr>
+              <a:t>컬러</a:t>
+            </a:r>
+            <a:r>
+              <a:rPr sz="1400" dirty="0">
+                <a:solidFill>
+                  <a:srgbClr val="333333"/>
+                </a:solidFill>
+                <a:latin typeface="Arial"/>
+              </a:rPr>
+              <a:t> </a:t>
+            </a:r>
+            <a:r>
+              <a:rPr sz="1400" dirty="0" err="1">
+                <a:solidFill>
+                  <a:srgbClr val="333333"/>
+                </a:solidFill>
+                <a:latin typeface="Arial"/>
+              </a:rPr>
+              <a:t>선택</a:t>
+            </a:r>
+            <a:endParaRPr sz="1400" dirty="0">
+              <a:solidFill>
+                <a:srgbClr val="333333"/>
+              </a:solidFill>
+              <a:latin typeface="Arial"/>
+            </a:endParaRPr>
           </a:p>
           <a:p>
             <a:pPr>
@@ -4337,13 +6532,85 @@
               </a:spcBef>
             </a:pPr>
             <a:r>
-              <a:rPr sz="1500">
-                <a:solidFill>
-                  <a:srgbClr val="333333"/>
-                </a:solidFill>
-                <a:latin typeface="Arial"/>
-              </a:rPr>
-              <a:t>2️⃣ 감정 선택 (21가지) + 강도 조절 (1-5)</a:t>
+              <a:rPr sz="1400" dirty="0">
+                <a:solidFill>
+                  <a:srgbClr val="333333"/>
+                </a:solidFill>
+                <a:latin typeface="Arial"/>
+              </a:rPr>
+              <a:t>2️⃣ </a:t>
+            </a:r>
+            <a:r>
+              <a:rPr sz="1400" dirty="0" err="1">
+                <a:solidFill>
+                  <a:srgbClr val="333333"/>
+                </a:solidFill>
+                <a:latin typeface="Arial"/>
+              </a:rPr>
+              <a:t>감정</a:t>
+            </a:r>
+            <a:r>
+              <a:rPr sz="1400" dirty="0">
+                <a:solidFill>
+                  <a:srgbClr val="333333"/>
+                </a:solidFill>
+                <a:latin typeface="Arial"/>
+              </a:rPr>
+              <a:t> </a:t>
+            </a:r>
+            <a:r>
+              <a:rPr sz="1400" dirty="0" err="1">
+                <a:solidFill>
+                  <a:srgbClr val="333333"/>
+                </a:solidFill>
+                <a:latin typeface="Arial"/>
+              </a:rPr>
+              <a:t>선택</a:t>
+            </a:r>
+            <a:r>
+              <a:rPr sz="1400" dirty="0">
+                <a:solidFill>
+                  <a:srgbClr val="333333"/>
+                </a:solidFill>
+                <a:latin typeface="Arial"/>
+              </a:rPr>
+              <a:t> (21가지) + </a:t>
+            </a:r>
+            <a:r>
+              <a:rPr sz="1400" dirty="0" err="1">
+                <a:solidFill>
+                  <a:srgbClr val="333333"/>
+                </a:solidFill>
+                <a:latin typeface="Arial"/>
+              </a:rPr>
+              <a:t>강도</a:t>
+            </a:r>
+            <a:r>
+              <a:rPr sz="1400" dirty="0">
+                <a:solidFill>
+                  <a:srgbClr val="333333"/>
+                </a:solidFill>
+                <a:latin typeface="Arial"/>
+              </a:rPr>
+              <a:t> </a:t>
+            </a:r>
+            <a:r>
+              <a:rPr sz="1400" dirty="0" err="1">
+                <a:solidFill>
+                  <a:srgbClr val="333333"/>
+                </a:solidFill>
+                <a:latin typeface="Arial"/>
+              </a:rPr>
+              <a:t>조절</a:t>
+            </a:r>
+            <a:r>
+              <a:rPr sz="1400" dirty="0">
+                <a:solidFill>
+                  <a:srgbClr val="333333"/>
+                </a:solidFill>
+                <a:latin typeface="Arial"/>
+              </a:rPr>
+              <a:t> (1-5)</a:t>
             </a:r>
           </a:p>
           <a:p>
@@ -4353,14 +6620,83 @@
               </a:spcBef>
             </a:pPr>
             <a:r>
-              <a:rPr sz="1500">
-                <a:solidFill>
-                  <a:srgbClr val="333333"/>
-                </a:solidFill>
-                <a:latin typeface="Arial"/>
-              </a:rPr>
-              <a:t>3️⃣ 오늘의 에피소드를 자유롭게 기록</a:t>
-            </a:r>
+              <a:rPr sz="1400" dirty="0">
+                <a:solidFill>
+                  <a:srgbClr val="333333"/>
+                </a:solidFill>
+                <a:latin typeface="Arial"/>
+              </a:rPr>
+              <a:t>3️⃣ </a:t>
+            </a:r>
+            <a:r>
+              <a:rPr sz="1400" dirty="0" err="1">
+                <a:solidFill>
+                  <a:srgbClr val="333333"/>
+                </a:solidFill>
+                <a:latin typeface="Arial"/>
+              </a:rPr>
+              <a:t>오늘의</a:t>
+            </a:r>
+            <a:r>
+              <a:rPr sz="1400" dirty="0">
+                <a:solidFill>
+                  <a:srgbClr val="333333"/>
+                </a:solidFill>
+                <a:latin typeface="Arial"/>
+              </a:rPr>
+              <a:t> </a:t>
+            </a:r>
+            <a:r>
+              <a:rPr sz="1400" dirty="0" err="1">
+                <a:solidFill>
+                  <a:srgbClr val="333333"/>
+                </a:solidFill>
+                <a:latin typeface="Arial"/>
+              </a:rPr>
+              <a:t>에피소드를</a:t>
+            </a:r>
+            <a:r>
+              <a:rPr sz="1400" dirty="0">
+                <a:solidFill>
+                  <a:srgbClr val="333333"/>
+                </a:solidFill>
+                <a:latin typeface="Arial"/>
+              </a:rPr>
+              <a:t> </a:t>
+            </a:r>
+            <a:r>
+              <a:rPr sz="1400" dirty="0" err="1">
+                <a:solidFill>
+                  <a:srgbClr val="333333"/>
+                </a:solidFill>
+                <a:latin typeface="Arial"/>
+              </a:rPr>
+              <a:t>자유롭게</a:t>
+            </a:r>
+            <a:r>
+              <a:rPr sz="1400" dirty="0">
+                <a:solidFill>
+                  <a:srgbClr val="333333"/>
+                </a:solidFill>
+                <a:latin typeface="Arial"/>
+              </a:rPr>
+              <a:t> </a:t>
+            </a:r>
+            <a:r>
+              <a:rPr sz="1400" dirty="0" err="1">
+                <a:solidFill>
+                  <a:srgbClr val="333333"/>
+                </a:solidFill>
+                <a:latin typeface="Arial"/>
+              </a:rPr>
+              <a:t>기록</a:t>
+            </a:r>
+            <a:endParaRPr sz="1400" dirty="0">
+              <a:solidFill>
+                <a:srgbClr val="333333"/>
+              </a:solidFill>
+              <a:latin typeface="Arial"/>
+            </a:endParaRPr>
           </a:p>
           <a:p>
             <a:pPr>
@@ -4369,14 +6705,101 @@
               </a:spcBef>
             </a:pPr>
             <a:r>
-              <a:rPr sz="1500">
-                <a:solidFill>
-                  <a:srgbClr val="333333"/>
-                </a:solidFill>
-                <a:latin typeface="Arial"/>
-              </a:rPr>
-              <a:t>4️⃣ 날씨와 날씨에 대한 느낌 선택</a:t>
-            </a:r>
+              <a:rPr sz="1400" dirty="0">
+                <a:solidFill>
+                  <a:srgbClr val="333333"/>
+                </a:solidFill>
+                <a:latin typeface="Arial"/>
+              </a:rPr>
+              <a:t>4️⃣ </a:t>
+            </a:r>
+            <a:r>
+              <a:rPr sz="1400" dirty="0" err="1">
+                <a:solidFill>
+                  <a:srgbClr val="333333"/>
+                </a:solidFill>
+                <a:latin typeface="Arial"/>
+              </a:rPr>
+              <a:t>날씨와</a:t>
+            </a:r>
+            <a:r>
+              <a:rPr sz="1400" dirty="0">
+                <a:solidFill>
+                  <a:srgbClr val="333333"/>
+                </a:solidFill>
+                <a:latin typeface="Arial"/>
+              </a:rPr>
+              <a:t> </a:t>
+            </a:r>
+            <a:r>
+              <a:rPr sz="1400" dirty="0" err="1">
+                <a:solidFill>
+                  <a:srgbClr val="333333"/>
+                </a:solidFill>
+                <a:latin typeface="Arial"/>
+              </a:rPr>
+              <a:t>날씨에</a:t>
+            </a:r>
+            <a:r>
+              <a:rPr sz="1400" dirty="0">
+                <a:solidFill>
+                  <a:srgbClr val="333333"/>
+                </a:solidFill>
+                <a:latin typeface="Arial"/>
+              </a:rPr>
+              <a:t> </a:t>
+            </a:r>
+            <a:r>
+              <a:rPr sz="1400" dirty="0" err="1">
+                <a:solidFill>
+                  <a:srgbClr val="333333"/>
+                </a:solidFill>
+                <a:latin typeface="Arial"/>
+              </a:rPr>
+              <a:t>대한</a:t>
+            </a:r>
+            <a:r>
+              <a:rPr sz="1400" dirty="0">
+                <a:solidFill>
+                  <a:srgbClr val="333333"/>
+                </a:solidFill>
+                <a:latin typeface="Arial"/>
+              </a:rPr>
+              <a:t> </a:t>
+            </a:r>
+            <a:r>
+              <a:rPr sz="1400" dirty="0" err="1">
+                <a:solidFill>
+                  <a:srgbClr val="333333"/>
+                </a:solidFill>
+                <a:latin typeface="Arial"/>
+              </a:rPr>
+              <a:t>느낌</a:t>
+            </a:r>
+            <a:r>
+              <a:rPr sz="1400" dirty="0">
+                <a:solidFill>
+                  <a:srgbClr val="333333"/>
+                </a:solidFill>
+                <a:latin typeface="Arial"/>
+              </a:rPr>
+              <a:t> </a:t>
+            </a:r>
+            <a:r>
+              <a:rPr sz="1400" dirty="0" err="1">
+                <a:solidFill>
+                  <a:srgbClr val="333333"/>
+                </a:solidFill>
+                <a:latin typeface="Arial"/>
+              </a:rPr>
+              <a:t>선택</a:t>
+            </a:r>
+            <a:endParaRPr sz="1400" dirty="0">
+              <a:solidFill>
+                <a:srgbClr val="333333"/>
+              </a:solidFill>
+              <a:latin typeface="Arial"/>
+            </a:endParaRPr>
           </a:p>
           <a:p>
             <a:pPr>
@@ -4385,14 +6808,101 @@
               </a:spcBef>
             </a:pPr>
             <a:r>
-              <a:rPr sz="1500">
-                <a:solidFill>
-                  <a:srgbClr val="333333"/>
-                </a:solidFill>
-                <a:latin typeface="Arial"/>
-              </a:rPr>
-              <a:t>5️⃣ 저장 후 캘린더에서 색상으로 확인</a:t>
-            </a:r>
+              <a:rPr sz="1400" dirty="0">
+                <a:solidFill>
+                  <a:srgbClr val="333333"/>
+                </a:solidFill>
+                <a:latin typeface="Arial"/>
+              </a:rPr>
+              <a:t>5️⃣ </a:t>
+            </a:r>
+            <a:r>
+              <a:rPr sz="1400" dirty="0" err="1">
+                <a:solidFill>
+                  <a:srgbClr val="333333"/>
+                </a:solidFill>
+                <a:latin typeface="Arial"/>
+              </a:rPr>
+              <a:t>저장</a:t>
+            </a:r>
+            <a:r>
+              <a:rPr sz="1400" dirty="0">
+                <a:solidFill>
+                  <a:srgbClr val="333333"/>
+                </a:solidFill>
+                <a:latin typeface="Arial"/>
+              </a:rPr>
+              <a:t> </a:t>
+            </a:r>
+            <a:r>
+              <a:rPr sz="1400" dirty="0" err="1">
+                <a:solidFill>
+                  <a:srgbClr val="333333"/>
+                </a:solidFill>
+                <a:latin typeface="Arial"/>
+              </a:rPr>
+              <a:t>후</a:t>
+            </a:r>
+            <a:r>
+              <a:rPr sz="1400" dirty="0">
+                <a:solidFill>
+                  <a:srgbClr val="333333"/>
+                </a:solidFill>
+                <a:latin typeface="Arial"/>
+              </a:rPr>
+              <a:t> </a:t>
+            </a:r>
+            <a:r>
+              <a:rPr sz="1400" dirty="0" err="1">
+                <a:solidFill>
+                  <a:srgbClr val="333333"/>
+                </a:solidFill>
+                <a:latin typeface="Arial"/>
+              </a:rPr>
+              <a:t>캘린더에서</a:t>
+            </a:r>
+            <a:r>
+              <a:rPr sz="1400" dirty="0">
+                <a:solidFill>
+                  <a:srgbClr val="333333"/>
+                </a:solidFill>
+                <a:latin typeface="Arial"/>
+              </a:rPr>
+              <a:t> </a:t>
+            </a:r>
+            <a:r>
+              <a:rPr sz="1400" dirty="0" err="1">
+                <a:solidFill>
+                  <a:srgbClr val="333333"/>
+                </a:solidFill>
+                <a:latin typeface="Arial"/>
+              </a:rPr>
+              <a:t>색상으로</a:t>
+            </a:r>
+            <a:r>
+              <a:rPr sz="1400" dirty="0">
+                <a:solidFill>
+                  <a:srgbClr val="333333"/>
+                </a:solidFill>
+                <a:latin typeface="Arial"/>
+              </a:rPr>
+              <a:t> </a:t>
+            </a:r>
+            <a:r>
+              <a:rPr sz="1400" dirty="0" err="1">
+                <a:solidFill>
+                  <a:srgbClr val="333333"/>
+                </a:solidFill>
+                <a:latin typeface="Arial"/>
+              </a:rPr>
+              <a:t>확인</a:t>
+            </a:r>
+            <a:endParaRPr sz="1400" dirty="0">
+              <a:solidFill>
+                <a:srgbClr val="333333"/>
+              </a:solidFill>
+              <a:latin typeface="Arial"/>
+            </a:endParaRPr>
           </a:p>
         </p:txBody>
       </p:sp>
@@ -4405,7 +6915,7 @@
         <p:spPr>
           <a:xfrm>
             <a:off x="1371600" y="3474720"/>
-            <a:ext cx="6400800" cy="1371600"/>
+            <a:ext cx="6400800" cy="1308050"/>
           </a:xfrm>
           <a:prstGeom prst="rect">
             <a:avLst/>
@@ -4420,13 +6930,34 @@
           <a:p>
             <a:pPr algn="l"/>
             <a:r>
-              <a:rPr sz="2200" b="1">
+              <a:rPr sz="2200" b="1" dirty="0" err="1">
                 <a:solidFill>
                   <a:srgbClr val="667EEA"/>
                 </a:solidFill>
               </a:rPr>
-              <a:t>추가 기능</a:t>
-            </a:r>
+              <a:t>추가</a:t>
+            </a:r>
+            <a:r>
+              <a:rPr sz="2200" b="1" dirty="0">
+                <a:solidFill>
+                  <a:srgbClr val="667EEA"/>
+                </a:solidFill>
+              </a:rPr>
+              <a:t> </a:t>
+            </a:r>
+            <a:r>
+              <a:rPr sz="2200" b="1" dirty="0" err="1">
+                <a:solidFill>
+                  <a:srgbClr val="667EEA"/>
+                </a:solidFill>
+              </a:rPr>
+              <a:t>기능</a:t>
+            </a:r>
+            <a:endParaRPr sz="2200" b="1" dirty="0">
+              <a:solidFill>
+                <a:srgbClr val="667EEA"/>
+              </a:solidFill>
+            </a:endParaRPr>
           </a:p>
           <a:p>
             <a:pPr>
@@ -4435,13 +6966,106 @@
               </a:spcBef>
             </a:pPr>
             <a:r>
-              <a:rPr sz="1500">
-                <a:solidFill>
-                  <a:srgbClr val="444444"/>
-                </a:solidFill>
-              </a:rPr>
-              <a:t>📊 감정 분석: 1주/1개월/3개월 단위 감정 패턴 분석</a:t>
-            </a:r>
+              <a:rPr sz="1400" dirty="0">
+                <a:solidFill>
+                  <a:srgbClr val="444444"/>
+                </a:solidFill>
+              </a:rPr>
+              <a:t>📊 </a:t>
+            </a:r>
+            <a:r>
+              <a:rPr sz="1400" dirty="0" err="1">
+                <a:solidFill>
+                  <a:srgbClr val="444444"/>
+                </a:solidFill>
+              </a:rPr>
+              <a:t>감정</a:t>
+            </a:r>
+            <a:r>
+              <a:rPr sz="1400" dirty="0">
+                <a:solidFill>
+                  <a:srgbClr val="444444"/>
+                </a:solidFill>
+              </a:rPr>
+              <a:t> </a:t>
+            </a:r>
+            <a:r>
+              <a:rPr sz="1400" dirty="0" err="1">
+                <a:solidFill>
+                  <a:srgbClr val="444444"/>
+                </a:solidFill>
+              </a:rPr>
+              <a:t>분석</a:t>
+            </a:r>
+            <a:r>
+              <a:rPr sz="1400" dirty="0">
+                <a:solidFill>
+                  <a:srgbClr val="444444"/>
+                </a:solidFill>
+              </a:rPr>
+              <a:t>: 1주/1개월/3개월 </a:t>
+            </a:r>
+            <a:r>
+              <a:rPr sz="1400" dirty="0" err="1">
+                <a:solidFill>
+                  <a:srgbClr val="444444"/>
+                </a:solidFill>
+              </a:rPr>
+              <a:t>단위</a:t>
+            </a:r>
+            <a:r>
+              <a:rPr sz="1400" dirty="0">
+                <a:solidFill>
+                  <a:srgbClr val="444444"/>
+                </a:solidFill>
+              </a:rPr>
+              <a:t> </a:t>
+            </a:r>
+            <a:r>
+              <a:rPr sz="1400" dirty="0" err="1">
+                <a:solidFill>
+                  <a:srgbClr val="444444"/>
+                </a:solidFill>
+              </a:rPr>
+              <a:t>감정</a:t>
+            </a:r>
+            <a:r>
+              <a:rPr sz="1400" dirty="0">
+                <a:solidFill>
+                  <a:srgbClr val="444444"/>
+                </a:solidFill>
+              </a:rPr>
+              <a:t> </a:t>
+            </a:r>
+            <a:r>
+              <a:rPr sz="1400" dirty="0" err="1">
+                <a:solidFill>
+                  <a:srgbClr val="444444"/>
+                </a:solidFill>
+              </a:rPr>
+              <a:t>패턴</a:t>
+            </a:r>
+            <a:r>
+              <a:rPr sz="1400" dirty="0">
+                <a:solidFill>
+                  <a:srgbClr val="444444"/>
+                </a:solidFill>
+              </a:rPr>
+              <a:t> </a:t>
+            </a:r>
+            <a:r>
+              <a:rPr sz="1400" dirty="0" err="1">
+                <a:solidFill>
+                  <a:srgbClr val="444444"/>
+                </a:solidFill>
+              </a:rPr>
+              <a:t>분석</a:t>
+            </a:r>
+            <a:endParaRPr sz="1400" dirty="0">
+              <a:solidFill>
+                <a:srgbClr val="444444"/>
+              </a:solidFill>
+            </a:endParaRPr>
           </a:p>
           <a:p>
             <a:pPr>
@@ -4450,13 +7074,138 @@
               </a:spcBef>
             </a:pPr>
             <a:r>
-              <a:rPr sz="1500">
-                <a:solidFill>
-                  <a:srgbClr val="444444"/>
-                </a:solidFill>
-              </a:rPr>
-              <a:t>📸 공유 이미지: 월간 감정 팔레트 이미지 자동 생성</a:t>
-            </a:r>
+              <a:rPr sz="1400" dirty="0">
+                <a:solidFill>
+                  <a:srgbClr val="444444"/>
+                </a:solidFill>
+              </a:rPr>
+              <a:t>📸 </a:t>
+            </a:r>
+            <a:r>
+              <a:rPr sz="1400" dirty="0" err="1">
+                <a:solidFill>
+                  <a:srgbClr val="444444"/>
+                </a:solidFill>
+              </a:rPr>
+              <a:t>공유</a:t>
+            </a:r>
+            <a:r>
+              <a:rPr sz="1400" dirty="0">
+                <a:solidFill>
+                  <a:srgbClr val="444444"/>
+                </a:solidFill>
+              </a:rPr>
+              <a:t> </a:t>
+            </a:r>
+            <a:r>
+              <a:rPr sz="1400" dirty="0" err="1">
+                <a:solidFill>
+                  <a:srgbClr val="444444"/>
+                </a:solidFill>
+              </a:rPr>
+              <a:t>이미지</a:t>
+            </a:r>
+            <a:r>
+              <a:rPr sz="1400" dirty="0">
+                <a:solidFill>
+                  <a:srgbClr val="444444"/>
+                </a:solidFill>
+              </a:rPr>
+              <a:t>: </a:t>
+            </a:r>
+            <a:r>
+              <a:rPr sz="1400" dirty="0" err="1">
+                <a:solidFill>
+                  <a:srgbClr val="444444"/>
+                </a:solidFill>
+              </a:rPr>
+              <a:t>월간</a:t>
+            </a:r>
+            <a:r>
+              <a:rPr sz="1400" dirty="0">
+                <a:solidFill>
+                  <a:srgbClr val="444444"/>
+                </a:solidFill>
+              </a:rPr>
+              <a:t> </a:t>
+            </a:r>
+            <a:r>
+              <a:rPr sz="1400" dirty="0" err="1">
+                <a:solidFill>
+                  <a:srgbClr val="444444"/>
+                </a:solidFill>
+              </a:rPr>
+              <a:t>감정</a:t>
+            </a:r>
+            <a:r>
+              <a:rPr sz="1400" dirty="0">
+                <a:solidFill>
+                  <a:srgbClr val="444444"/>
+                </a:solidFill>
+              </a:rPr>
+              <a:t> </a:t>
+            </a:r>
+            <a:r>
+              <a:rPr sz="1400" dirty="0" err="1">
+                <a:solidFill>
+                  <a:srgbClr val="444444"/>
+                </a:solidFill>
+              </a:rPr>
+              <a:t>팔레트</a:t>
+            </a:r>
+            <a:r>
+              <a:rPr sz="1400" dirty="0">
+                <a:solidFill>
+                  <a:srgbClr val="444444"/>
+                </a:solidFill>
+              </a:rPr>
+              <a:t> </a:t>
+            </a:r>
+            <a:r>
+              <a:rPr sz="1400" dirty="0" err="1">
+                <a:solidFill>
+                  <a:srgbClr val="444444"/>
+                </a:solidFill>
+              </a:rPr>
+              <a:t>이미지</a:t>
+            </a:r>
+            <a:r>
+              <a:rPr sz="1400" dirty="0">
+                <a:solidFill>
+                  <a:srgbClr val="444444"/>
+                </a:solidFill>
+              </a:rPr>
+              <a:t> </a:t>
+            </a:r>
+            <a:r>
+              <a:rPr sz="1400" dirty="0" err="1">
+                <a:solidFill>
+                  <a:srgbClr val="444444"/>
+                </a:solidFill>
+              </a:rPr>
+              <a:t>자동</a:t>
+            </a:r>
+            <a:r>
+              <a:rPr sz="1400" dirty="0">
+                <a:solidFill>
+                  <a:srgbClr val="444444"/>
+                </a:solidFill>
+              </a:rPr>
+              <a:t> </a:t>
+            </a:r>
+            <a:r>
+              <a:rPr sz="1400" dirty="0" err="1">
+                <a:solidFill>
+                  <a:srgbClr val="444444"/>
+                </a:solidFill>
+              </a:rPr>
+              <a:t>생성</a:t>
+            </a:r>
+            <a:endParaRPr sz="1400" dirty="0">
+              <a:solidFill>
+                <a:srgbClr val="444444"/>
+              </a:solidFill>
+            </a:endParaRPr>
           </a:p>
           <a:p>
             <a:pPr>
@@ -4465,13 +7214,106 @@
               </a:spcBef>
             </a:pPr>
             <a:r>
-              <a:rPr sz="1500">
-                <a:solidFill>
-                  <a:srgbClr val="444444"/>
-                </a:solidFill>
-              </a:rPr>
-              <a:t>💾 데이터 내보내기: CSV 파일로 전체 데이터 백업</a:t>
-            </a:r>
+              <a:rPr sz="1400" dirty="0">
+                <a:solidFill>
+                  <a:srgbClr val="444444"/>
+                </a:solidFill>
+              </a:rPr>
+              <a:t>💾 </a:t>
+            </a:r>
+            <a:r>
+              <a:rPr sz="1400" dirty="0" err="1">
+                <a:solidFill>
+                  <a:srgbClr val="444444"/>
+                </a:solidFill>
+              </a:rPr>
+              <a:t>데이터</a:t>
+            </a:r>
+            <a:r>
+              <a:rPr sz="1400" dirty="0">
+                <a:solidFill>
+                  <a:srgbClr val="444444"/>
+                </a:solidFill>
+              </a:rPr>
+              <a:t> </a:t>
+            </a:r>
+            <a:r>
+              <a:rPr sz="1400" dirty="0" err="1">
+                <a:solidFill>
+                  <a:srgbClr val="444444"/>
+                </a:solidFill>
+              </a:rPr>
+              <a:t>내보내기</a:t>
+            </a:r>
+            <a:r>
+              <a:rPr sz="1400" dirty="0">
+                <a:solidFill>
+                  <a:srgbClr val="444444"/>
+                </a:solidFill>
+              </a:rPr>
+              <a:t>: CSV </a:t>
+            </a:r>
+            <a:r>
+              <a:rPr sz="1400" dirty="0" err="1">
+                <a:solidFill>
+                  <a:srgbClr val="444444"/>
+                </a:solidFill>
+              </a:rPr>
+              <a:t>파일로</a:t>
+            </a:r>
+            <a:r>
+              <a:rPr sz="1400" dirty="0">
+                <a:solidFill>
+                  <a:srgbClr val="444444"/>
+                </a:solidFill>
+              </a:rPr>
+              <a:t> </a:t>
+            </a:r>
+            <a:r>
+              <a:rPr sz="1400" dirty="0" err="1">
+                <a:solidFill>
+                  <a:srgbClr val="444444"/>
+                </a:solidFill>
+              </a:rPr>
+              <a:t>전체</a:t>
+            </a:r>
+            <a:r>
+              <a:rPr sz="1400" dirty="0">
+                <a:solidFill>
+                  <a:srgbClr val="444444"/>
+                </a:solidFill>
+              </a:rPr>
+              <a:t> </a:t>
+            </a:r>
+            <a:r>
+              <a:rPr sz="1400" dirty="0" err="1">
+                <a:solidFill>
+                  <a:srgbClr val="444444"/>
+                </a:solidFill>
+              </a:rPr>
+              <a:t>데이터</a:t>
+            </a:r>
+            <a:r>
+              <a:rPr sz="1400" dirty="0">
+                <a:solidFill>
+                  <a:srgbClr val="444444"/>
+                </a:solidFill>
+              </a:rPr>
+              <a:t> </a:t>
+            </a:r>
+            <a:r>
+              <a:rPr sz="1400" dirty="0" err="1">
+                <a:solidFill>
+                  <a:srgbClr val="444444"/>
+                </a:solidFill>
+              </a:rPr>
+              <a:t>백업</a:t>
+            </a:r>
+            <a:endParaRPr sz="1400" dirty="0">
+              <a:solidFill>
+                <a:srgbClr val="444444"/>
+              </a:solidFill>
+            </a:endParaRPr>
           </a:p>
         </p:txBody>
       </p:sp>
@@ -4484,7 +7326,7 @@
 </file>
 
 <file path=ppt/slides/slide5.xml><?xml version="1.0" encoding="utf-8"?>
-<p:sld xmlns:a="http://schemas.openxmlformats.org/drawingml/2006/main" xmlns:p="http://schemas.openxmlformats.org/presentationml/2006/main" xmlns:r="http://schemas.openxmlformats.org/officeDocument/2006/relationships">
+<p:sld xmlns:a="http://schemas.openxmlformats.org/drawingml/2006/main" xmlns:r="http://schemas.openxmlformats.org/officeDocument/2006/relationships" xmlns:p="http://schemas.openxmlformats.org/presentationml/2006/main">
   <p:cSld>
     <p:spTree>
       <p:nvGrpSpPr>
@@ -4492,7 +7334,14 @@
         <p:cNvGrpSpPr/>
         <p:nvPr/>
       </p:nvGrpSpPr>
-      <p:grpSpPr/>
+      <p:grpSpPr>
+        <a:xfrm>
+          <a:off x="0" y="0"/>
+          <a:ext cx="0" cy="0"/>
+          <a:chOff x="0" y="0"/>
+          <a:chExt cx="0" cy="0"/>
+        </a:xfrm>
+      </p:grpSpPr>
       <p:sp>
         <p:nvSpPr>
           <p:cNvPr id="2" name="Rectangle 1"/>
@@ -4522,7 +7371,7 @@
                 </a:srgbClr>
               </a:gs>
             </a:gsLst>
-            <a:lin scaled="0" ang="18900000"/>
+            <a:lin ang="18900000" scaled="0"/>
           </a:gradFill>
           <a:ln>
             <a:noFill/>
@@ -4547,6 +7396,7 @@
           <a:lstStyle/>
           <a:p>
             <a:pPr algn="ctr"/>
+            <a:endParaRPr/>
           </a:p>
         </p:txBody>
       </p:sp>
@@ -4590,6 +7440,7 @@
           <a:lstStyle/>
           <a:p>
             <a:pPr algn="ctr"/>
+            <a:endParaRPr/>
           </a:p>
         </p:txBody>
       </p:sp>
@@ -4651,13 +7502,34 @@
           <a:lstStyle/>
           <a:p>
             <a:r>
-              <a:rPr sz="2000" b="1">
+              <a:rPr sz="2000" b="1" dirty="0" err="1">
                 <a:solidFill>
                   <a:srgbClr val="667EEA"/>
                 </a:solidFill>
               </a:rPr>
-              <a:t>사용자 가치</a:t>
-            </a:r>
+              <a:t>사용자</a:t>
+            </a:r>
+            <a:r>
+              <a:rPr sz="2000" b="1" dirty="0">
+                <a:solidFill>
+                  <a:srgbClr val="667EEA"/>
+                </a:solidFill>
+              </a:rPr>
+              <a:t> </a:t>
+            </a:r>
+            <a:r>
+              <a:rPr sz="2000" b="1" dirty="0" err="1">
+                <a:solidFill>
+                  <a:srgbClr val="667EEA"/>
+                </a:solidFill>
+              </a:rPr>
+              <a:t>가치</a:t>
+            </a:r>
+            <a:endParaRPr sz="2000" b="1" dirty="0">
+              <a:solidFill>
+                <a:srgbClr val="667EEA"/>
+              </a:solidFill>
+            </a:endParaRPr>
           </a:p>
           <a:p>
             <a:pPr>
@@ -4666,13 +7538,106 @@
               </a:spcBef>
             </a:pPr>
             <a:r>
-              <a:rPr sz="1400">
-                <a:solidFill>
-                  <a:srgbClr val="444444"/>
-                </a:solidFill>
-              </a:rPr>
-              <a:t>🎨 직관적인 색상 선택으로 쉬운 감정 기록</a:t>
-            </a:r>
+              <a:rPr sz="1400" dirty="0">
+                <a:solidFill>
+                  <a:srgbClr val="444444"/>
+                </a:solidFill>
+              </a:rPr>
+              <a:t>🎨 </a:t>
+            </a:r>
+            <a:r>
+              <a:rPr sz="1400" dirty="0" err="1">
+                <a:solidFill>
+                  <a:srgbClr val="444444"/>
+                </a:solidFill>
+              </a:rPr>
+              <a:t>직관적인</a:t>
+            </a:r>
+            <a:r>
+              <a:rPr sz="1400" dirty="0">
+                <a:solidFill>
+                  <a:srgbClr val="444444"/>
+                </a:solidFill>
+              </a:rPr>
+              <a:t> </a:t>
+            </a:r>
+            <a:r>
+              <a:rPr sz="1400" dirty="0" err="1">
+                <a:solidFill>
+                  <a:srgbClr val="444444"/>
+                </a:solidFill>
+              </a:rPr>
+              <a:t>색상</a:t>
+            </a:r>
+            <a:r>
+              <a:rPr sz="1400" dirty="0">
+                <a:solidFill>
+                  <a:srgbClr val="444444"/>
+                </a:solidFill>
+              </a:rPr>
+              <a:t> </a:t>
+            </a:r>
+            <a:r>
+              <a:rPr sz="1400" dirty="0" err="1">
+                <a:solidFill>
+                  <a:srgbClr val="444444"/>
+                </a:solidFill>
+              </a:rPr>
+              <a:t>선택으로</a:t>
+            </a:r>
+            <a:r>
+              <a:rPr sz="1400" dirty="0">
+                <a:solidFill>
+                  <a:srgbClr val="444444"/>
+                </a:solidFill>
+              </a:rPr>
+              <a:t> </a:t>
+            </a:r>
+            <a:r>
+              <a:rPr sz="1400" dirty="0" err="1">
+                <a:solidFill>
+                  <a:srgbClr val="444444"/>
+                </a:solidFill>
+              </a:rPr>
+              <a:t>쉬운</a:t>
+            </a:r>
+            <a:r>
+              <a:rPr sz="1400" dirty="0">
+                <a:solidFill>
+                  <a:srgbClr val="444444"/>
+                </a:solidFill>
+              </a:rPr>
+              <a:t> </a:t>
+            </a:r>
+            <a:r>
+              <a:rPr sz="1400" dirty="0" err="1">
+                <a:solidFill>
+                  <a:srgbClr val="444444"/>
+                </a:solidFill>
+              </a:rPr>
+              <a:t>감정</a:t>
+            </a:r>
+            <a:r>
+              <a:rPr sz="1400" dirty="0">
+                <a:solidFill>
+                  <a:srgbClr val="444444"/>
+                </a:solidFill>
+              </a:rPr>
+              <a:t> </a:t>
+            </a:r>
+            <a:r>
+              <a:rPr sz="1400" dirty="0" err="1">
+                <a:solidFill>
+                  <a:srgbClr val="444444"/>
+                </a:solidFill>
+              </a:rPr>
+              <a:t>기록</a:t>
+            </a:r>
+            <a:endParaRPr sz="1400" dirty="0">
+              <a:solidFill>
+                <a:srgbClr val="444444"/>
+              </a:solidFill>
+            </a:endParaRPr>
           </a:p>
           <a:p>
             <a:pPr>
@@ -4681,13 +7646,106 @@
               </a:spcBef>
             </a:pPr>
             <a:r>
-              <a:rPr sz="1400">
-                <a:solidFill>
-                  <a:srgbClr val="444444"/>
-                </a:solidFill>
-              </a:rPr>
-              <a:t>📊 시간에 따른 감정 패턴의 시각적 발견</a:t>
-            </a:r>
+              <a:rPr sz="1400" dirty="0">
+                <a:solidFill>
+                  <a:srgbClr val="444444"/>
+                </a:solidFill>
+              </a:rPr>
+              <a:t>📊 </a:t>
+            </a:r>
+            <a:r>
+              <a:rPr sz="1400" dirty="0" err="1">
+                <a:solidFill>
+                  <a:srgbClr val="444444"/>
+                </a:solidFill>
+              </a:rPr>
+              <a:t>시간에</a:t>
+            </a:r>
+            <a:r>
+              <a:rPr sz="1400" dirty="0">
+                <a:solidFill>
+                  <a:srgbClr val="444444"/>
+                </a:solidFill>
+              </a:rPr>
+              <a:t> </a:t>
+            </a:r>
+            <a:r>
+              <a:rPr sz="1400" dirty="0" err="1">
+                <a:solidFill>
+                  <a:srgbClr val="444444"/>
+                </a:solidFill>
+              </a:rPr>
+              <a:t>따른</a:t>
+            </a:r>
+            <a:r>
+              <a:rPr sz="1400" dirty="0">
+                <a:solidFill>
+                  <a:srgbClr val="444444"/>
+                </a:solidFill>
+              </a:rPr>
+              <a:t> </a:t>
+            </a:r>
+            <a:r>
+              <a:rPr sz="1400" dirty="0" err="1">
+                <a:solidFill>
+                  <a:srgbClr val="444444"/>
+                </a:solidFill>
+              </a:rPr>
+              <a:t>감정</a:t>
+            </a:r>
+            <a:r>
+              <a:rPr sz="1400" dirty="0">
+                <a:solidFill>
+                  <a:srgbClr val="444444"/>
+                </a:solidFill>
+              </a:rPr>
+              <a:t> </a:t>
+            </a:r>
+            <a:r>
+              <a:rPr sz="1400" dirty="0" err="1">
+                <a:solidFill>
+                  <a:srgbClr val="444444"/>
+                </a:solidFill>
+              </a:rPr>
+              <a:t>패턴의</a:t>
+            </a:r>
+            <a:r>
+              <a:rPr sz="1400" dirty="0">
+                <a:solidFill>
+                  <a:srgbClr val="444444"/>
+                </a:solidFill>
+              </a:rPr>
+              <a:t> </a:t>
+            </a:r>
+            <a:r>
+              <a:rPr sz="1400" dirty="0" err="1">
+                <a:solidFill>
+                  <a:srgbClr val="444444"/>
+                </a:solidFill>
+              </a:rPr>
+              <a:t>시각적</a:t>
+            </a:r>
+            <a:r>
+              <a:rPr sz="1400" dirty="0">
+                <a:solidFill>
+                  <a:srgbClr val="444444"/>
+                </a:solidFill>
+              </a:rPr>
+              <a:t> </a:t>
+            </a:r>
+            <a:r>
+              <a:rPr sz="1400" dirty="0" err="1">
+                <a:solidFill>
+                  <a:srgbClr val="444444"/>
+                </a:solidFill>
+              </a:rPr>
+              <a:t>발견</a:t>
+            </a:r>
+            <a:endParaRPr sz="1400" dirty="0">
+              <a:solidFill>
+                <a:srgbClr val="444444"/>
+              </a:solidFill>
+            </a:endParaRPr>
           </a:p>
           <a:p>
             <a:pPr>
@@ -4696,13 +7754,90 @@
               </a:spcBef>
             </a:pPr>
             <a:r>
-              <a:rPr sz="1400">
-                <a:solidFill>
-                  <a:srgbClr val="444444"/>
-                </a:solidFill>
-              </a:rPr>
-              <a:t>💭 자신의 감정에 대한 깊은 이해</a:t>
-            </a:r>
+              <a:rPr sz="1400" dirty="0">
+                <a:solidFill>
+                  <a:srgbClr val="444444"/>
+                </a:solidFill>
+              </a:rPr>
+              <a:t>💭 </a:t>
+            </a:r>
+            <a:r>
+              <a:rPr sz="1400" dirty="0" err="1">
+                <a:solidFill>
+                  <a:srgbClr val="444444"/>
+                </a:solidFill>
+              </a:rPr>
+              <a:t>자신의</a:t>
+            </a:r>
+            <a:r>
+              <a:rPr sz="1400" dirty="0">
+                <a:solidFill>
+                  <a:srgbClr val="444444"/>
+                </a:solidFill>
+              </a:rPr>
+              <a:t> </a:t>
+            </a:r>
+            <a:r>
+              <a:rPr sz="1400" dirty="0" err="1">
+                <a:solidFill>
+                  <a:srgbClr val="444444"/>
+                </a:solidFill>
+              </a:rPr>
+              <a:t>감정에</a:t>
+            </a:r>
+            <a:r>
+              <a:rPr sz="1400" dirty="0">
+                <a:solidFill>
+                  <a:srgbClr val="444444"/>
+                </a:solidFill>
+              </a:rPr>
+              <a:t> </a:t>
+            </a:r>
+            <a:r>
+              <a:rPr sz="1400" dirty="0" err="1">
+                <a:solidFill>
+                  <a:srgbClr val="444444"/>
+                </a:solidFill>
+              </a:rPr>
+              <a:t>대한</a:t>
+            </a:r>
+            <a:r>
+              <a:rPr sz="1400" dirty="0">
+                <a:solidFill>
+                  <a:srgbClr val="444444"/>
+                </a:solidFill>
+              </a:rPr>
+              <a:t> </a:t>
+            </a:r>
+            <a:r>
+              <a:rPr sz="1400" dirty="0" err="1">
+                <a:solidFill>
+                  <a:srgbClr val="444444"/>
+                </a:solidFill>
+              </a:rPr>
+              <a:t>깊은</a:t>
+            </a:r>
+            <a:r>
+              <a:rPr sz="1400" dirty="0">
+                <a:solidFill>
+                  <a:srgbClr val="444444"/>
+                </a:solidFill>
+              </a:rPr>
+              <a:t> </a:t>
+            </a:r>
+            <a:r>
+              <a:rPr sz="1400" dirty="0" err="1">
+                <a:solidFill>
+                  <a:srgbClr val="444444"/>
+                </a:solidFill>
+              </a:rPr>
+              <a:t>이해</a:t>
+            </a:r>
+            <a:endParaRPr sz="1400" dirty="0">
+              <a:solidFill>
+                <a:srgbClr val="444444"/>
+              </a:solidFill>
+            </a:endParaRPr>
           </a:p>
           <a:p>
             <a:pPr>
@@ -4711,13 +7846,74 @@
               </a:spcBef>
             </a:pPr>
             <a:r>
-              <a:rPr sz="1400">
-                <a:solidFill>
-                  <a:srgbClr val="444444"/>
-                </a:solidFill>
-              </a:rPr>
-              <a:t>📱 언제 어디서나 간편한 사용</a:t>
-            </a:r>
+              <a:rPr sz="1400" dirty="0">
+                <a:solidFill>
+                  <a:srgbClr val="444444"/>
+                </a:solidFill>
+              </a:rPr>
+              <a:t>📱 </a:t>
+            </a:r>
+            <a:r>
+              <a:rPr sz="1400" dirty="0" err="1">
+                <a:solidFill>
+                  <a:srgbClr val="444444"/>
+                </a:solidFill>
+              </a:rPr>
+              <a:t>언제</a:t>
+            </a:r>
+            <a:r>
+              <a:rPr sz="1400" dirty="0">
+                <a:solidFill>
+                  <a:srgbClr val="444444"/>
+                </a:solidFill>
+              </a:rPr>
+              <a:t> </a:t>
+            </a:r>
+            <a:r>
+              <a:rPr sz="1400" dirty="0" err="1">
+                <a:solidFill>
+                  <a:srgbClr val="444444"/>
+                </a:solidFill>
+              </a:rPr>
+              <a:t>어디서나</a:t>
+            </a:r>
+            <a:r>
+              <a:rPr sz="1400" dirty="0">
+                <a:solidFill>
+                  <a:srgbClr val="444444"/>
+                </a:solidFill>
+              </a:rPr>
+              <a:t> </a:t>
+            </a:r>
+            <a:r>
+              <a:rPr sz="1400" dirty="0" err="1">
+                <a:solidFill>
+                  <a:srgbClr val="444444"/>
+                </a:solidFill>
+              </a:rPr>
+              <a:t>간편한</a:t>
+            </a:r>
+            <a:r>
+              <a:rPr sz="1400" dirty="0">
+                <a:solidFill>
+                  <a:srgbClr val="444444"/>
+                </a:solidFill>
+              </a:rPr>
+              <a:t> </a:t>
+            </a:r>
+            <a:r>
+              <a:rPr sz="1400" dirty="0" err="1">
+                <a:solidFill>
+                  <a:srgbClr val="444444"/>
+                </a:solidFill>
+              </a:rPr>
+              <a:t>사용</a:t>
+            </a:r>
+            <a:endParaRPr sz="1400" dirty="0">
+              <a:solidFill>
+                <a:srgbClr val="444444"/>
+              </a:solidFill>
+            </a:endParaRPr>
           </a:p>
         </p:txBody>
       </p:sp>
@@ -4744,13 +7940,34 @@
           <a:lstStyle/>
           <a:p>
             <a:r>
-              <a:rPr sz="2000" b="1">
+              <a:rPr sz="2000" b="1" dirty="0" err="1">
                 <a:solidFill>
                   <a:srgbClr val="764BA2"/>
                 </a:solidFill>
               </a:rPr>
-              <a:t>기술적 특징</a:t>
-            </a:r>
+              <a:t>기술적</a:t>
+            </a:r>
+            <a:r>
+              <a:rPr sz="2000" b="1" dirty="0">
+                <a:solidFill>
+                  <a:srgbClr val="764BA2"/>
+                </a:solidFill>
+              </a:rPr>
+              <a:t> </a:t>
+            </a:r>
+            <a:r>
+              <a:rPr sz="2000" b="1" dirty="0" err="1">
+                <a:solidFill>
+                  <a:srgbClr val="764BA2"/>
+                </a:solidFill>
+              </a:rPr>
+              <a:t>특징</a:t>
+            </a:r>
+            <a:endParaRPr sz="2000" b="1" dirty="0">
+              <a:solidFill>
+                <a:srgbClr val="764BA2"/>
+              </a:solidFill>
+            </a:endParaRPr>
           </a:p>
           <a:p>
             <a:pPr>
@@ -4759,13 +7976,58 @@
               </a:spcBef>
             </a:pPr>
             <a:r>
-              <a:rPr sz="1400">
-                <a:solidFill>
-                  <a:srgbClr val="444444"/>
-                </a:solidFill>
-              </a:rPr>
-              <a:t>⚡ React + Vite 기반 빠른 로딩</a:t>
-            </a:r>
+              <a:rPr sz="1400" dirty="0">
+                <a:solidFill>
+                  <a:srgbClr val="444444"/>
+                </a:solidFill>
+              </a:rPr>
+              <a:t>⚡ React + Vite </a:t>
+            </a:r>
+            <a:r>
+              <a:rPr sz="1400" dirty="0" err="1">
+                <a:solidFill>
+                  <a:srgbClr val="444444"/>
+                </a:solidFill>
+              </a:rPr>
+              <a:t>기반</a:t>
+            </a:r>
+            <a:r>
+              <a:rPr sz="1400" dirty="0">
+                <a:solidFill>
+                  <a:srgbClr val="444444"/>
+                </a:solidFill>
+              </a:rPr>
+              <a:t> </a:t>
+            </a:r>
+            <a:r>
+              <a:rPr sz="1400" dirty="0" err="1">
+                <a:solidFill>
+                  <a:srgbClr val="444444"/>
+                </a:solidFill>
+              </a:rPr>
+              <a:t>빠른</a:t>
+            </a:r>
+            <a:r>
+              <a:rPr sz="1400" dirty="0">
+                <a:solidFill>
+                  <a:srgbClr val="444444"/>
+                </a:solidFill>
+              </a:rPr>
+              <a:t> </a:t>
+            </a:r>
+            <a:r>
+              <a:rPr sz="1400" dirty="0" err="1">
+                <a:solidFill>
+                  <a:srgbClr val="444444"/>
+                </a:solidFill>
+              </a:rPr>
+              <a:t>로딩</a:t>
+            </a:r>
+            <a:endParaRPr sz="1400" dirty="0">
+              <a:solidFill>
+                <a:srgbClr val="444444"/>
+              </a:solidFill>
+            </a:endParaRPr>
           </a:p>
           <a:p>
             <a:pPr>
@@ -4774,13 +8036,74 @@
               </a:spcBef>
             </a:pPr>
             <a:r>
-              <a:rPr sz="1400">
-                <a:solidFill>
-                  <a:srgbClr val="444444"/>
-                </a:solidFill>
-              </a:rPr>
-              <a:t>💾 LocalStorage 완전 오프라인 지원</a:t>
-            </a:r>
+              <a:rPr sz="1400" dirty="0">
+                <a:solidFill>
+                  <a:srgbClr val="444444"/>
+                </a:solidFill>
+              </a:rPr>
+              <a:t>💾 </a:t>
+            </a:r>
+            <a:r>
+              <a:rPr sz="1400" dirty="0" err="1">
+                <a:solidFill>
+                  <a:srgbClr val="444444"/>
+                </a:solidFill>
+              </a:rPr>
+              <a:t>LocalStorage</a:t>
+            </a:r>
+            <a:r>
+              <a:rPr sz="1400" dirty="0">
+                <a:solidFill>
+                  <a:srgbClr val="444444"/>
+                </a:solidFill>
+              </a:rPr>
+              <a:t> </a:t>
+            </a:r>
+            <a:r>
+              <a:rPr sz="1400" dirty="0" err="1">
+                <a:solidFill>
+                  <a:srgbClr val="444444"/>
+                </a:solidFill>
+              </a:rPr>
+              <a:t>완전</a:t>
+            </a:r>
+            <a:r>
+              <a:rPr sz="1400" dirty="0">
+                <a:solidFill>
+                  <a:srgbClr val="444444"/>
+                </a:solidFill>
+              </a:rPr>
+              <a:t> </a:t>
+            </a:r>
+            <a:r>
+              <a:rPr sz="1400" dirty="0" err="1">
+                <a:solidFill>
+                  <a:srgbClr val="444444"/>
+                </a:solidFill>
+              </a:rPr>
+              <a:t>오프라인</a:t>
+            </a:r>
+            <a:r>
+              <a:rPr sz="1400" dirty="0">
+                <a:solidFill>
+                  <a:srgbClr val="444444"/>
+                </a:solidFill>
+              </a:rPr>
+              <a:t> </a:t>
+            </a:r>
+            <a:r>
+              <a:rPr sz="1400" dirty="0" err="1">
+                <a:solidFill>
+                  <a:srgbClr val="444444"/>
+                </a:solidFill>
+              </a:rPr>
+              <a:t>지원</a:t>
+            </a:r>
+            <a:endParaRPr sz="1400" dirty="0">
+              <a:solidFill>
+                <a:srgbClr val="444444"/>
+              </a:solidFill>
+            </a:endParaRPr>
           </a:p>
           <a:p>
             <a:pPr>
@@ -4789,12 +8112,76 @@
               </a:spcBef>
             </a:pPr>
             <a:r>
-              <a:rPr sz="1400">
-                <a:solidFill>
-                  <a:srgbClr val="444444"/>
-                </a:solidFill>
-              </a:rPr>
-              <a:t>🎨 반응형 디자인 (모바일 최적화)</a:t>
+              <a:rPr sz="1400" dirty="0">
+                <a:solidFill>
+                  <a:srgbClr val="444444"/>
+                </a:solidFill>
+              </a:rPr>
+              <a:t>🎨 </a:t>
+            </a:r>
+            <a:r>
+              <a:rPr sz="1400" dirty="0" err="1">
+                <a:solidFill>
+                  <a:srgbClr val="444444"/>
+                </a:solidFill>
+              </a:rPr>
+              <a:t>반응형</a:t>
+            </a:r>
+            <a:r>
+              <a:rPr sz="1400" dirty="0">
+                <a:solidFill>
+                  <a:srgbClr val="444444"/>
+                </a:solidFill>
+              </a:rPr>
+              <a:t> </a:t>
+            </a:r>
+            <a:r>
+              <a:rPr sz="1400" dirty="0" err="1">
+                <a:solidFill>
+                  <a:srgbClr val="444444"/>
+                </a:solidFill>
+              </a:rPr>
+              <a:t>디자인</a:t>
+            </a:r>
+            <a:r>
+              <a:rPr sz="1400" dirty="0">
+                <a:solidFill>
+                  <a:srgbClr val="444444"/>
+                </a:solidFill>
+              </a:rPr>
+              <a:t> (</a:t>
+            </a:r>
+            <a:r>
+              <a:rPr sz="1400" dirty="0" err="1">
+                <a:solidFill>
+                  <a:srgbClr val="444444"/>
+                </a:solidFill>
+              </a:rPr>
+              <a:t>모바일</a:t>
+            </a:r>
+            <a:r>
+              <a:rPr sz="1400" dirty="0">
+                <a:solidFill>
+                  <a:srgbClr val="444444"/>
+                </a:solidFill>
+              </a:rPr>
+              <a:t> </a:t>
+            </a:r>
+            <a:r>
+              <a:rPr sz="1400" dirty="0" err="1">
+                <a:solidFill>
+                  <a:srgbClr val="444444"/>
+                </a:solidFill>
+              </a:rPr>
+              <a:t>최적화</a:t>
+            </a:r>
+            <a:r>
+              <a:rPr sz="1400" dirty="0">
+                <a:solidFill>
+                  <a:srgbClr val="444444"/>
+                </a:solidFill>
+              </a:rPr>
+              <a:t>)</a:t>
             </a:r>
           </a:p>
           <a:p>
@@ -4804,12 +8191,92 @@
               </a:spcBef>
             </a:pPr>
             <a:r>
-              <a:rPr sz="1400">
-                <a:solidFill>
-                  <a:srgbClr val="444444"/>
-                </a:solidFill>
-              </a:rPr>
-              <a:t>🔒 개인정보 보호 (서버 전송 없음)</a:t>
+              <a:rPr sz="1400" dirty="0">
+                <a:solidFill>
+                  <a:srgbClr val="444444"/>
+                </a:solidFill>
+              </a:rPr>
+              <a:t>🔒 </a:t>
+            </a:r>
+            <a:r>
+              <a:rPr sz="1400" dirty="0" err="1">
+                <a:solidFill>
+                  <a:srgbClr val="444444"/>
+                </a:solidFill>
+              </a:rPr>
+              <a:t>개인정보</a:t>
+            </a:r>
+            <a:r>
+              <a:rPr sz="1400" dirty="0">
+                <a:solidFill>
+                  <a:srgbClr val="444444"/>
+                </a:solidFill>
+              </a:rPr>
+              <a:t> </a:t>
+            </a:r>
+            <a:r>
+              <a:rPr sz="1400" dirty="0" err="1">
+                <a:solidFill>
+                  <a:srgbClr val="444444"/>
+                </a:solidFill>
+              </a:rPr>
+              <a:t>보호</a:t>
+            </a:r>
+            <a:r>
+              <a:rPr sz="1400" dirty="0">
+                <a:solidFill>
+                  <a:srgbClr val="444444"/>
+                </a:solidFill>
+              </a:rPr>
+              <a:t> (</a:t>
+            </a:r>
+            <a:r>
+              <a:rPr sz="1400" dirty="0" err="1">
+                <a:solidFill>
+                  <a:srgbClr val="444444"/>
+                </a:solidFill>
+              </a:rPr>
+              <a:t>서버</a:t>
+            </a:r>
+            <a:r>
+              <a:rPr sz="1400" dirty="0">
+                <a:solidFill>
+                  <a:srgbClr val="444444"/>
+                </a:solidFill>
+              </a:rPr>
+              <a:t> </a:t>
+            </a:r>
+            <a:r>
+              <a:rPr sz="1400" dirty="0" err="1">
+                <a:solidFill>
+                  <a:srgbClr val="444444"/>
+                </a:solidFill>
+              </a:rPr>
+              <a:t>전송</a:t>
+            </a:r>
+            <a:r>
+              <a:rPr sz="1400" dirty="0">
+                <a:solidFill>
+                  <a:srgbClr val="444444"/>
+                </a:solidFill>
+              </a:rPr>
+              <a:t> </a:t>
+            </a:r>
+            <a:r>
+              <a:rPr sz="1400" dirty="0" err="1">
+                <a:solidFill>
+                  <a:srgbClr val="444444"/>
+                </a:solidFill>
+              </a:rPr>
+              <a:t>없음</a:t>
+            </a:r>
+            <a:r>
+              <a:rPr sz="1400" dirty="0">
+                <a:solidFill>
+                  <a:srgbClr val="444444"/>
+                </a:solidFill>
+              </a:rPr>
+              <a:t>)</a:t>
             </a:r>
           </a:p>
         </p:txBody>
@@ -4837,13 +8304,34 @@
           <a:lstStyle/>
           <a:p>
             <a:r>
-              <a:rPr sz="1600" b="1">
+              <a:rPr sz="1600" b="1" dirty="0" err="1">
                 <a:solidFill>
                   <a:srgbClr val="667EEA"/>
                 </a:solidFill>
               </a:rPr>
-              <a:t>개발 성과</a:t>
-            </a:r>
+              <a:t>개발</a:t>
+            </a:r>
+            <a:r>
+              <a:rPr sz="1600" b="1" dirty="0">
+                <a:solidFill>
+                  <a:srgbClr val="667EEA"/>
+                </a:solidFill>
+              </a:rPr>
+              <a:t> </a:t>
+            </a:r>
+            <a:r>
+              <a:rPr sz="1600" b="1" dirty="0" err="1">
+                <a:solidFill>
+                  <a:srgbClr val="667EEA"/>
+                </a:solidFill>
+              </a:rPr>
+              <a:t>성과</a:t>
+            </a:r>
+            <a:endParaRPr sz="1600" b="1" dirty="0">
+              <a:solidFill>
+                <a:srgbClr val="667EEA"/>
+              </a:solidFill>
+            </a:endParaRPr>
           </a:p>
           <a:p>
             <a:pPr>
@@ -4852,13 +8340,122 @@
               </a:spcBef>
             </a:pPr>
             <a:r>
-              <a:rPr sz="1200">
-                <a:solidFill>
-                  <a:srgbClr val="444444"/>
-                </a:solidFill>
-              </a:rPr>
-              <a:t>1주일 MVP 완성, React 기반 모던 UI, 감정 분석 기능 구현</a:t>
-            </a:r>
+              <a:rPr sz="1200" dirty="0">
+                <a:solidFill>
+                  <a:srgbClr val="444444"/>
+                </a:solidFill>
+              </a:rPr>
+              <a:t>1주일 MVP </a:t>
+            </a:r>
+            <a:r>
+              <a:rPr sz="1200" dirty="0" err="1">
+                <a:solidFill>
+                  <a:srgbClr val="444444"/>
+                </a:solidFill>
+              </a:rPr>
+              <a:t>완성</a:t>
+            </a:r>
+            <a:r>
+              <a:rPr sz="1200" dirty="0">
+                <a:solidFill>
+                  <a:srgbClr val="444444"/>
+                </a:solidFill>
+              </a:rPr>
+              <a:t>, React </a:t>
+            </a:r>
+            <a:r>
+              <a:rPr sz="1200" dirty="0" err="1">
+                <a:solidFill>
+                  <a:srgbClr val="444444"/>
+                </a:solidFill>
+              </a:rPr>
+              <a:t>기반</a:t>
+            </a:r>
+            <a:r>
+              <a:rPr sz="1200" dirty="0">
+                <a:solidFill>
+                  <a:srgbClr val="444444"/>
+                </a:solidFill>
+              </a:rPr>
+              <a:t> </a:t>
+            </a:r>
+            <a:r>
+              <a:rPr sz="1200" dirty="0" err="1">
+                <a:solidFill>
+                  <a:srgbClr val="444444"/>
+                </a:solidFill>
+              </a:rPr>
+              <a:t>모던</a:t>
+            </a:r>
+            <a:r>
+              <a:rPr sz="1200" dirty="0">
+                <a:solidFill>
+                  <a:srgbClr val="444444"/>
+                </a:solidFill>
+              </a:rPr>
+              <a:t> UI, </a:t>
+            </a:r>
+            <a:r>
+              <a:rPr sz="1200" dirty="0" err="1">
+                <a:solidFill>
+                  <a:srgbClr val="444444"/>
+                </a:solidFill>
+              </a:rPr>
+              <a:t>감정</a:t>
+            </a:r>
+            <a:r>
+              <a:rPr sz="1200" dirty="0">
+                <a:solidFill>
+                  <a:srgbClr val="444444"/>
+                </a:solidFill>
+              </a:rPr>
+              <a:t> </a:t>
+            </a:r>
+            <a:r>
+              <a:rPr sz="1200" dirty="0" err="1">
+                <a:solidFill>
+                  <a:srgbClr val="444444"/>
+                </a:solidFill>
+              </a:rPr>
+              <a:t>분석</a:t>
+            </a:r>
+            <a:r>
+              <a:rPr sz="1200" dirty="0">
+                <a:solidFill>
+                  <a:srgbClr val="444444"/>
+                </a:solidFill>
+              </a:rPr>
+              <a:t> </a:t>
+            </a:r>
+            <a:r>
+              <a:rPr sz="1200" dirty="0" err="1">
+                <a:solidFill>
+                  <a:srgbClr val="444444"/>
+                </a:solidFill>
+              </a:rPr>
+              <a:t>기능</a:t>
+            </a:r>
+            <a:r>
+              <a:rPr sz="1200" dirty="0">
+                <a:solidFill>
+                  <a:srgbClr val="444444"/>
+                </a:solidFill>
+              </a:rPr>
+              <a:t> </a:t>
+            </a:r>
+            <a:r>
+              <a:rPr sz="1200" dirty="0" err="1">
+                <a:solidFill>
+                  <a:srgbClr val="444444"/>
+                </a:solidFill>
+              </a:rPr>
+              <a:t>구현</a:t>
+            </a:r>
+            <a:endParaRPr sz="1200" dirty="0">
+              <a:solidFill>
+                <a:srgbClr val="444444"/>
+              </a:solidFill>
+            </a:endParaRPr>
           </a:p>
         </p:txBody>
       </p:sp>
@@ -4885,13 +8482,34 @@
           <a:lstStyle/>
           <a:p>
             <a:r>
-              <a:rPr sz="1800" b="1">
+              <a:rPr sz="1800" b="1" dirty="0" err="1">
                 <a:solidFill>
                   <a:srgbClr val="764BA2"/>
                 </a:solidFill>
               </a:rPr>
-              <a:t>향후 계획</a:t>
-            </a:r>
+              <a:t>향후</a:t>
+            </a:r>
+            <a:r>
+              <a:rPr sz="1800" b="1" dirty="0">
+                <a:solidFill>
+                  <a:srgbClr val="764BA2"/>
+                </a:solidFill>
+              </a:rPr>
+              <a:t> </a:t>
+            </a:r>
+            <a:r>
+              <a:rPr sz="1800" b="1" dirty="0" err="1">
+                <a:solidFill>
+                  <a:srgbClr val="764BA2"/>
+                </a:solidFill>
+              </a:rPr>
+              <a:t>계획</a:t>
+            </a:r>
+            <a:endParaRPr sz="1800" b="1" dirty="0">
+              <a:solidFill>
+                <a:srgbClr val="764BA2"/>
+              </a:solidFill>
+            </a:endParaRPr>
           </a:p>
           <a:p>
             <a:pPr>
@@ -4900,13 +8518,122 @@
               </a:spcBef>
             </a:pPr>
             <a:r>
-              <a:rPr sz="1300">
-                <a:solidFill>
-                  <a:srgbClr val="444444"/>
-                </a:solidFill>
-              </a:rPr>
-              <a:t>PWA 지원, AI 분석 고도화, 모바일 앱, 클라우드 백업</a:t>
-            </a:r>
+              <a:rPr sz="1300" dirty="0">
+                <a:solidFill>
+                  <a:srgbClr val="444444"/>
+                </a:solidFill>
+              </a:rPr>
+              <a:t>PWA </a:t>
+            </a:r>
+            <a:r>
+              <a:rPr sz="1300" dirty="0" err="1">
+                <a:solidFill>
+                  <a:srgbClr val="444444"/>
+                </a:solidFill>
+              </a:rPr>
+              <a:t>지원</a:t>
+            </a:r>
+            <a:r>
+              <a:rPr sz="1300" dirty="0">
+                <a:solidFill>
+                  <a:srgbClr val="444444"/>
+                </a:solidFill>
+              </a:rPr>
+              <a:t>, AI </a:t>
+            </a:r>
+            <a:r>
+              <a:rPr sz="1300" dirty="0" err="1">
+                <a:solidFill>
+                  <a:srgbClr val="444444"/>
+                </a:solidFill>
+              </a:rPr>
+              <a:t>분석</a:t>
+            </a:r>
+            <a:r>
+              <a:rPr sz="1300" dirty="0">
+                <a:solidFill>
+                  <a:srgbClr val="444444"/>
+                </a:solidFill>
+              </a:rPr>
+              <a:t> </a:t>
+            </a:r>
+            <a:r>
+              <a:rPr sz="1300" dirty="0" err="1">
+                <a:solidFill>
+                  <a:srgbClr val="444444"/>
+                </a:solidFill>
+              </a:rPr>
+              <a:t>고도화</a:t>
+            </a:r>
+            <a:r>
+              <a:rPr sz="1300" dirty="0">
+                <a:solidFill>
+                  <a:srgbClr val="444444"/>
+                </a:solidFill>
+              </a:rPr>
+              <a:t>, </a:t>
+            </a:r>
+            <a:r>
+              <a:rPr sz="1300" dirty="0" err="1">
+                <a:solidFill>
+                  <a:srgbClr val="444444"/>
+                </a:solidFill>
+              </a:rPr>
+              <a:t>모바일</a:t>
+            </a:r>
+            <a:r>
+              <a:rPr sz="1300" dirty="0">
+                <a:solidFill>
+                  <a:srgbClr val="444444"/>
+                </a:solidFill>
+              </a:rPr>
+              <a:t> </a:t>
+            </a:r>
+            <a:r>
+              <a:rPr sz="1300" dirty="0" err="1">
+                <a:solidFill>
+                  <a:srgbClr val="444444"/>
+                </a:solidFill>
+              </a:rPr>
+              <a:t>앱</a:t>
+            </a:r>
+            <a:r>
+              <a:rPr sz="1300" dirty="0">
+                <a:solidFill>
+                  <a:srgbClr val="444444"/>
+                </a:solidFill>
+              </a:rPr>
+              <a:t>, </a:t>
+            </a:r>
+            <a:r>
+              <a:rPr sz="1300" dirty="0" err="1">
+                <a:solidFill>
+                  <a:srgbClr val="444444"/>
+                </a:solidFill>
+              </a:rPr>
+              <a:t>클라우드</a:t>
+            </a:r>
+            <a:r>
+              <a:rPr sz="1300" dirty="0">
+                <a:solidFill>
+                  <a:srgbClr val="444444"/>
+                </a:solidFill>
+              </a:rPr>
+              <a:t> </a:t>
+            </a:r>
+            <a:r>
+              <a:rPr sz="1300" dirty="0" err="1">
+                <a:solidFill>
+                  <a:srgbClr val="444444"/>
+                </a:solidFill>
+              </a:rPr>
+              <a:t>백업</a:t>
+            </a:r>
+            <a:endParaRPr sz="1300" dirty="0">
+              <a:solidFill>
+                <a:srgbClr val="444444"/>
+              </a:solidFill>
+            </a:endParaRPr>
           </a:p>
         </p:txBody>
       </p:sp>
